--- a/presentations/projectfinal-04-08-17.pptx
+++ b/presentations/projectfinal-04-08-17.pptx
@@ -5,7 +5,7 @@
     <p:sldMasterId id="2147483648" r:id="rId1"/>
   </p:sldMasterIdLst>
   <p:notesMasterIdLst>
-    <p:notesMasterId r:id="rId12"/>
+    <p:notesMasterId r:id="rId15"/>
   </p:notesMasterIdLst>
   <p:sldIdLst>
     <p:sldId id="256" r:id="rId2"/>
@@ -13,11 +13,14 @@
     <p:sldId id="257" r:id="rId4"/>
     <p:sldId id="258" r:id="rId5"/>
     <p:sldId id="259" r:id="rId6"/>
-    <p:sldId id="260" r:id="rId7"/>
-    <p:sldId id="262" r:id="rId8"/>
-    <p:sldId id="263" r:id="rId9"/>
-    <p:sldId id="265" r:id="rId10"/>
-    <p:sldId id="266" r:id="rId11"/>
+    <p:sldId id="267" r:id="rId7"/>
+    <p:sldId id="268" r:id="rId8"/>
+    <p:sldId id="260" r:id="rId9"/>
+    <p:sldId id="262" r:id="rId10"/>
+    <p:sldId id="263" r:id="rId11"/>
+    <p:sldId id="265" r:id="rId12"/>
+    <p:sldId id="266" r:id="rId13"/>
+    <p:sldId id="269" r:id="rId14"/>
   </p:sldIdLst>
   <p:sldSz cx="12192000" cy="6858000"/>
   <p:notesSz cx="6858000" cy="9144000"/>
@@ -217,7 +220,7 @@
           <a:p>
             <a:fld id="{5C74C48E-4E98-4F1A-84F0-03A5B5D08A15}" type="datetimeFigureOut">
               <a:rPr lang="de-DE" smtClean="0"/>
-              <a:t>03.08.2017</a:t>
+              <a:t>04.08.2017</a:t>
             </a:fld>
             <a:endParaRPr lang="de-DE"/>
           </a:p>
@@ -694,6 +697,20 @@
               <a:rPr lang="de-DE" baseline="0" dirty="0" smtClean="0"/>
               <a:t> direkt integriert </a:t>
             </a:r>
+            <a:endParaRPr lang="de-DE" baseline="0" dirty="0" smtClean="0"/>
+          </a:p>
+          <a:p>
+            <a:pPr marL="171450" indent="-171450">
+              <a:buFontTx/>
+              <a:buChar char="-"/>
+            </a:pPr>
+            <a:endParaRPr lang="de-DE" baseline="0" dirty="0" smtClean="0"/>
+          </a:p>
+          <a:p>
+            <a:pPr marL="171450" indent="-171450">
+              <a:buFontTx/>
+              <a:buChar char="-"/>
+            </a:pPr>
             <a:endParaRPr lang="de-DE" dirty="0"/>
           </a:p>
         </p:txBody>
@@ -862,7 +879,7 @@
           <a:p>
             <a:fld id="{934FFCC2-CB78-47B2-A6EB-E1A22EB43383}" type="slidenum">
               <a:rPr lang="de-DE" smtClean="0"/>
-              <a:t>6</a:t>
+              <a:t>8</a:t>
             </a:fld>
             <a:endParaRPr lang="de-DE"/>
           </a:p>
@@ -1181,7 +1198,7 @@
           <a:p>
             <a:fld id="{934FFCC2-CB78-47B2-A6EB-E1A22EB43383}" type="slidenum">
               <a:rPr lang="de-DE" smtClean="0"/>
-              <a:t>7</a:t>
+              <a:t>9</a:t>
             </a:fld>
             <a:endParaRPr lang="de-DE"/>
           </a:p>
@@ -1331,7 +1348,7 @@
           <a:p>
             <a:fld id="{DCADD629-D001-4964-A795-16A9CA280B81}" type="datetimeFigureOut">
               <a:rPr lang="de-DE" smtClean="0"/>
-              <a:t>03.08.2017</a:t>
+              <a:t>04.08.2017</a:t>
             </a:fld>
             <a:endParaRPr lang="de-DE"/>
           </a:p>
@@ -1508,7 +1525,7 @@
           <a:p>
             <a:fld id="{DCADD629-D001-4964-A795-16A9CA280B81}" type="datetimeFigureOut">
               <a:rPr lang="de-DE" smtClean="0"/>
-              <a:t>03.08.2017</a:t>
+              <a:t>04.08.2017</a:t>
             </a:fld>
             <a:endParaRPr lang="de-DE"/>
           </a:p>
@@ -1695,7 +1712,7 @@
           <a:p>
             <a:fld id="{DCADD629-D001-4964-A795-16A9CA280B81}" type="datetimeFigureOut">
               <a:rPr lang="de-DE" smtClean="0"/>
-              <a:t>03.08.2017</a:t>
+              <a:t>04.08.2017</a:t>
             </a:fld>
             <a:endParaRPr lang="de-DE"/>
           </a:p>
@@ -1872,7 +1889,7 @@
           <a:p>
             <a:fld id="{DCADD629-D001-4964-A795-16A9CA280B81}" type="datetimeFigureOut">
               <a:rPr lang="de-DE" smtClean="0"/>
-              <a:t>03.08.2017</a:t>
+              <a:t>04.08.2017</a:t>
             </a:fld>
             <a:endParaRPr lang="de-DE"/>
           </a:p>
@@ -2125,7 +2142,7 @@
           <a:p>
             <a:fld id="{DCADD629-D001-4964-A795-16A9CA280B81}" type="datetimeFigureOut">
               <a:rPr lang="de-DE" smtClean="0"/>
-              <a:t>03.08.2017</a:t>
+              <a:t>04.08.2017</a:t>
             </a:fld>
             <a:endParaRPr lang="de-DE"/>
           </a:p>
@@ -2364,7 +2381,7 @@
           <a:p>
             <a:fld id="{DCADD629-D001-4964-A795-16A9CA280B81}" type="datetimeFigureOut">
               <a:rPr lang="de-DE" smtClean="0"/>
-              <a:t>03.08.2017</a:t>
+              <a:t>04.08.2017</a:t>
             </a:fld>
             <a:endParaRPr lang="de-DE"/>
           </a:p>
@@ -2738,7 +2755,7 @@
           <a:p>
             <a:fld id="{DCADD629-D001-4964-A795-16A9CA280B81}" type="datetimeFigureOut">
               <a:rPr lang="de-DE" smtClean="0"/>
-              <a:t>03.08.2017</a:t>
+              <a:t>04.08.2017</a:t>
             </a:fld>
             <a:endParaRPr lang="de-DE"/>
           </a:p>
@@ -2856,7 +2873,7 @@
           <a:p>
             <a:fld id="{DCADD629-D001-4964-A795-16A9CA280B81}" type="datetimeFigureOut">
               <a:rPr lang="de-DE" smtClean="0"/>
-              <a:t>03.08.2017</a:t>
+              <a:t>04.08.2017</a:t>
             </a:fld>
             <a:endParaRPr lang="de-DE"/>
           </a:p>
@@ -2958,7 +2975,7 @@
           <a:p>
             <a:fld id="{DCADD629-D001-4964-A795-16A9CA280B81}" type="datetimeFigureOut">
               <a:rPr lang="de-DE" smtClean="0"/>
-              <a:t>03.08.2017</a:t>
+              <a:t>04.08.2017</a:t>
             </a:fld>
             <a:endParaRPr lang="de-DE"/>
           </a:p>
@@ -3242,7 +3259,7 @@
           <a:p>
             <a:fld id="{DCADD629-D001-4964-A795-16A9CA280B81}" type="datetimeFigureOut">
               <a:rPr lang="de-DE" smtClean="0"/>
-              <a:t>03.08.2017</a:t>
+              <a:t>04.08.2017</a:t>
             </a:fld>
             <a:endParaRPr lang="de-DE"/>
           </a:p>
@@ -3502,7 +3519,7 @@
           <a:p>
             <a:fld id="{DCADD629-D001-4964-A795-16A9CA280B81}" type="datetimeFigureOut">
               <a:rPr lang="de-DE" smtClean="0"/>
-              <a:t>03.08.2017</a:t>
+              <a:t>04.08.2017</a:t>
             </a:fld>
             <a:endParaRPr lang="de-DE"/>
           </a:p>
@@ -3722,7 +3739,7 @@
           <a:p>
             <a:fld id="{DCADD629-D001-4964-A795-16A9CA280B81}" type="datetimeFigureOut">
               <a:rPr lang="de-DE" smtClean="0"/>
-              <a:t>03.08.2017</a:t>
+              <a:t>04.08.2017</a:t>
             </a:fld>
             <a:endParaRPr lang="de-DE"/>
           </a:p>
@@ -3811,7 +3828,7 @@
           <p:cNvPr id="8" name="Grafik 7">
             <a:extLst>
               <a:ext uri="{FF2B5EF4-FFF2-40B4-BE49-F238E27FC236}">
-                <a16:creationId xmlns="" xmlns:a16="http://schemas.microsoft.com/office/drawing/2014/main" id="{2A6B2E42-F8B7-4CD5-8271-4E9EF43866C0}"/>
+                <a16:creationId xmlns:a16="http://schemas.microsoft.com/office/drawing/2014/main" xmlns="" id="{2A6B2E42-F8B7-4CD5-8271-4E9EF43866C0}"/>
               </a:ext>
             </a:extLst>
           </p:cNvPr>
@@ -4226,14 +4243,7 @@
                 <a:latin typeface="Chela One" panose="02000000000000000000" pitchFamily="2" charset="0"/>
                 <a:cs typeface="Arial" panose="020B0604020202020204" pitchFamily="34" charset="0"/>
               </a:rPr>
-              <a:t>Ein Azubi-Projekt der Universität </a:t>
-            </a:r>
-            <a:r>
-              <a:rPr lang="de-DE" sz="2800" dirty="0" smtClean="0">
-                <a:latin typeface="Chela One" panose="02000000000000000000" pitchFamily="2" charset="0"/>
-                <a:cs typeface="Arial" panose="020B0604020202020204" pitchFamily="34" charset="0"/>
-              </a:rPr>
-              <a:t>Ulm</a:t>
+              <a:t>Ein Azubi-Projekt der Universität Ulm</a:t>
             </a:r>
           </a:p>
           <a:p>
@@ -4309,6 +4319,164 @@
           <a:p>
             <a:r>
               <a:rPr lang="de-DE" dirty="0" smtClean="0"/>
+              <a:t>Ausblick</a:t>
+            </a:r>
+            <a:endParaRPr lang="de-DE" dirty="0"/>
+          </a:p>
+        </p:txBody>
+      </p:sp>
+      <p:sp>
+        <p:nvSpPr>
+          <p:cNvPr id="4" name="Inhaltsplatzhalter 3"/>
+          <p:cNvSpPr>
+            <a:spLocks noGrp="1"/>
+          </p:cNvSpPr>
+          <p:nvPr>
+            <p:ph idx="1"/>
+          </p:nvPr>
+        </p:nvSpPr>
+        <p:spPr/>
+        <p:txBody>
+          <a:bodyPr/>
+          <a:lstStyle/>
+          <a:p>
+            <a:endParaRPr lang="de-DE"/>
+          </a:p>
+        </p:txBody>
+      </p:sp>
+    </p:spTree>
+    <p:extLst>
+      <p:ext uri="{BB962C8B-B14F-4D97-AF65-F5344CB8AC3E}">
+        <p14:creationId xmlns:p14="http://schemas.microsoft.com/office/powerpoint/2010/main" val="3640803150"/>
+      </p:ext>
+    </p:extLst>
+  </p:cSld>
+  <p:clrMapOvr>
+    <a:masterClrMapping/>
+  </p:clrMapOvr>
+  <p:timing>
+    <p:tnLst>
+      <p:par>
+        <p:cTn id="1" dur="indefinite" restart="never" nodeType="tmRoot"/>
+      </p:par>
+    </p:tnLst>
+  </p:timing>
+</p:sld>
+</file>
+
+<file path=ppt/slides/slide11.xml><?xml version="1.0" encoding="utf-8"?>
+<p:sld xmlns:a="http://schemas.openxmlformats.org/drawingml/2006/main" xmlns:r="http://schemas.openxmlformats.org/officeDocument/2006/relationships" xmlns:p="http://schemas.openxmlformats.org/presentationml/2006/main">
+  <p:cSld>
+    <p:spTree>
+      <p:nvGrpSpPr>
+        <p:cNvPr id="1" name=""/>
+        <p:cNvGrpSpPr/>
+        <p:nvPr/>
+      </p:nvGrpSpPr>
+      <p:grpSpPr>
+        <a:xfrm>
+          <a:off x="0" y="0"/>
+          <a:ext cx="0" cy="0"/>
+          <a:chOff x="0" y="0"/>
+          <a:chExt cx="0" cy="0"/>
+        </a:xfrm>
+      </p:grpSpPr>
+      <p:sp>
+        <p:nvSpPr>
+          <p:cNvPr id="2" name="Titel 1"/>
+          <p:cNvSpPr>
+            <a:spLocks noGrp="1"/>
+          </p:cNvSpPr>
+          <p:nvPr>
+            <p:ph type="title"/>
+          </p:nvPr>
+        </p:nvSpPr>
+        <p:spPr/>
+        <p:txBody>
+          <a:bodyPr/>
+          <a:lstStyle/>
+          <a:p>
+            <a:r>
+              <a:rPr lang="de-DE" dirty="0" smtClean="0"/>
+              <a:t>Fazit</a:t>
+            </a:r>
+            <a:endParaRPr lang="de-DE" dirty="0"/>
+          </a:p>
+        </p:txBody>
+      </p:sp>
+      <p:sp>
+        <p:nvSpPr>
+          <p:cNvPr id="3" name="Inhaltsplatzhalter 2"/>
+          <p:cNvSpPr>
+            <a:spLocks noGrp="1"/>
+          </p:cNvSpPr>
+          <p:nvPr>
+            <p:ph idx="1"/>
+          </p:nvPr>
+        </p:nvSpPr>
+        <p:spPr/>
+        <p:txBody>
+          <a:bodyPr/>
+          <a:lstStyle/>
+          <a:p>
+            <a:endParaRPr lang="de-DE"/>
+          </a:p>
+        </p:txBody>
+      </p:sp>
+    </p:spTree>
+    <p:extLst>
+      <p:ext uri="{BB962C8B-B14F-4D97-AF65-F5344CB8AC3E}">
+        <p14:creationId xmlns:p14="http://schemas.microsoft.com/office/powerpoint/2010/main" val="675343696"/>
+      </p:ext>
+    </p:extLst>
+  </p:cSld>
+  <p:clrMapOvr>
+    <a:masterClrMapping/>
+  </p:clrMapOvr>
+  <p:timing>
+    <p:tnLst>
+      <p:par>
+        <p:cTn id="1" dur="indefinite" restart="never" nodeType="tmRoot"/>
+      </p:par>
+    </p:tnLst>
+  </p:timing>
+</p:sld>
+</file>
+
+<file path=ppt/slides/slide12.xml><?xml version="1.0" encoding="utf-8"?>
+<p:sld xmlns:a="http://schemas.openxmlformats.org/drawingml/2006/main" xmlns:r="http://schemas.openxmlformats.org/officeDocument/2006/relationships" xmlns:p="http://schemas.openxmlformats.org/presentationml/2006/main">
+  <p:cSld>
+    <p:spTree>
+      <p:nvGrpSpPr>
+        <p:cNvPr id="1" name=""/>
+        <p:cNvGrpSpPr/>
+        <p:nvPr/>
+      </p:nvGrpSpPr>
+      <p:grpSpPr>
+        <a:xfrm>
+          <a:off x="0" y="0"/>
+          <a:ext cx="0" cy="0"/>
+          <a:chOff x="0" y="0"/>
+          <a:chExt cx="0" cy="0"/>
+        </a:xfrm>
+      </p:grpSpPr>
+      <p:sp>
+        <p:nvSpPr>
+          <p:cNvPr id="2" name="Titel 1"/>
+          <p:cNvSpPr>
+            <a:spLocks noGrp="1"/>
+          </p:cNvSpPr>
+          <p:nvPr>
+            <p:ph type="title"/>
+          </p:nvPr>
+        </p:nvSpPr>
+        <p:spPr/>
+        <p:txBody>
+          <a:bodyPr/>
+          <a:lstStyle/>
+          <a:p>
+            <a:r>
+              <a:rPr lang="de-DE" dirty="0" smtClean="0"/>
               <a:t>Quellen</a:t>
             </a:r>
             <a:endParaRPr lang="de-DE" dirty="0"/>
@@ -4354,6 +4522,95 @@
       </p:par>
     </p:tnLst>
   </p:timing>
+</p:sld>
+</file>
+
+<file path=ppt/slides/slide13.xml><?xml version="1.0" encoding="utf-8"?>
+<p:sld xmlns:a="http://schemas.openxmlformats.org/drawingml/2006/main" xmlns:r="http://schemas.openxmlformats.org/officeDocument/2006/relationships" xmlns:p="http://schemas.openxmlformats.org/presentationml/2006/main">
+  <p:cSld>
+    <p:spTree>
+      <p:nvGrpSpPr>
+        <p:cNvPr id="1" name=""/>
+        <p:cNvGrpSpPr/>
+        <p:nvPr/>
+      </p:nvGrpSpPr>
+      <p:grpSpPr>
+        <a:xfrm>
+          <a:off x="0" y="0"/>
+          <a:ext cx="0" cy="0"/>
+          <a:chOff x="0" y="0"/>
+          <a:chExt cx="0" cy="0"/>
+        </a:xfrm>
+      </p:grpSpPr>
+      <p:sp>
+        <p:nvSpPr>
+          <p:cNvPr id="2" name="Titel 1"/>
+          <p:cNvSpPr>
+            <a:spLocks noGrp="1"/>
+          </p:cNvSpPr>
+          <p:nvPr>
+            <p:ph type="title"/>
+          </p:nvPr>
+        </p:nvSpPr>
+        <p:spPr/>
+        <p:txBody>
+          <a:bodyPr/>
+          <a:lstStyle/>
+          <a:p>
+            <a:endParaRPr lang="de-DE"/>
+          </a:p>
+        </p:txBody>
+      </p:sp>
+      <p:sp>
+        <p:nvSpPr>
+          <p:cNvPr id="3" name="Inhaltsplatzhalter 2"/>
+          <p:cNvSpPr>
+            <a:spLocks noGrp="1"/>
+          </p:cNvSpPr>
+          <p:nvPr>
+            <p:ph idx="1"/>
+          </p:nvPr>
+        </p:nvSpPr>
+        <p:spPr/>
+        <p:txBody>
+          <a:bodyPr/>
+          <a:lstStyle/>
+          <a:p>
+            <a:pPr fontAlgn="base"/>
+            <a:r>
+              <a:rPr lang="de-DE" dirty="0"/>
+              <a:t>Dokumentation, weiteres und Code auf </a:t>
+            </a:r>
+            <a:r>
+              <a:rPr lang="de-DE" dirty="0">
+                <a:hlinkClick r:id="rId2" tooltip="https://github.com/officialtiger/summerschool2017"/>
+              </a:rPr>
+              <a:t>https://github.com/officialtiger/summerschool2017</a:t>
+            </a:r>
+            <a:endParaRPr lang="de-DE" dirty="0"/>
+          </a:p>
+          <a:p>
+            <a:r>
+              <a:rPr lang="de-DE" dirty="0"/>
+              <a:t/>
+            </a:r>
+            <a:br>
+              <a:rPr lang="de-DE" dirty="0"/>
+            </a:br>
+            <a:endParaRPr lang="de-DE" dirty="0"/>
+          </a:p>
+        </p:txBody>
+      </p:sp>
+    </p:spTree>
+    <p:extLst>
+      <p:ext uri="{BB962C8B-B14F-4D97-AF65-F5344CB8AC3E}">
+        <p14:creationId xmlns:p14="http://schemas.microsoft.com/office/powerpoint/2010/main" val="2831790691"/>
+      </p:ext>
+    </p:extLst>
+  </p:cSld>
+  <p:clrMapOvr>
+    <a:masterClrMapping/>
+  </p:clrMapOvr>
 </p:sld>
 </file>
 
@@ -4379,7 +4636,7 @@
           <p:cNvPr id="6" name="Grafik 5">
             <a:extLst>
               <a:ext uri="{FF2B5EF4-FFF2-40B4-BE49-F238E27FC236}">
-                <a16:creationId xmlns="" xmlns:a16="http://schemas.microsoft.com/office/drawing/2014/main" id="{AFCB8F02-F847-4478-8D36-254C5F12E925}"/>
+                <a16:creationId xmlns:a16="http://schemas.microsoft.com/office/drawing/2014/main" xmlns="" id="{AFCB8F02-F847-4478-8D36-254C5F12E925}"/>
               </a:ext>
             </a:extLst>
           </p:cNvPr>
@@ -4444,7 +4701,7 @@
           <p:cNvPr id="20" name="Grafik 19">
             <a:extLst>
               <a:ext uri="{FF2B5EF4-FFF2-40B4-BE49-F238E27FC236}">
-                <a16:creationId xmlns="" xmlns:a16="http://schemas.microsoft.com/office/drawing/2014/main" id="{F1A2BD1B-6399-42A8-8328-BAF5655F8AB7}"/>
+                <a16:creationId xmlns:a16="http://schemas.microsoft.com/office/drawing/2014/main" xmlns="" id="{F1A2BD1B-6399-42A8-8328-BAF5655F8AB7}"/>
               </a:ext>
             </a:extLst>
           </p:cNvPr>
@@ -4460,7 +4717,7 @@
                 <a14:useLocalDpi xmlns:a14="http://schemas.microsoft.com/office/drawing/2010/main" val="0"/>
               </a:ext>
               <a:ext uri="{96DAC541-7B7A-43D3-8B79-37D633B846F1}">
-                <asvg:svgBlip xmlns="" xmlns:asvg="http://schemas.microsoft.com/office/drawing/2016/SVG/main" r:embed="rId6"/>
+                <asvg:svgBlip xmlns:asvg="http://schemas.microsoft.com/office/drawing/2016/SVG/main" xmlns="" r:embed="rId6"/>
               </a:ext>
             </a:extLst>
           </a:blip>
@@ -4483,7 +4740,7 @@
           <p:cNvPr id="22" name="Grafik 21">
             <a:extLst>
               <a:ext uri="{FF2B5EF4-FFF2-40B4-BE49-F238E27FC236}">
-                <a16:creationId xmlns="" xmlns:a16="http://schemas.microsoft.com/office/drawing/2014/main" id="{09920B75-864D-49FF-B2FF-7B09FA054297}"/>
+                <a16:creationId xmlns:a16="http://schemas.microsoft.com/office/drawing/2014/main" xmlns="" id="{09920B75-864D-49FF-B2FF-7B09FA054297}"/>
               </a:ext>
             </a:extLst>
           </p:cNvPr>
@@ -5018,6 +5275,154 @@
           <a:p>
             <a:r>
               <a:rPr lang="de-DE" dirty="0" smtClean="0"/>
+              <a:t>Hardware Aufbau</a:t>
+            </a:r>
+            <a:endParaRPr lang="de-DE" dirty="0"/>
+          </a:p>
+        </p:txBody>
+      </p:sp>
+      <p:sp>
+        <p:nvSpPr>
+          <p:cNvPr id="3" name="Inhaltsplatzhalter 2"/>
+          <p:cNvSpPr>
+            <a:spLocks noGrp="1"/>
+          </p:cNvSpPr>
+          <p:nvPr>
+            <p:ph idx="1"/>
+          </p:nvPr>
+        </p:nvSpPr>
+        <p:spPr/>
+        <p:txBody>
+          <a:bodyPr/>
+          <a:lstStyle/>
+          <a:p>
+            <a:endParaRPr lang="de-DE"/>
+          </a:p>
+        </p:txBody>
+      </p:sp>
+    </p:spTree>
+    <p:extLst>
+      <p:ext uri="{BB962C8B-B14F-4D97-AF65-F5344CB8AC3E}">
+        <p14:creationId xmlns:p14="http://schemas.microsoft.com/office/powerpoint/2010/main" val="4277489425"/>
+      </p:ext>
+    </p:extLst>
+  </p:cSld>
+  <p:clrMapOvr>
+    <a:masterClrMapping/>
+  </p:clrMapOvr>
+</p:sld>
+</file>
+
+<file path=ppt/slides/slide7.xml><?xml version="1.0" encoding="utf-8"?>
+<p:sld xmlns:a="http://schemas.openxmlformats.org/drawingml/2006/main" xmlns:r="http://schemas.openxmlformats.org/officeDocument/2006/relationships" xmlns:p="http://schemas.openxmlformats.org/presentationml/2006/main">
+  <p:cSld>
+    <p:spTree>
+      <p:nvGrpSpPr>
+        <p:cNvPr id="1" name=""/>
+        <p:cNvGrpSpPr/>
+        <p:nvPr/>
+      </p:nvGrpSpPr>
+      <p:grpSpPr>
+        <a:xfrm>
+          <a:off x="0" y="0"/>
+          <a:ext cx="0" cy="0"/>
+          <a:chOff x="0" y="0"/>
+          <a:chExt cx="0" cy="0"/>
+        </a:xfrm>
+      </p:grpSpPr>
+      <p:sp>
+        <p:nvSpPr>
+          <p:cNvPr id="2" name="Titel 1"/>
+          <p:cNvSpPr>
+            <a:spLocks noGrp="1"/>
+          </p:cNvSpPr>
+          <p:nvPr>
+            <p:ph type="title"/>
+          </p:nvPr>
+        </p:nvSpPr>
+        <p:spPr/>
+        <p:txBody>
+          <a:bodyPr/>
+          <a:lstStyle/>
+          <a:p>
+            <a:r>
+              <a:rPr lang="de-DE" dirty="0" err="1" smtClean="0"/>
+              <a:t>Arduino</a:t>
+            </a:r>
+            <a:r>
+              <a:rPr lang="de-DE" dirty="0" smtClean="0"/>
+              <a:t> Code</a:t>
+            </a:r>
+            <a:endParaRPr lang="de-DE" dirty="0"/>
+          </a:p>
+        </p:txBody>
+      </p:sp>
+      <p:sp>
+        <p:nvSpPr>
+          <p:cNvPr id="3" name="Inhaltsplatzhalter 2"/>
+          <p:cNvSpPr>
+            <a:spLocks noGrp="1"/>
+          </p:cNvSpPr>
+          <p:nvPr>
+            <p:ph idx="1"/>
+          </p:nvPr>
+        </p:nvSpPr>
+        <p:spPr/>
+        <p:txBody>
+          <a:bodyPr/>
+          <a:lstStyle/>
+          <a:p>
+            <a:endParaRPr lang="de-DE" dirty="0"/>
+          </a:p>
+        </p:txBody>
+      </p:sp>
+    </p:spTree>
+    <p:extLst>
+      <p:ext uri="{BB962C8B-B14F-4D97-AF65-F5344CB8AC3E}">
+        <p14:creationId xmlns:p14="http://schemas.microsoft.com/office/powerpoint/2010/main" val="3316484060"/>
+      </p:ext>
+    </p:extLst>
+  </p:cSld>
+  <p:clrMapOvr>
+    <a:masterClrMapping/>
+  </p:clrMapOvr>
+</p:sld>
+</file>
+
+<file path=ppt/slides/slide8.xml><?xml version="1.0" encoding="utf-8"?>
+<p:sld xmlns:a="http://schemas.openxmlformats.org/drawingml/2006/main" xmlns:r="http://schemas.openxmlformats.org/officeDocument/2006/relationships" xmlns:p="http://schemas.openxmlformats.org/presentationml/2006/main">
+  <p:cSld>
+    <p:spTree>
+      <p:nvGrpSpPr>
+        <p:cNvPr id="1" name=""/>
+        <p:cNvGrpSpPr/>
+        <p:nvPr/>
+      </p:nvGrpSpPr>
+      <p:grpSpPr>
+        <a:xfrm>
+          <a:off x="0" y="0"/>
+          <a:ext cx="0" cy="0"/>
+          <a:chOff x="0" y="0"/>
+          <a:chExt cx="0" cy="0"/>
+        </a:xfrm>
+      </p:grpSpPr>
+      <p:sp>
+        <p:nvSpPr>
+          <p:cNvPr id="2" name="Titel 1"/>
+          <p:cNvSpPr>
+            <a:spLocks noGrp="1"/>
+          </p:cNvSpPr>
+          <p:nvPr>
+            <p:ph type="title"/>
+          </p:nvPr>
+        </p:nvSpPr>
+        <p:spPr/>
+        <p:txBody>
+          <a:bodyPr/>
+          <a:lstStyle/>
+          <a:p>
+            <a:r>
+              <a:rPr lang="de-DE" dirty="0" smtClean="0"/>
               <a:t>Übertragung der Daten</a:t>
             </a:r>
             <a:endParaRPr lang="de-DE" dirty="0"/>
@@ -5106,7 +5511,7 @@
 </p:sld>
 </file>
 
-<file path=ppt/slides/slide7.xml><?xml version="1.0" encoding="utf-8"?>
+<file path=ppt/slides/slide9.xml><?xml version="1.0" encoding="utf-8"?>
 <p:sld xmlns:a="http://schemas.openxmlformats.org/drawingml/2006/main" xmlns:r="http://schemas.openxmlformats.org/officeDocument/2006/relationships" xmlns:p="http://schemas.openxmlformats.org/presentationml/2006/main">
   <p:cSld>
     <p:spTree>
@@ -5260,163 +5665,6 @@
     <p:extLst>
       <p:ext uri="{BB962C8B-B14F-4D97-AF65-F5344CB8AC3E}">
         <p14:creationId xmlns:p14="http://schemas.microsoft.com/office/powerpoint/2010/main" val="2974524399"/>
-      </p:ext>
-    </p:extLst>
-  </p:cSld>
-  <p:clrMapOvr>
-    <a:masterClrMapping/>
-  </p:clrMapOvr>
-  <p:timing>
-    <p:tnLst>
-      <p:par>
-        <p:cTn id="1" dur="indefinite" restart="never" nodeType="tmRoot"/>
-      </p:par>
-    </p:tnLst>
-  </p:timing>
-</p:sld>
-</file>
-
-<file path=ppt/slides/slide8.xml><?xml version="1.0" encoding="utf-8"?>
-<p:sld xmlns:a="http://schemas.openxmlformats.org/drawingml/2006/main" xmlns:r="http://schemas.openxmlformats.org/officeDocument/2006/relationships" xmlns:p="http://schemas.openxmlformats.org/presentationml/2006/main">
-  <p:cSld>
-    <p:spTree>
-      <p:nvGrpSpPr>
-        <p:cNvPr id="1" name=""/>
-        <p:cNvGrpSpPr/>
-        <p:nvPr/>
-      </p:nvGrpSpPr>
-      <p:grpSpPr>
-        <a:xfrm>
-          <a:off x="0" y="0"/>
-          <a:ext cx="0" cy="0"/>
-          <a:chOff x="0" y="0"/>
-          <a:chExt cx="0" cy="0"/>
-        </a:xfrm>
-      </p:grpSpPr>
-      <p:sp>
-        <p:nvSpPr>
-          <p:cNvPr id="2" name="Titel 1"/>
-          <p:cNvSpPr>
-            <a:spLocks noGrp="1"/>
-          </p:cNvSpPr>
-          <p:nvPr>
-            <p:ph type="title"/>
-          </p:nvPr>
-        </p:nvSpPr>
-        <p:spPr/>
-        <p:txBody>
-          <a:bodyPr/>
-          <a:lstStyle/>
-          <a:p>
-            <a:r>
-              <a:rPr lang="de-DE" dirty="0" smtClean="0"/>
-              <a:t>Aktueller Stand</a:t>
-            </a:r>
-            <a:endParaRPr lang="de-DE" dirty="0"/>
-          </a:p>
-        </p:txBody>
-      </p:sp>
-      <p:sp>
-        <p:nvSpPr>
-          <p:cNvPr id="4" name="Inhaltsplatzhalter 3"/>
-          <p:cNvSpPr>
-            <a:spLocks noGrp="1"/>
-          </p:cNvSpPr>
-          <p:nvPr>
-            <p:ph idx="1"/>
-          </p:nvPr>
-        </p:nvSpPr>
-        <p:spPr/>
-        <p:txBody>
-          <a:bodyPr/>
-          <a:lstStyle/>
-          <a:p>
-            <a:endParaRPr lang="de-DE"/>
-          </a:p>
-        </p:txBody>
-      </p:sp>
-    </p:spTree>
-    <p:extLst>
-      <p:ext uri="{BB962C8B-B14F-4D97-AF65-F5344CB8AC3E}">
-        <p14:creationId xmlns:p14="http://schemas.microsoft.com/office/powerpoint/2010/main" val="3640803150"/>
-      </p:ext>
-    </p:extLst>
-  </p:cSld>
-  <p:clrMapOvr>
-    <a:masterClrMapping/>
-  </p:clrMapOvr>
-  <p:timing>
-    <p:tnLst>
-      <p:par>
-        <p:cTn id="1" dur="indefinite" restart="never" nodeType="tmRoot"/>
-      </p:par>
-    </p:tnLst>
-  </p:timing>
-</p:sld>
-</file>
-
-<file path=ppt/slides/slide9.xml><?xml version="1.0" encoding="utf-8"?>
-<p:sld xmlns:a="http://schemas.openxmlformats.org/drawingml/2006/main" xmlns:r="http://schemas.openxmlformats.org/officeDocument/2006/relationships" xmlns:p="http://schemas.openxmlformats.org/presentationml/2006/main">
-  <p:cSld>
-    <p:spTree>
-      <p:nvGrpSpPr>
-        <p:cNvPr id="1" name=""/>
-        <p:cNvGrpSpPr/>
-        <p:nvPr/>
-      </p:nvGrpSpPr>
-      <p:grpSpPr>
-        <a:xfrm>
-          <a:off x="0" y="0"/>
-          <a:ext cx="0" cy="0"/>
-          <a:chOff x="0" y="0"/>
-          <a:chExt cx="0" cy="0"/>
-        </a:xfrm>
-      </p:grpSpPr>
-      <p:sp>
-        <p:nvSpPr>
-          <p:cNvPr id="2" name="Titel 1"/>
-          <p:cNvSpPr>
-            <a:spLocks noGrp="1"/>
-          </p:cNvSpPr>
-          <p:nvPr>
-            <p:ph type="title"/>
-          </p:nvPr>
-        </p:nvSpPr>
-        <p:spPr/>
-        <p:txBody>
-          <a:bodyPr/>
-          <a:lstStyle/>
-          <a:p>
-            <a:r>
-              <a:rPr lang="de-DE" dirty="0"/>
-              <a:t>Aktueller Stand</a:t>
-            </a:r>
-          </a:p>
-        </p:txBody>
-      </p:sp>
-      <p:sp>
-        <p:nvSpPr>
-          <p:cNvPr id="3" name="Inhaltsplatzhalter 2"/>
-          <p:cNvSpPr>
-            <a:spLocks noGrp="1"/>
-          </p:cNvSpPr>
-          <p:nvPr>
-            <p:ph idx="1"/>
-          </p:nvPr>
-        </p:nvSpPr>
-        <p:spPr/>
-        <p:txBody>
-          <a:bodyPr/>
-          <a:lstStyle/>
-          <a:p>
-            <a:endParaRPr lang="de-DE"/>
-          </a:p>
-        </p:txBody>
-      </p:sp>
-    </p:spTree>
-    <p:extLst>
-      <p:ext uri="{BB962C8B-B14F-4D97-AF65-F5344CB8AC3E}">
-        <p14:creationId xmlns:p14="http://schemas.microsoft.com/office/powerpoint/2010/main" val="675343696"/>
       </p:ext>
     </p:extLst>
   </p:cSld>

--- a/presentations/projectfinal-04-08-17.pptx
+++ b/presentations/projectfinal-04-08-17.pptx
@@ -5,7 +5,7 @@
     <p:sldMasterId id="2147483648" r:id="rId1"/>
   </p:sldMasterIdLst>
   <p:notesMasterIdLst>
-    <p:notesMasterId r:id="rId15"/>
+    <p:notesMasterId r:id="rId17"/>
   </p:notesMasterIdLst>
   <p:sldIdLst>
     <p:sldId id="256" r:id="rId2"/>
@@ -17,10 +17,12 @@
     <p:sldId id="268" r:id="rId8"/>
     <p:sldId id="260" r:id="rId9"/>
     <p:sldId id="262" r:id="rId10"/>
-    <p:sldId id="263" r:id="rId11"/>
-    <p:sldId id="265" r:id="rId12"/>
-    <p:sldId id="266" r:id="rId13"/>
-    <p:sldId id="269" r:id="rId14"/>
+    <p:sldId id="270" r:id="rId11"/>
+    <p:sldId id="271" r:id="rId12"/>
+    <p:sldId id="272" r:id="rId13"/>
+    <p:sldId id="263" r:id="rId14"/>
+    <p:sldId id="265" r:id="rId15"/>
+    <p:sldId id="266" r:id="rId16"/>
   </p:sldIdLst>
   <p:sldSz cx="12192000" cy="6858000"/>
   <p:notesSz cx="6858000" cy="9144000"/>
@@ -697,7 +699,6 @@
               <a:rPr lang="de-DE" baseline="0" dirty="0" smtClean="0"/>
               <a:t> direkt integriert </a:t>
             </a:r>
-            <a:endParaRPr lang="de-DE" baseline="0" dirty="0" smtClean="0"/>
           </a:p>
           <a:p>
             <a:pPr marL="171450" indent="-171450">
@@ -1208,6 +1209,546 @@
     <p:extLst>
       <p:ext uri="{BB962C8B-B14F-4D97-AF65-F5344CB8AC3E}">
         <p14:creationId xmlns:p14="http://schemas.microsoft.com/office/powerpoint/2010/main" val="3861072815"/>
+      </p:ext>
+    </p:extLst>
+  </p:cSld>
+  <p:clrMapOvr>
+    <a:masterClrMapping/>
+  </p:clrMapOvr>
+</p:notes>
+</file>
+
+<file path=ppt/notesSlides/notesSlide5.xml><?xml version="1.0" encoding="utf-8"?>
+<p:notes xmlns:a="http://schemas.openxmlformats.org/drawingml/2006/main" xmlns:r="http://schemas.openxmlformats.org/officeDocument/2006/relationships" xmlns:p="http://schemas.openxmlformats.org/presentationml/2006/main">
+  <p:cSld>
+    <p:spTree>
+      <p:nvGrpSpPr>
+        <p:cNvPr id="1" name=""/>
+        <p:cNvGrpSpPr/>
+        <p:nvPr/>
+      </p:nvGrpSpPr>
+      <p:grpSpPr>
+        <a:xfrm>
+          <a:off x="0" y="0"/>
+          <a:ext cx="0" cy="0"/>
+          <a:chOff x="0" y="0"/>
+          <a:chExt cx="0" cy="0"/>
+        </a:xfrm>
+      </p:grpSpPr>
+      <p:sp>
+        <p:nvSpPr>
+          <p:cNvPr id="2" name="Folienbildplatzhalter 1"/>
+          <p:cNvSpPr>
+            <a:spLocks noGrp="1" noRot="1" noChangeAspect="1"/>
+          </p:cNvSpPr>
+          <p:nvPr>
+            <p:ph type="sldImg"/>
+          </p:nvPr>
+        </p:nvSpPr>
+        <p:spPr/>
+      </p:sp>
+      <p:sp>
+        <p:nvSpPr>
+          <p:cNvPr id="3" name="Notizenplatzhalter 2"/>
+          <p:cNvSpPr>
+            <a:spLocks noGrp="1"/>
+          </p:cNvSpPr>
+          <p:nvPr>
+            <p:ph type="body" idx="1"/>
+          </p:nvPr>
+        </p:nvSpPr>
+        <p:spPr/>
+        <p:txBody>
+          <a:bodyPr/>
+          <a:lstStyle/>
+          <a:p>
+            <a:r>
+              <a:rPr lang="de-DE" sz="1200" b="0" i="0" kern="1200" dirty="0" smtClean="0">
+                <a:solidFill>
+                  <a:schemeClr val="tx1"/>
+                </a:solidFill>
+                <a:effectLst/>
+                <a:latin typeface="+mn-lt"/>
+                <a:ea typeface="+mn-ea"/>
+                <a:cs typeface="+mn-cs"/>
+              </a:rPr>
+              <a:t>Unser Flow-Chart </a:t>
+            </a:r>
+          </a:p>
+          <a:p>
+            <a:pPr marL="171450" indent="-171450">
+              <a:buFontTx/>
+              <a:buChar char="-"/>
+            </a:pPr>
+            <a:r>
+              <a:rPr lang="de-DE" sz="1200" b="0" i="0" kern="1200" dirty="0" smtClean="0">
+                <a:solidFill>
+                  <a:schemeClr val="tx1"/>
+                </a:solidFill>
+                <a:effectLst/>
+                <a:latin typeface="+mn-lt"/>
+                <a:ea typeface="+mn-ea"/>
+                <a:cs typeface="+mn-cs"/>
+              </a:rPr>
+              <a:t>TTN </a:t>
+            </a:r>
+            <a:r>
+              <a:rPr lang="de-DE" sz="1200" b="0" i="0" kern="1200" dirty="0" err="1" smtClean="0">
+                <a:solidFill>
+                  <a:schemeClr val="tx1"/>
+                </a:solidFill>
+                <a:effectLst/>
+                <a:latin typeface="+mn-lt"/>
+                <a:ea typeface="+mn-ea"/>
+                <a:cs typeface="+mn-cs"/>
+              </a:rPr>
+              <a:t>Node</a:t>
+            </a:r>
+            <a:r>
+              <a:rPr lang="de-DE" sz="1200" b="0" i="0" kern="1200" dirty="0" smtClean="0">
+                <a:solidFill>
+                  <a:schemeClr val="tx1"/>
+                </a:solidFill>
+                <a:effectLst/>
+                <a:latin typeface="+mn-lt"/>
+                <a:ea typeface="+mn-ea"/>
+                <a:cs typeface="+mn-cs"/>
+              </a:rPr>
+              <a:t> (Applikation, Access Key und Region hinterlegt) </a:t>
+            </a:r>
+          </a:p>
+          <a:p>
+            <a:pPr marL="171450" indent="-171450">
+              <a:buFontTx/>
+              <a:buChar char="-"/>
+            </a:pPr>
+            <a:r>
+              <a:rPr lang="de-DE" sz="1200" b="0" i="0" kern="1200" dirty="0" smtClean="0">
+                <a:solidFill>
+                  <a:schemeClr val="tx1"/>
+                </a:solidFill>
+                <a:effectLst/>
+                <a:latin typeface="+mn-lt"/>
+                <a:ea typeface="+mn-ea"/>
+                <a:cs typeface="+mn-cs"/>
+              </a:rPr>
+              <a:t>- JavaScript Funktionen um Daten entgegenzunehmen, interpretieren und für </a:t>
+            </a:r>
+            <a:r>
+              <a:rPr lang="de-DE" sz="1200" b="0" i="0" kern="1200" dirty="0" err="1" smtClean="0">
+                <a:solidFill>
+                  <a:schemeClr val="tx1"/>
+                </a:solidFill>
+                <a:effectLst/>
+                <a:latin typeface="+mn-lt"/>
+                <a:ea typeface="+mn-ea"/>
+                <a:cs typeface="+mn-cs"/>
+              </a:rPr>
+              <a:t>influx</a:t>
+            </a:r>
+            <a:r>
+              <a:rPr lang="de-DE" sz="1200" b="0" i="0" kern="1200" dirty="0" smtClean="0">
+                <a:solidFill>
+                  <a:schemeClr val="tx1"/>
+                </a:solidFill>
+                <a:effectLst/>
+                <a:latin typeface="+mn-lt"/>
+                <a:ea typeface="+mn-ea"/>
+                <a:cs typeface="+mn-cs"/>
+              </a:rPr>
+              <a:t> vorbereiten </a:t>
+            </a:r>
+          </a:p>
+          <a:p>
+            <a:pPr marL="171450" indent="-171450">
+              <a:buFontTx/>
+              <a:buChar char="-"/>
+            </a:pPr>
+            <a:r>
+              <a:rPr lang="de-DE" sz="1200" b="0" i="0" kern="1200" dirty="0" smtClean="0">
+                <a:solidFill>
+                  <a:schemeClr val="tx1"/>
+                </a:solidFill>
+                <a:effectLst/>
+                <a:latin typeface="+mn-lt"/>
+                <a:ea typeface="+mn-ea"/>
+                <a:cs typeface="+mn-cs"/>
+              </a:rPr>
+              <a:t>- </a:t>
+            </a:r>
+            <a:r>
+              <a:rPr lang="de-DE" sz="1200" b="0" i="0" kern="1200" dirty="0" err="1" smtClean="0">
+                <a:solidFill>
+                  <a:schemeClr val="tx1"/>
+                </a:solidFill>
+                <a:effectLst/>
+                <a:latin typeface="+mn-lt"/>
+                <a:ea typeface="+mn-ea"/>
+                <a:cs typeface="+mn-cs"/>
+              </a:rPr>
+              <a:t>Influx</a:t>
+            </a:r>
+            <a:r>
+              <a:rPr lang="de-DE" sz="1200" b="0" i="0" kern="1200" dirty="0" smtClean="0">
+                <a:solidFill>
+                  <a:schemeClr val="tx1"/>
+                </a:solidFill>
+                <a:effectLst/>
+                <a:latin typeface="+mn-lt"/>
+                <a:ea typeface="+mn-ea"/>
+                <a:cs typeface="+mn-cs"/>
+              </a:rPr>
+              <a:t> Output (Datenbank und jeweilige Tabelle hinterlegt)</a:t>
+            </a:r>
+            <a:endParaRPr lang="de-DE" dirty="0"/>
+          </a:p>
+        </p:txBody>
+      </p:sp>
+      <p:sp>
+        <p:nvSpPr>
+          <p:cNvPr id="4" name="Foliennummernplatzhalter 3"/>
+          <p:cNvSpPr>
+            <a:spLocks noGrp="1"/>
+          </p:cNvSpPr>
+          <p:nvPr>
+            <p:ph type="sldNum" sz="quarter" idx="10"/>
+          </p:nvPr>
+        </p:nvSpPr>
+        <p:spPr/>
+        <p:txBody>
+          <a:bodyPr/>
+          <a:lstStyle/>
+          <a:p>
+            <a:fld id="{934FFCC2-CB78-47B2-A6EB-E1A22EB43383}" type="slidenum">
+              <a:rPr lang="de-DE" smtClean="0"/>
+              <a:t>10</a:t>
+            </a:fld>
+            <a:endParaRPr lang="de-DE"/>
+          </a:p>
+        </p:txBody>
+      </p:sp>
+    </p:spTree>
+    <p:extLst>
+      <p:ext uri="{BB962C8B-B14F-4D97-AF65-F5344CB8AC3E}">
+        <p14:creationId xmlns:p14="http://schemas.microsoft.com/office/powerpoint/2010/main" val="535705057"/>
+      </p:ext>
+    </p:extLst>
+  </p:cSld>
+  <p:clrMapOvr>
+    <a:masterClrMapping/>
+  </p:clrMapOvr>
+</p:notes>
+</file>
+
+<file path=ppt/notesSlides/notesSlide6.xml><?xml version="1.0" encoding="utf-8"?>
+<p:notes xmlns:a="http://schemas.openxmlformats.org/drawingml/2006/main" xmlns:r="http://schemas.openxmlformats.org/officeDocument/2006/relationships" xmlns:p="http://schemas.openxmlformats.org/presentationml/2006/main">
+  <p:cSld>
+    <p:spTree>
+      <p:nvGrpSpPr>
+        <p:cNvPr id="1" name=""/>
+        <p:cNvGrpSpPr/>
+        <p:nvPr/>
+      </p:nvGrpSpPr>
+      <p:grpSpPr>
+        <a:xfrm>
+          <a:off x="0" y="0"/>
+          <a:ext cx="0" cy="0"/>
+          <a:chOff x="0" y="0"/>
+          <a:chExt cx="0" cy="0"/>
+        </a:xfrm>
+      </p:grpSpPr>
+      <p:sp>
+        <p:nvSpPr>
+          <p:cNvPr id="2" name="Folienbildplatzhalter 1"/>
+          <p:cNvSpPr>
+            <a:spLocks noGrp="1" noRot="1" noChangeAspect="1"/>
+          </p:cNvSpPr>
+          <p:nvPr>
+            <p:ph type="sldImg"/>
+          </p:nvPr>
+        </p:nvSpPr>
+        <p:spPr/>
+      </p:sp>
+      <p:sp>
+        <p:nvSpPr>
+          <p:cNvPr id="3" name="Notizenplatzhalter 2"/>
+          <p:cNvSpPr>
+            <a:spLocks noGrp="1"/>
+          </p:cNvSpPr>
+          <p:nvPr>
+            <p:ph type="body" idx="1"/>
+          </p:nvPr>
+        </p:nvSpPr>
+        <p:spPr/>
+        <p:txBody>
+          <a:bodyPr/>
+          <a:lstStyle/>
+          <a:p>
+            <a:r>
+              <a:rPr lang="de-DE" sz="1200" b="0" i="0" kern="1200" dirty="0" smtClean="0">
+                <a:solidFill>
+                  <a:schemeClr val="tx1"/>
+                </a:solidFill>
+                <a:effectLst/>
+                <a:latin typeface="+mn-lt"/>
+                <a:ea typeface="+mn-ea"/>
+                <a:cs typeface="+mn-cs"/>
+              </a:rPr>
+              <a:t>- in </a:t>
+            </a:r>
+            <a:r>
+              <a:rPr lang="de-DE" sz="1200" b="0" i="0" kern="1200" dirty="0" err="1" smtClean="0">
+                <a:solidFill>
+                  <a:schemeClr val="tx1"/>
+                </a:solidFill>
+                <a:effectLst/>
+                <a:latin typeface="+mn-lt"/>
+                <a:ea typeface="+mn-ea"/>
+                <a:cs typeface="+mn-cs"/>
+              </a:rPr>
+              <a:t>influx-shell</a:t>
+            </a:r>
+            <a:r>
+              <a:rPr lang="de-DE" sz="1200" b="0" i="0" kern="1200" dirty="0" smtClean="0">
+                <a:solidFill>
+                  <a:schemeClr val="tx1"/>
+                </a:solidFill>
+                <a:effectLst/>
+                <a:latin typeface="+mn-lt"/>
+                <a:ea typeface="+mn-ea"/>
+                <a:cs typeface="+mn-cs"/>
+              </a:rPr>
+              <a:t> </a:t>
+            </a:r>
+            <a:r>
+              <a:rPr lang="de-DE" sz="1200" b="0" i="0" kern="1200" dirty="0" err="1" smtClean="0">
+                <a:solidFill>
+                  <a:schemeClr val="tx1"/>
+                </a:solidFill>
+                <a:effectLst/>
+                <a:latin typeface="+mn-lt"/>
+                <a:ea typeface="+mn-ea"/>
+                <a:cs typeface="+mn-cs"/>
+              </a:rPr>
+              <a:t>datenbank</a:t>
+            </a:r>
+            <a:r>
+              <a:rPr lang="de-DE" sz="1200" b="0" i="0" kern="1200" dirty="0" smtClean="0">
+                <a:solidFill>
+                  <a:schemeClr val="tx1"/>
+                </a:solidFill>
+                <a:effectLst/>
+                <a:latin typeface="+mn-lt"/>
+                <a:ea typeface="+mn-ea"/>
+                <a:cs typeface="+mn-cs"/>
+              </a:rPr>
+              <a:t> angelegt</a:t>
+            </a:r>
+            <a:endParaRPr lang="de-DE" dirty="0"/>
+          </a:p>
+        </p:txBody>
+      </p:sp>
+      <p:sp>
+        <p:nvSpPr>
+          <p:cNvPr id="4" name="Foliennummernplatzhalter 3"/>
+          <p:cNvSpPr>
+            <a:spLocks noGrp="1"/>
+          </p:cNvSpPr>
+          <p:nvPr>
+            <p:ph type="sldNum" sz="quarter" idx="10"/>
+          </p:nvPr>
+        </p:nvSpPr>
+        <p:spPr/>
+        <p:txBody>
+          <a:bodyPr/>
+          <a:lstStyle/>
+          <a:p>
+            <a:fld id="{934FFCC2-CB78-47B2-A6EB-E1A22EB43383}" type="slidenum">
+              <a:rPr lang="de-DE" smtClean="0"/>
+              <a:t>11</a:t>
+            </a:fld>
+            <a:endParaRPr lang="de-DE"/>
+          </a:p>
+        </p:txBody>
+      </p:sp>
+    </p:spTree>
+    <p:extLst>
+      <p:ext uri="{BB962C8B-B14F-4D97-AF65-F5344CB8AC3E}">
+        <p14:creationId xmlns:p14="http://schemas.microsoft.com/office/powerpoint/2010/main" val="3097703163"/>
+      </p:ext>
+    </p:extLst>
+  </p:cSld>
+  <p:clrMapOvr>
+    <a:masterClrMapping/>
+  </p:clrMapOvr>
+</p:notes>
+</file>
+
+<file path=ppt/notesSlides/notesSlide7.xml><?xml version="1.0" encoding="utf-8"?>
+<p:notes xmlns:a="http://schemas.openxmlformats.org/drawingml/2006/main" xmlns:r="http://schemas.openxmlformats.org/officeDocument/2006/relationships" xmlns:p="http://schemas.openxmlformats.org/presentationml/2006/main">
+  <p:cSld>
+    <p:spTree>
+      <p:nvGrpSpPr>
+        <p:cNvPr id="1" name=""/>
+        <p:cNvGrpSpPr/>
+        <p:nvPr/>
+      </p:nvGrpSpPr>
+      <p:grpSpPr>
+        <a:xfrm>
+          <a:off x="0" y="0"/>
+          <a:ext cx="0" cy="0"/>
+          <a:chOff x="0" y="0"/>
+          <a:chExt cx="0" cy="0"/>
+        </a:xfrm>
+      </p:grpSpPr>
+      <p:sp>
+        <p:nvSpPr>
+          <p:cNvPr id="2" name="Folienbildplatzhalter 1"/>
+          <p:cNvSpPr>
+            <a:spLocks noGrp="1" noRot="1" noChangeAspect="1"/>
+          </p:cNvSpPr>
+          <p:nvPr>
+            <p:ph type="sldImg"/>
+          </p:nvPr>
+        </p:nvSpPr>
+        <p:spPr/>
+      </p:sp>
+      <p:sp>
+        <p:nvSpPr>
+          <p:cNvPr id="3" name="Notizenplatzhalter 2"/>
+          <p:cNvSpPr>
+            <a:spLocks noGrp="1"/>
+          </p:cNvSpPr>
+          <p:nvPr>
+            <p:ph type="body" idx="1"/>
+          </p:nvPr>
+        </p:nvSpPr>
+        <p:spPr/>
+        <p:txBody>
+          <a:bodyPr/>
+          <a:lstStyle/>
+          <a:p>
+            <a:r>
+              <a:rPr lang="de-DE" sz="1200" b="0" i="0" kern="1200" dirty="0" err="1" smtClean="0">
+                <a:solidFill>
+                  <a:schemeClr val="tx1"/>
+                </a:solidFill>
+                <a:effectLst/>
+                <a:latin typeface="+mn-lt"/>
+                <a:ea typeface="+mn-ea"/>
+                <a:cs typeface="+mn-cs"/>
+              </a:rPr>
+              <a:t>Grafana</a:t>
+            </a:r>
+            <a:r>
+              <a:rPr lang="de-DE" sz="1200" b="0" i="0" kern="1200" dirty="0" smtClean="0">
+                <a:solidFill>
+                  <a:schemeClr val="tx1"/>
+                </a:solidFill>
+                <a:effectLst/>
+                <a:latin typeface="+mn-lt"/>
+                <a:ea typeface="+mn-ea"/>
+                <a:cs typeface="+mn-cs"/>
+              </a:rPr>
+              <a:t> </a:t>
+            </a:r>
+          </a:p>
+          <a:p>
+            <a:pPr marL="171450" indent="-171450">
+              <a:buFontTx/>
+              <a:buChar char="-"/>
+            </a:pPr>
+            <a:r>
+              <a:rPr lang="de-DE" sz="1200" b="0" i="0" kern="1200" dirty="0" smtClean="0">
+                <a:solidFill>
+                  <a:schemeClr val="tx1"/>
+                </a:solidFill>
+                <a:effectLst/>
+                <a:latin typeface="+mn-lt"/>
+                <a:ea typeface="+mn-ea"/>
+                <a:cs typeface="+mn-cs"/>
+              </a:rPr>
+              <a:t>Datenbank hinterlegt </a:t>
+            </a:r>
+          </a:p>
+          <a:p>
+            <a:pPr marL="171450" indent="-171450">
+              <a:buFontTx/>
+              <a:buChar char="-"/>
+            </a:pPr>
+            <a:r>
+              <a:rPr lang="de-DE" sz="1200" b="0" i="0" kern="1200" dirty="0" smtClean="0">
+                <a:solidFill>
+                  <a:schemeClr val="tx1"/>
+                </a:solidFill>
+                <a:effectLst/>
+                <a:latin typeface="+mn-lt"/>
+                <a:ea typeface="+mn-ea"/>
+                <a:cs typeface="+mn-cs"/>
+              </a:rPr>
+              <a:t>Eigenes Dashboard mit Layout aus Graphen und Aktuellen Werten </a:t>
+            </a:r>
+          </a:p>
+          <a:p>
+            <a:pPr marL="171450" indent="-171450">
+              <a:buFontTx/>
+              <a:buChar char="-"/>
+            </a:pPr>
+            <a:r>
+              <a:rPr lang="de-DE" sz="1200" b="0" i="0" kern="1200" dirty="0" err="1" smtClean="0">
+                <a:solidFill>
+                  <a:schemeClr val="tx1"/>
+                </a:solidFill>
+                <a:effectLst/>
+                <a:latin typeface="+mn-lt"/>
+                <a:ea typeface="+mn-ea"/>
+                <a:cs typeface="+mn-cs"/>
+              </a:rPr>
+              <a:t>Queries</a:t>
+            </a:r>
+            <a:r>
+              <a:rPr lang="de-DE" sz="1200" b="0" i="0" kern="1200" dirty="0" smtClean="0">
+                <a:solidFill>
+                  <a:schemeClr val="tx1"/>
+                </a:solidFill>
+                <a:effectLst/>
+                <a:latin typeface="+mn-lt"/>
+                <a:ea typeface="+mn-ea"/>
+                <a:cs typeface="+mn-cs"/>
+              </a:rPr>
+              <a:t> jeweiliger Werte</a:t>
+            </a:r>
+            <a:endParaRPr lang="de-DE" dirty="0"/>
+          </a:p>
+        </p:txBody>
+      </p:sp>
+      <p:sp>
+        <p:nvSpPr>
+          <p:cNvPr id="4" name="Foliennummernplatzhalter 3"/>
+          <p:cNvSpPr>
+            <a:spLocks noGrp="1"/>
+          </p:cNvSpPr>
+          <p:nvPr>
+            <p:ph type="sldNum" sz="quarter" idx="10"/>
+          </p:nvPr>
+        </p:nvSpPr>
+        <p:spPr/>
+        <p:txBody>
+          <a:bodyPr/>
+          <a:lstStyle/>
+          <a:p>
+            <a:fld id="{934FFCC2-CB78-47B2-A6EB-E1A22EB43383}" type="slidenum">
+              <a:rPr lang="de-DE" smtClean="0"/>
+              <a:t>12</a:t>
+            </a:fld>
+            <a:endParaRPr lang="de-DE"/>
+          </a:p>
+        </p:txBody>
+      </p:sp>
+    </p:spTree>
+    <p:extLst>
+      <p:ext uri="{BB962C8B-B14F-4D97-AF65-F5344CB8AC3E}">
+        <p14:creationId xmlns:p14="http://schemas.microsoft.com/office/powerpoint/2010/main" val="2115679824"/>
       </p:ext>
     </p:extLst>
   </p:cSld>
@@ -3828,7 +4369,7 @@
           <p:cNvPr id="8" name="Grafik 7">
             <a:extLst>
               <a:ext uri="{FF2B5EF4-FFF2-40B4-BE49-F238E27FC236}">
-                <a16:creationId xmlns:a16="http://schemas.microsoft.com/office/drawing/2014/main" xmlns="" id="{2A6B2E42-F8B7-4CD5-8271-4E9EF43866C0}"/>
+                <a16:creationId xmlns="" xmlns:a16="http://schemas.microsoft.com/office/drawing/2014/main" id="{2A6B2E42-F8B7-4CD5-8271-4E9EF43866C0}"/>
               </a:ext>
             </a:extLst>
           </p:cNvPr>
@@ -4318,36 +4859,53 @@
           <a:lstStyle/>
           <a:p>
             <a:r>
+              <a:rPr lang="de-DE" dirty="0" err="1" smtClean="0"/>
+              <a:t>Node</a:t>
+            </a:r>
+            <a:r>
               <a:rPr lang="de-DE" dirty="0" smtClean="0"/>
-              <a:t>Ausblick</a:t>
+              <a:t> </a:t>
+            </a:r>
+            <a:r>
+              <a:rPr lang="de-DE" dirty="0" err="1" smtClean="0"/>
+              <a:t>Red</a:t>
             </a:r>
             <a:endParaRPr lang="de-DE" dirty="0"/>
           </a:p>
         </p:txBody>
       </p:sp>
-      <p:sp>
-        <p:nvSpPr>
+      <p:pic>
+        <p:nvPicPr>
           <p:cNvPr id="4" name="Inhaltsplatzhalter 3"/>
-          <p:cNvSpPr>
-            <a:spLocks noGrp="1"/>
-          </p:cNvSpPr>
+          <p:cNvPicPr>
+            <a:picLocks noGrp="1" noChangeAspect="1"/>
+          </p:cNvPicPr>
           <p:nvPr>
             <p:ph idx="1"/>
           </p:nvPr>
-        </p:nvSpPr>
-        <p:spPr/>
-        <p:txBody>
-          <a:bodyPr/>
-          <a:lstStyle/>
-          <a:p>
-            <a:endParaRPr lang="de-DE"/>
-          </a:p>
-        </p:txBody>
-      </p:sp>
+        </p:nvPicPr>
+        <p:blipFill rotWithShape="1">
+          <a:blip r:embed="rId3">
+            <a:extLst>
+              <a:ext uri="{28A0092B-C50C-407E-A947-70E740481C1C}">
+                <a14:useLocalDpi xmlns:a14="http://schemas.microsoft.com/office/drawing/2010/main" val="0"/>
+              </a:ext>
+            </a:extLst>
+          </a:blip>
+          <a:srcRect t="1334" b="4522"/>
+          <a:stretch/>
+        </p:blipFill>
+        <p:spPr>
+          <a:xfrm>
+            <a:off x="1918716" y="1368624"/>
+            <a:ext cx="8354568" cy="5359148"/>
+          </a:xfrm>
+        </p:spPr>
+      </p:pic>
     </p:spTree>
     <p:extLst>
       <p:ext uri="{BB962C8B-B14F-4D97-AF65-F5344CB8AC3E}">
-        <p14:creationId xmlns:p14="http://schemas.microsoft.com/office/powerpoint/2010/main" val="3640803150"/>
+        <p14:creationId xmlns:p14="http://schemas.microsoft.com/office/powerpoint/2010/main" val="276976125"/>
       </p:ext>
     </p:extLst>
   </p:cSld>
@@ -4397,36 +4955,45 @@
           <a:lstStyle/>
           <a:p>
             <a:r>
-              <a:rPr lang="de-DE" dirty="0" smtClean="0"/>
-              <a:t>Fazit</a:t>
+              <a:rPr lang="de-DE" dirty="0" err="1" smtClean="0"/>
+              <a:t>InfluxDB</a:t>
             </a:r>
             <a:endParaRPr lang="de-DE" dirty="0"/>
           </a:p>
         </p:txBody>
       </p:sp>
-      <p:sp>
-        <p:nvSpPr>
-          <p:cNvPr id="3" name="Inhaltsplatzhalter 2"/>
-          <p:cNvSpPr>
-            <a:spLocks noGrp="1"/>
-          </p:cNvSpPr>
+      <p:pic>
+        <p:nvPicPr>
+          <p:cNvPr id="4" name="Inhaltsplatzhalter 3"/>
+          <p:cNvPicPr>
+            <a:picLocks noGrp="1" noChangeAspect="1"/>
+          </p:cNvPicPr>
           <p:nvPr>
             <p:ph idx="1"/>
           </p:nvPr>
-        </p:nvSpPr>
-        <p:spPr/>
-        <p:txBody>
-          <a:bodyPr/>
-          <a:lstStyle/>
-          <a:p>
-            <a:endParaRPr lang="de-DE"/>
-          </a:p>
-        </p:txBody>
-      </p:sp>
+        </p:nvPicPr>
+        <p:blipFill rotWithShape="1">
+          <a:blip r:embed="rId3" cstate="print">
+            <a:extLst>
+              <a:ext uri="{28A0092B-C50C-407E-A947-70E740481C1C}">
+                <a14:useLocalDpi xmlns:a14="http://schemas.microsoft.com/office/drawing/2010/main" val="0"/>
+              </a:ext>
+            </a:extLst>
+          </a:blip>
+          <a:srcRect b="30782"/>
+          <a:stretch/>
+        </p:blipFill>
+        <p:spPr>
+          <a:xfrm>
+            <a:off x="1637492" y="2048256"/>
+            <a:ext cx="8917015" cy="1481328"/>
+          </a:xfrm>
+        </p:spPr>
+      </p:pic>
     </p:spTree>
     <p:extLst>
       <p:ext uri="{BB962C8B-B14F-4D97-AF65-F5344CB8AC3E}">
-        <p14:creationId xmlns:p14="http://schemas.microsoft.com/office/powerpoint/2010/main" val="675343696"/>
+        <p14:creationId xmlns:p14="http://schemas.microsoft.com/office/powerpoint/2010/main" val="2377906214"/>
       </p:ext>
     </p:extLst>
   </p:cSld>
@@ -4476,8 +5043,8 @@
           <a:lstStyle/>
           <a:p>
             <a:r>
-              <a:rPr lang="de-DE" dirty="0" smtClean="0"/>
-              <a:t>Quellen</a:t>
+              <a:rPr lang="de-DE" dirty="0" err="1" smtClean="0"/>
+              <a:t>Grafana</a:t>
             </a:r>
             <a:endParaRPr lang="de-DE" dirty="0"/>
           </a:p>
@@ -4485,7 +5052,7 @@
       </p:sp>
       <p:sp>
         <p:nvSpPr>
-          <p:cNvPr id="3" name="Inhaltsplatzhalter 2"/>
+          <p:cNvPr id="5" name="Inhaltsplatzhalter 4"/>
           <p:cNvSpPr>
             <a:spLocks noGrp="1"/>
           </p:cNvSpPr>
@@ -4498,17 +5065,14 @@
           <a:bodyPr/>
           <a:lstStyle/>
           <a:p>
-            <a:r>
-              <a:rPr lang="de-DE" dirty="0"/>
-              <a:t>https://lora.ulm-digital.com/</a:t>
-            </a:r>
+            <a:endParaRPr lang="de-DE"/>
           </a:p>
         </p:txBody>
       </p:sp>
     </p:spTree>
     <p:extLst>
       <p:ext uri="{BB962C8B-B14F-4D97-AF65-F5344CB8AC3E}">
-        <p14:creationId xmlns:p14="http://schemas.microsoft.com/office/powerpoint/2010/main" val="4264901489"/>
+        <p14:creationId xmlns:p14="http://schemas.microsoft.com/office/powerpoint/2010/main" val="2925270544"/>
       </p:ext>
     </p:extLst>
   </p:cSld>
@@ -4557,13 +5121,17 @@
           <a:bodyPr/>
           <a:lstStyle/>
           <a:p>
-            <a:endParaRPr lang="de-DE"/>
-          </a:p>
-        </p:txBody>
-      </p:sp>
-      <p:sp>
-        <p:nvSpPr>
-          <p:cNvPr id="3" name="Inhaltsplatzhalter 2"/>
+            <a:r>
+              <a:rPr lang="de-DE" dirty="0" smtClean="0"/>
+              <a:t>Ausblick</a:t>
+            </a:r>
+            <a:endParaRPr lang="de-DE" dirty="0"/>
+          </a:p>
+        </p:txBody>
+      </p:sp>
+      <p:sp>
+        <p:nvSpPr>
+          <p:cNvPr id="4" name="Inhaltsplatzhalter 3"/>
           <p:cNvSpPr>
             <a:spLocks noGrp="1"/>
           </p:cNvSpPr>
@@ -4576,41 +5144,213 @@
           <a:bodyPr/>
           <a:lstStyle/>
           <a:p>
-            <a:pPr fontAlgn="base"/>
-            <a:r>
-              <a:rPr lang="de-DE" dirty="0"/>
-              <a:t>Dokumentation, weiteres und Code auf </a:t>
-            </a:r>
-            <a:r>
-              <a:rPr lang="de-DE" dirty="0">
-                <a:hlinkClick r:id="rId2" tooltip="https://github.com/officialtiger/summerschool2017"/>
-              </a:rPr>
-              <a:t>https://github.com/officialtiger/summerschool2017</a:t>
-            </a:r>
-            <a:endParaRPr lang="de-DE" dirty="0"/>
-          </a:p>
-          <a:p>
-            <a:r>
-              <a:rPr lang="de-DE" dirty="0"/>
-              <a:t/>
-            </a:r>
-            <a:br>
-              <a:rPr lang="de-DE" dirty="0"/>
-            </a:br>
-            <a:endParaRPr lang="de-DE" dirty="0"/>
+            <a:endParaRPr lang="de-DE"/>
           </a:p>
         </p:txBody>
       </p:sp>
     </p:spTree>
     <p:extLst>
       <p:ext uri="{BB962C8B-B14F-4D97-AF65-F5344CB8AC3E}">
-        <p14:creationId xmlns:p14="http://schemas.microsoft.com/office/powerpoint/2010/main" val="2831790691"/>
+        <p14:creationId xmlns:p14="http://schemas.microsoft.com/office/powerpoint/2010/main" val="3640803150"/>
       </p:ext>
     </p:extLst>
   </p:cSld>
   <p:clrMapOvr>
     <a:masterClrMapping/>
   </p:clrMapOvr>
+  <p:timing>
+    <p:tnLst>
+      <p:par>
+        <p:cTn id="1" dur="indefinite" restart="never" nodeType="tmRoot"/>
+      </p:par>
+    </p:tnLst>
+  </p:timing>
+</p:sld>
+</file>
+
+<file path=ppt/slides/slide14.xml><?xml version="1.0" encoding="utf-8"?>
+<p:sld xmlns:a="http://schemas.openxmlformats.org/drawingml/2006/main" xmlns:r="http://schemas.openxmlformats.org/officeDocument/2006/relationships" xmlns:p="http://schemas.openxmlformats.org/presentationml/2006/main">
+  <p:cSld>
+    <p:spTree>
+      <p:nvGrpSpPr>
+        <p:cNvPr id="1" name=""/>
+        <p:cNvGrpSpPr/>
+        <p:nvPr/>
+      </p:nvGrpSpPr>
+      <p:grpSpPr>
+        <a:xfrm>
+          <a:off x="0" y="0"/>
+          <a:ext cx="0" cy="0"/>
+          <a:chOff x="0" y="0"/>
+          <a:chExt cx="0" cy="0"/>
+        </a:xfrm>
+      </p:grpSpPr>
+      <p:sp>
+        <p:nvSpPr>
+          <p:cNvPr id="2" name="Titel 1"/>
+          <p:cNvSpPr>
+            <a:spLocks noGrp="1"/>
+          </p:cNvSpPr>
+          <p:nvPr>
+            <p:ph type="title"/>
+          </p:nvPr>
+        </p:nvSpPr>
+        <p:spPr/>
+        <p:txBody>
+          <a:bodyPr/>
+          <a:lstStyle/>
+          <a:p>
+            <a:r>
+              <a:rPr lang="de-DE" dirty="0" smtClean="0"/>
+              <a:t>Fazit</a:t>
+            </a:r>
+            <a:endParaRPr lang="de-DE" dirty="0"/>
+          </a:p>
+        </p:txBody>
+      </p:sp>
+      <p:sp>
+        <p:nvSpPr>
+          <p:cNvPr id="3" name="Inhaltsplatzhalter 2"/>
+          <p:cNvSpPr>
+            <a:spLocks noGrp="1"/>
+          </p:cNvSpPr>
+          <p:nvPr>
+            <p:ph idx="1"/>
+          </p:nvPr>
+        </p:nvSpPr>
+        <p:spPr/>
+        <p:txBody>
+          <a:bodyPr/>
+          <a:lstStyle/>
+          <a:p>
+            <a:endParaRPr lang="de-DE"/>
+          </a:p>
+        </p:txBody>
+      </p:sp>
+    </p:spTree>
+    <p:extLst>
+      <p:ext uri="{BB962C8B-B14F-4D97-AF65-F5344CB8AC3E}">
+        <p14:creationId xmlns:p14="http://schemas.microsoft.com/office/powerpoint/2010/main" val="675343696"/>
+      </p:ext>
+    </p:extLst>
+  </p:cSld>
+  <p:clrMapOvr>
+    <a:masterClrMapping/>
+  </p:clrMapOvr>
+  <p:timing>
+    <p:tnLst>
+      <p:par>
+        <p:cTn id="1" dur="indefinite" restart="never" nodeType="tmRoot"/>
+      </p:par>
+    </p:tnLst>
+  </p:timing>
+</p:sld>
+</file>
+
+<file path=ppt/slides/slide15.xml><?xml version="1.0" encoding="utf-8"?>
+<p:sld xmlns:a="http://schemas.openxmlformats.org/drawingml/2006/main" xmlns:r="http://schemas.openxmlformats.org/officeDocument/2006/relationships" xmlns:p="http://schemas.openxmlformats.org/presentationml/2006/main">
+  <p:cSld>
+    <p:spTree>
+      <p:nvGrpSpPr>
+        <p:cNvPr id="1" name=""/>
+        <p:cNvGrpSpPr/>
+        <p:nvPr/>
+      </p:nvGrpSpPr>
+      <p:grpSpPr>
+        <a:xfrm>
+          <a:off x="0" y="0"/>
+          <a:ext cx="0" cy="0"/>
+          <a:chOff x="0" y="0"/>
+          <a:chExt cx="0" cy="0"/>
+        </a:xfrm>
+      </p:grpSpPr>
+      <p:sp>
+        <p:nvSpPr>
+          <p:cNvPr id="2" name="Titel 1"/>
+          <p:cNvSpPr>
+            <a:spLocks noGrp="1"/>
+          </p:cNvSpPr>
+          <p:nvPr>
+            <p:ph type="title"/>
+          </p:nvPr>
+        </p:nvSpPr>
+        <p:spPr/>
+        <p:txBody>
+          <a:bodyPr/>
+          <a:lstStyle/>
+          <a:p>
+            <a:r>
+              <a:rPr lang="de-DE" dirty="0" smtClean="0"/>
+              <a:t>Quellen</a:t>
+            </a:r>
+            <a:endParaRPr lang="de-DE" dirty="0"/>
+          </a:p>
+        </p:txBody>
+      </p:sp>
+      <p:sp>
+        <p:nvSpPr>
+          <p:cNvPr id="3" name="Inhaltsplatzhalter 2"/>
+          <p:cNvSpPr>
+            <a:spLocks noGrp="1"/>
+          </p:cNvSpPr>
+          <p:nvPr>
+            <p:ph idx="1"/>
+          </p:nvPr>
+        </p:nvSpPr>
+        <p:spPr/>
+        <p:txBody>
+          <a:bodyPr/>
+          <a:lstStyle/>
+          <a:p>
+            <a:r>
+              <a:rPr lang="de-DE" dirty="0">
+                <a:hlinkClick r:id="rId2"/>
+              </a:rPr>
+              <a:t>https://lora.ulm-digital.com</a:t>
+            </a:r>
+            <a:r>
+              <a:rPr lang="de-DE" dirty="0" smtClean="0">
+                <a:hlinkClick r:id="rId2"/>
+              </a:rPr>
+              <a:t>/</a:t>
+            </a:r>
+            <a:endParaRPr lang="de-DE" dirty="0" smtClean="0"/>
+          </a:p>
+          <a:p>
+            <a:r>
+              <a:rPr lang="de-DE" dirty="0"/>
+              <a:t>Dokumentation, weiteres und Code auf </a:t>
+            </a:r>
+            <a:r>
+              <a:rPr lang="de-DE" dirty="0">
+                <a:hlinkClick r:id="rId3" tooltip="https://github.com/officialtiger/summerschool2017"/>
+              </a:rPr>
+              <a:t>https://github.com/officialtiger/summerschool2017</a:t>
+            </a:r>
+            <a:endParaRPr lang="de-DE" dirty="0"/>
+          </a:p>
+          <a:p>
+            <a:endParaRPr lang="de-DE" dirty="0"/>
+          </a:p>
+        </p:txBody>
+      </p:sp>
+    </p:spTree>
+    <p:extLst>
+      <p:ext uri="{BB962C8B-B14F-4D97-AF65-F5344CB8AC3E}">
+        <p14:creationId xmlns:p14="http://schemas.microsoft.com/office/powerpoint/2010/main" val="4264901489"/>
+      </p:ext>
+    </p:extLst>
+  </p:cSld>
+  <p:clrMapOvr>
+    <a:masterClrMapping/>
+  </p:clrMapOvr>
+  <p:timing>
+    <p:tnLst>
+      <p:par>
+        <p:cTn id="1" dur="indefinite" restart="never" nodeType="tmRoot"/>
+      </p:par>
+    </p:tnLst>
+  </p:timing>
 </p:sld>
 </file>
 
@@ -4636,7 +5376,7 @@
           <p:cNvPr id="6" name="Grafik 5">
             <a:extLst>
               <a:ext uri="{FF2B5EF4-FFF2-40B4-BE49-F238E27FC236}">
-                <a16:creationId xmlns:a16="http://schemas.microsoft.com/office/drawing/2014/main" xmlns="" id="{AFCB8F02-F847-4478-8D36-254C5F12E925}"/>
+                <a16:creationId xmlns="" xmlns:a16="http://schemas.microsoft.com/office/drawing/2014/main" id="{AFCB8F02-F847-4478-8D36-254C5F12E925}"/>
               </a:ext>
             </a:extLst>
           </p:cNvPr>
@@ -4701,7 +5441,7 @@
           <p:cNvPr id="20" name="Grafik 19">
             <a:extLst>
               <a:ext uri="{FF2B5EF4-FFF2-40B4-BE49-F238E27FC236}">
-                <a16:creationId xmlns:a16="http://schemas.microsoft.com/office/drawing/2014/main" xmlns="" id="{F1A2BD1B-6399-42A8-8328-BAF5655F8AB7}"/>
+                <a16:creationId xmlns="" xmlns:a16="http://schemas.microsoft.com/office/drawing/2014/main" id="{F1A2BD1B-6399-42A8-8328-BAF5655F8AB7}"/>
               </a:ext>
             </a:extLst>
           </p:cNvPr>
@@ -4717,7 +5457,7 @@
                 <a14:useLocalDpi xmlns:a14="http://schemas.microsoft.com/office/drawing/2010/main" val="0"/>
               </a:ext>
               <a:ext uri="{96DAC541-7B7A-43D3-8B79-37D633B846F1}">
-                <asvg:svgBlip xmlns:asvg="http://schemas.microsoft.com/office/drawing/2016/SVG/main" xmlns="" r:embed="rId6"/>
+                <asvg:svgBlip xmlns="" xmlns:asvg="http://schemas.microsoft.com/office/drawing/2016/SVG/main" r:embed="rId6"/>
               </a:ext>
             </a:extLst>
           </a:blip>
@@ -4740,7 +5480,7 @@
           <p:cNvPr id="22" name="Grafik 21">
             <a:extLst>
               <a:ext uri="{FF2B5EF4-FFF2-40B4-BE49-F238E27FC236}">
-                <a16:creationId xmlns:a16="http://schemas.microsoft.com/office/drawing/2014/main" xmlns="" id="{09920B75-864D-49FF-B2FF-7B09FA054297}"/>
+                <a16:creationId xmlns="" xmlns:a16="http://schemas.microsoft.com/office/drawing/2014/main" id="{09920B75-864D-49FF-B2FF-7B09FA054297}"/>
               </a:ext>
             </a:extLst>
           </p:cNvPr>
@@ -5151,17 +5891,15 @@
             </a:r>
             <a:r>
               <a:rPr lang="de-DE" dirty="0" smtClean="0"/>
-              <a:t> 6000 (Lichtsensor)</a:t>
-            </a:r>
-          </a:p>
-          <a:p>
+              <a:t> 6000 (</a:t>
+            </a:r>
             <a:r>
               <a:rPr lang="de-DE" dirty="0" smtClean="0"/>
-              <a:t>Optional: </a:t>
-            </a:r>
-          </a:p>
-          <a:p>
-            <a:pPr lvl="1"/>
+              <a:t>Lichtsensor)</a:t>
+            </a:r>
+            <a:endParaRPr lang="de-DE" dirty="0"/>
+          </a:p>
+          <a:p>
             <a:r>
               <a:rPr lang="de-DE" dirty="0" err="1" smtClean="0"/>
               <a:t>Soil</a:t>
@@ -5176,14 +5914,21 @@
             </a:r>
             <a:r>
               <a:rPr lang="de-DE" dirty="0" smtClean="0"/>
-              <a:t> Sensor (Bodenfeuchtigkeitssensor)</a:t>
-            </a:r>
-          </a:p>
-          <a:p>
-            <a:pPr lvl="1"/>
+              <a:t> Sensor (</a:t>
+            </a:r>
             <a:r>
               <a:rPr lang="de-DE" dirty="0" smtClean="0"/>
-              <a:t>Display SSD1306</a:t>
+              <a:t>Bodenfeuchtigkeitssensor)</a:t>
+            </a:r>
+          </a:p>
+          <a:p>
+            <a:r>
+              <a:rPr lang="de-DE" dirty="0" smtClean="0"/>
+              <a:t>Display </a:t>
+            </a:r>
+            <a:r>
+              <a:rPr lang="de-DE" dirty="0" smtClean="0"/>
+              <a:t>SSD1306</a:t>
             </a:r>
           </a:p>
           <a:p>
@@ -5310,6 +6055,13 @@
   <p:clrMapOvr>
     <a:masterClrMapping/>
   </p:clrMapOvr>
+  <p:timing>
+    <p:tnLst>
+      <p:par>
+        <p:cTn id="1" dur="indefinite" restart="never" nodeType="tmRoot"/>
+      </p:par>
+    </p:tnLst>
+  </p:timing>
 </p:sld>
 </file>
 
@@ -5346,36 +6098,50 @@
           <a:lstStyle/>
           <a:p>
             <a:r>
-              <a:rPr lang="de-DE" dirty="0" err="1" smtClean="0"/>
-              <a:t>Arduino</a:t>
+              <a:rPr lang="de-DE" dirty="0"/>
+              <a:t>B</a:t>
             </a:r>
             <a:r>
               <a:rPr lang="de-DE" dirty="0" smtClean="0"/>
-              <a:t> Code</a:t>
+              <a:t>eispiel: A</a:t>
+            </a:r>
+            <a:r>
+              <a:rPr lang="de-DE" dirty="0" smtClean="0"/>
+              <a:t>uslesen der Temperatur</a:t>
             </a:r>
             <a:endParaRPr lang="de-DE" dirty="0"/>
           </a:p>
         </p:txBody>
       </p:sp>
-      <p:sp>
-        <p:nvSpPr>
-          <p:cNvPr id="3" name="Inhaltsplatzhalter 2"/>
-          <p:cNvSpPr>
-            <a:spLocks noGrp="1"/>
-          </p:cNvSpPr>
+      <p:pic>
+        <p:nvPicPr>
+          <p:cNvPr id="4" name="Inhaltsplatzhalter 3"/>
+          <p:cNvPicPr>
+            <a:picLocks noGrp="1" noChangeAspect="1"/>
+          </p:cNvPicPr>
           <p:nvPr>
             <p:ph idx="1"/>
           </p:nvPr>
-        </p:nvSpPr>
-        <p:spPr/>
-        <p:txBody>
-          <a:bodyPr/>
-          <a:lstStyle/>
-          <a:p>
-            <a:endParaRPr lang="de-DE" dirty="0"/>
-          </a:p>
-        </p:txBody>
-      </p:sp>
+        </p:nvPicPr>
+        <p:blipFill>
+          <a:blip r:embed="rId2">
+            <a:extLst>
+              <a:ext uri="{28A0092B-C50C-407E-A947-70E740481C1C}">
+                <a14:useLocalDpi xmlns:a14="http://schemas.microsoft.com/office/drawing/2010/main" val="0"/>
+              </a:ext>
+            </a:extLst>
+          </a:blip>
+          <a:stretch>
+            <a:fillRect/>
+          </a:stretch>
+        </p:blipFill>
+        <p:spPr>
+          <a:xfrm>
+            <a:off x="366392" y="1916031"/>
+            <a:ext cx="11459216" cy="2958642"/>
+          </a:xfrm>
+        </p:spPr>
+      </p:pic>
     </p:spTree>
     <p:extLst>
       <p:ext uri="{BB962C8B-B14F-4D97-AF65-F5344CB8AC3E}">
@@ -5386,6 +6152,13 @@
   <p:clrMapOvr>
     <a:masterClrMapping/>
   </p:clrMapOvr>
+  <p:timing>
+    <p:tnLst>
+      <p:par>
+        <p:cTn id="1" dur="indefinite" restart="never" nodeType="tmRoot"/>
+      </p:par>
+    </p:tnLst>
+  </p:timing>
 </p:sld>
 </file>
 

--- a/presentations/projectfinal-04-08-17.pptx
+++ b/presentations/projectfinal-04-08-17.pptx
@@ -140,6 +140,10 @@
 </p:presentation>
 </file>
 
+<file path=ppt/revisionInfo.xml><?xml version="1.0" encoding="utf-8"?>
+<p1510:revInfo xmlns:a="http://schemas.openxmlformats.org/drawingml/2006/main" xmlns:r="http://schemas.openxmlformats.org/officeDocument/2006/relationships" xmlns:p1510="http://schemas.microsoft.com/office/powerpoint/2015/10/main"/>
+</file>
+
 <file path=ppt/notesMasters/notesMaster1.xml><?xml version="1.0" encoding="utf-8"?>
 <p:notesMaster xmlns:a="http://schemas.openxmlformats.org/drawingml/2006/main" xmlns:r="http://schemas.openxmlformats.org/officeDocument/2006/relationships" xmlns:p="http://schemas.openxmlformats.org/presentationml/2006/main">
   <p:cSld>
@@ -286,38 +290,37 @@
           <a:p>
             <a:pPr lvl="0"/>
             <a:r>
-              <a:rPr lang="de-DE" smtClean="0"/>
+              <a:rPr lang="de-DE"/>
               <a:t>Textmasterformat bearbeiten</a:t>
             </a:r>
           </a:p>
           <a:p>
             <a:pPr lvl="1"/>
             <a:r>
-              <a:rPr lang="de-DE" smtClean="0"/>
+              <a:rPr lang="de-DE"/>
               <a:t>Zweite Ebene</a:t>
             </a:r>
           </a:p>
           <a:p>
             <a:pPr lvl="2"/>
             <a:r>
-              <a:rPr lang="de-DE" smtClean="0"/>
+              <a:rPr lang="de-DE"/>
               <a:t>Dritte Ebene</a:t>
             </a:r>
           </a:p>
           <a:p>
             <a:pPr lvl="3"/>
             <a:r>
-              <a:rPr lang="de-DE" smtClean="0"/>
+              <a:rPr lang="de-DE"/>
               <a:t>Vierte Ebene</a:t>
             </a:r>
           </a:p>
           <a:p>
             <a:pPr lvl="4"/>
             <a:r>
-              <a:rPr lang="de-DE" smtClean="0"/>
+              <a:rPr lang="de-DE"/>
               <a:t>Fünfte Ebene</a:t>
             </a:r>
-            <a:endParaRPr lang="de-DE"/>
           </a:p>
         </p:txBody>
       </p:sp>
@@ -539,11 +542,11 @@
               <a:buChar char="•"/>
             </a:pPr>
             <a:r>
-              <a:rPr lang="de-DE" dirty="0" smtClean="0"/>
+              <a:rPr lang="de-DE" dirty="0"/>
               <a:t>Wenig Stromverbrauch,</a:t>
             </a:r>
             <a:r>
-              <a:rPr lang="de-DE" baseline="0" dirty="0" smtClean="0"/>
+              <a:rPr lang="de-DE" baseline="0" dirty="0"/>
               <a:t> billig</a:t>
             </a:r>
           </a:p>
@@ -553,18 +556,18 @@
               <a:buChar char="•"/>
             </a:pPr>
             <a:r>
-              <a:rPr lang="de-DE" baseline="0" dirty="0" smtClean="0"/>
+              <a:rPr lang="de-DE" baseline="0" dirty="0"/>
               <a:t>Durch </a:t>
             </a:r>
             <a:r>
-              <a:rPr lang="de-DE" baseline="0" dirty="0" err="1" smtClean="0"/>
+              <a:rPr lang="de-DE" baseline="0" dirty="0" err="1"/>
               <a:t>LoraWAN</a:t>
             </a:r>
             <a:r>
-              <a:rPr lang="de-DE" baseline="0" dirty="0" smtClean="0"/>
+              <a:rPr lang="de-DE" baseline="0" dirty="0"/>
               <a:t>-Protokoll hohe Reichweite in Abdeckung von Gateways</a:t>
             </a:r>
-            <a:endParaRPr lang="de-DE" dirty="0" smtClean="0"/>
+            <a:endParaRPr lang="de-DE" dirty="0"/>
           </a:p>
           <a:p>
             <a:endParaRPr lang="de-DE" dirty="0"/>
@@ -656,11 +659,11 @@
               <a:buChar char="-"/>
             </a:pPr>
             <a:r>
-              <a:rPr lang="de-DE" dirty="0" err="1" smtClean="0"/>
+              <a:rPr lang="de-DE" dirty="0" err="1"/>
               <a:t>Arduino</a:t>
             </a:r>
             <a:r>
-              <a:rPr lang="de-DE" dirty="0" smtClean="0"/>
+              <a:rPr lang="de-DE" dirty="0"/>
               <a:t> kompatibel</a:t>
             </a:r>
           </a:p>
@@ -670,15 +673,15 @@
               <a:buChar char="-"/>
             </a:pPr>
             <a:r>
-              <a:rPr lang="de-DE" dirty="0" smtClean="0"/>
+              <a:rPr lang="de-DE" dirty="0"/>
               <a:t>ARM </a:t>
             </a:r>
             <a:r>
-              <a:rPr lang="de-DE" dirty="0" err="1" smtClean="0"/>
+              <a:rPr lang="de-DE" dirty="0" err="1"/>
               <a:t>prozessor</a:t>
             </a:r>
             <a:r>
-              <a:rPr lang="de-DE" dirty="0" smtClean="0"/>
+              <a:rPr lang="de-DE" dirty="0"/>
               <a:t> – Leistungsstark </a:t>
             </a:r>
           </a:p>
@@ -688,15 +691,15 @@
               <a:buChar char="-"/>
             </a:pPr>
             <a:r>
-              <a:rPr lang="de-DE" dirty="0" err="1" smtClean="0"/>
+              <a:rPr lang="de-DE" dirty="0" err="1"/>
               <a:t>LoRa</a:t>
             </a:r>
             <a:r>
-              <a:rPr lang="de-DE" dirty="0" smtClean="0"/>
+              <a:rPr lang="de-DE" dirty="0"/>
               <a:t> Modul</a:t>
             </a:r>
             <a:r>
-              <a:rPr lang="de-DE" baseline="0" dirty="0" smtClean="0"/>
+              <a:rPr lang="de-DE" baseline="0" dirty="0"/>
               <a:t> direkt integriert </a:t>
             </a:r>
           </a:p>
@@ -705,7 +708,7 @@
               <a:buFontTx/>
               <a:buChar char="-"/>
             </a:pPr>
-            <a:endParaRPr lang="de-DE" baseline="0" dirty="0" smtClean="0"/>
+            <a:endParaRPr lang="de-DE" baseline="0" dirty="0"/>
           </a:p>
           <a:p>
             <a:pPr marL="171450" indent="-171450">
@@ -814,11 +817,11 @@
               <a:defRPr/>
             </a:pPr>
             <a:r>
-              <a:rPr lang="de-DE" dirty="0" err="1" smtClean="0"/>
+              <a:rPr lang="de-DE" dirty="0" err="1"/>
               <a:t>LoRaWAN</a:t>
             </a:r>
             <a:r>
-              <a:rPr lang="de-DE" dirty="0" smtClean="0"/>
+              <a:rPr lang="de-DE" dirty="0"/>
               <a:t> (Long Range Wide Area Network)</a:t>
             </a:r>
           </a:p>
@@ -828,7 +831,7 @@
               <a:buChar char="•"/>
             </a:pPr>
             <a:r>
-              <a:rPr lang="en-US" sz="1200" b="0" i="0" kern="1200" dirty="0" smtClean="0">
+              <a:rPr lang="en-US" sz="1200" b="0" i="0" kern="1200" dirty="0">
                 <a:solidFill>
                   <a:schemeClr val="tx1"/>
                 </a:solidFill>
@@ -846,7 +849,7 @@
               <a:buChar char="•"/>
             </a:pPr>
             <a:r>
-              <a:rPr lang="en-US" sz="1200" b="0" i="0" kern="1200" dirty="0" smtClean="0">
+              <a:rPr lang="en-US" sz="1200" b="0" i="0" kern="1200" dirty="0">
                 <a:solidFill>
                   <a:schemeClr val="tx1"/>
                 </a:solidFill>
@@ -948,10 +951,10 @@
               <a:buChar char="•"/>
             </a:pPr>
             <a:r>
-              <a:rPr lang="de-DE" dirty="0" err="1" smtClean="0"/>
+              <a:rPr lang="de-DE" dirty="0" err="1"/>
               <a:t>Node-Red</a:t>
             </a:r>
-            <a:endParaRPr lang="de-DE" dirty="0" smtClean="0"/>
+            <a:endParaRPr lang="de-DE" dirty="0"/>
           </a:p>
           <a:p>
             <a:pPr marL="628650" lvl="1" indent="-171450">
@@ -959,18 +962,18 @@
               <a:buChar char="•"/>
             </a:pPr>
             <a:r>
-              <a:rPr lang="de-DE" dirty="0" smtClean="0"/>
+              <a:rPr lang="de-DE" dirty="0"/>
               <a:t>Schnittstelle zwischen TTN-Daten</a:t>
             </a:r>
             <a:r>
-              <a:rPr lang="de-DE" baseline="0" dirty="0" smtClean="0"/>
+              <a:rPr lang="de-DE" baseline="0" dirty="0"/>
               <a:t> und </a:t>
             </a:r>
             <a:r>
-              <a:rPr lang="de-DE" baseline="0" dirty="0" err="1" smtClean="0"/>
+              <a:rPr lang="de-DE" baseline="0" dirty="0" err="1"/>
               <a:t>InfluxDB</a:t>
             </a:r>
-            <a:endParaRPr lang="de-DE" baseline="0" dirty="0" smtClean="0"/>
+            <a:endParaRPr lang="de-DE" baseline="0" dirty="0"/>
           </a:p>
           <a:p>
             <a:pPr marL="628650" lvl="1" indent="-171450">
@@ -978,21 +981,21 @@
               <a:buChar char="•"/>
             </a:pPr>
             <a:r>
-              <a:rPr lang="de-DE" baseline="0" dirty="0" err="1" smtClean="0"/>
+              <a:rPr lang="de-DE" baseline="0" dirty="0" err="1"/>
               <a:t>FlowChart</a:t>
             </a:r>
             <a:r>
-              <a:rPr lang="de-DE" baseline="0" dirty="0" smtClean="0"/>
+              <a:rPr lang="de-DE" baseline="0" dirty="0"/>
               <a:t> Programmierungstool (Datenfluss) in JavaScript</a:t>
             </a:r>
-            <a:endParaRPr lang="de-DE" dirty="0" smtClean="0"/>
+            <a:endParaRPr lang="de-DE" dirty="0"/>
           </a:p>
           <a:p>
             <a:pPr marL="628650" lvl="1" indent="-171450">
               <a:buFont typeface="Arial" panose="020B0604020202020204" pitchFamily="34" charset="0"/>
               <a:buChar char="•"/>
             </a:pPr>
-            <a:endParaRPr lang="de-DE" dirty="0" smtClean="0"/>
+            <a:endParaRPr lang="de-DE" dirty="0"/>
           </a:p>
           <a:p>
             <a:pPr marL="171450" indent="-171450">
@@ -1000,11 +1003,11 @@
               <a:buChar char="•"/>
             </a:pPr>
             <a:r>
-              <a:rPr lang="de-DE" dirty="0" err="1" smtClean="0"/>
+              <a:rPr lang="de-DE" dirty="0" err="1"/>
               <a:t>InfluxDB</a:t>
             </a:r>
             <a:r>
-              <a:rPr lang="de-DE" dirty="0" smtClean="0"/>
+              <a:rPr lang="de-DE" dirty="0"/>
               <a:t>:</a:t>
             </a:r>
           </a:p>
@@ -1014,7 +1017,7 @@
               <a:buChar char="•"/>
             </a:pPr>
             <a:r>
-              <a:rPr lang="de-DE" sz="1200" b="0" i="0" kern="1200" dirty="0" smtClean="0">
+              <a:rPr lang="de-DE" sz="1200" b="0" i="0" kern="1200" dirty="0">
                 <a:solidFill>
                   <a:schemeClr val="tx1"/>
                 </a:solidFill>
@@ -1026,7 +1029,7 @@
               <a:t>optimiert für Zeit basierte Daten &amp; hohe</a:t>
             </a:r>
             <a:r>
-              <a:rPr lang="de-DE" sz="1200" b="0" i="0" kern="1200" baseline="0" dirty="0" smtClean="0">
+              <a:rPr lang="de-DE" sz="1200" b="0" i="0" kern="1200" baseline="0" dirty="0">
                 <a:solidFill>
                   <a:schemeClr val="tx1"/>
                 </a:solidFill>
@@ -1037,7 +1040,7 @@
               </a:rPr>
               <a:t> Verfügbarkeit</a:t>
             </a:r>
-            <a:endParaRPr lang="de-DE" sz="1200" b="0" i="0" kern="1200" dirty="0" smtClean="0">
+            <a:endParaRPr lang="de-DE" sz="1200" b="0" i="0" kern="1200" dirty="0">
               <a:solidFill>
                 <a:schemeClr val="tx1"/>
               </a:solidFill>
@@ -1053,7 +1056,7 @@
               <a:buChar char="•"/>
             </a:pPr>
             <a:r>
-              <a:rPr lang="de-DE" sz="1200" b="0" i="0" kern="1200" dirty="0" smtClean="0">
+              <a:rPr lang="de-DE" sz="1200" b="0" i="0" kern="1200" dirty="0">
                 <a:solidFill>
                   <a:schemeClr val="tx1"/>
                 </a:solidFill>
@@ -1065,7 +1068,7 @@
               <a:t>Open</a:t>
             </a:r>
             <a:r>
-              <a:rPr lang="de-DE" sz="1200" b="0" i="0" kern="1200" baseline="0" dirty="0" smtClean="0">
+              <a:rPr lang="de-DE" sz="1200" b="0" i="0" kern="1200" baseline="0" dirty="0">
                 <a:solidFill>
                   <a:schemeClr val="tx1"/>
                 </a:solidFill>
@@ -1083,7 +1086,7 @@
               <a:buChar char="•"/>
             </a:pPr>
             <a:r>
-              <a:rPr lang="de-DE" sz="1200" b="0" i="0" kern="1200" baseline="0" dirty="0" smtClean="0">
+              <a:rPr lang="de-DE" sz="1200" b="0" i="0" kern="1200" baseline="0" dirty="0">
                 <a:solidFill>
                   <a:schemeClr val="tx1"/>
                 </a:solidFill>
@@ -1095,7 +1098,7 @@
               <a:t>Meist verwendete Datenbank für IOT </a:t>
             </a:r>
             <a:r>
-              <a:rPr lang="de-DE" sz="1200" b="0" i="0" kern="1200" baseline="0" dirty="0" err="1" smtClean="0">
+              <a:rPr lang="de-DE" sz="1200" b="0" i="0" kern="1200" baseline="0" dirty="0" err="1">
                 <a:solidFill>
                   <a:schemeClr val="tx1"/>
                 </a:solidFill>
@@ -1106,7 +1109,7 @@
               </a:rPr>
               <a:t>Sensore</a:t>
             </a:r>
-            <a:endParaRPr lang="de-DE" sz="1200" b="0" i="0" kern="1200" dirty="0" smtClean="0">
+            <a:endParaRPr lang="de-DE" sz="1200" b="0" i="0" kern="1200" dirty="0">
               <a:solidFill>
                 <a:schemeClr val="tx1"/>
               </a:solidFill>
@@ -1121,7 +1124,7 @@
               <a:buFont typeface="Arial" panose="020B0604020202020204" pitchFamily="34" charset="0"/>
               <a:buNone/>
             </a:pPr>
-            <a:endParaRPr lang="de-DE" dirty="0" smtClean="0"/>
+            <a:endParaRPr lang="de-DE" dirty="0"/>
           </a:p>
           <a:p>
             <a:pPr marL="171450" lvl="0" indent="-171450">
@@ -1129,10 +1132,10 @@
               <a:buChar char="•"/>
             </a:pPr>
             <a:r>
-              <a:rPr lang="de-DE" dirty="0" err="1" smtClean="0"/>
+              <a:rPr lang="de-DE" dirty="0" err="1"/>
               <a:t>Grafana</a:t>
             </a:r>
-            <a:endParaRPr lang="de-DE" dirty="0" smtClean="0"/>
+            <a:endParaRPr lang="de-DE" dirty="0"/>
           </a:p>
           <a:p>
             <a:pPr marL="628650" lvl="1" indent="-171450">
@@ -1140,7 +1143,7 @@
               <a:buChar char="•"/>
             </a:pPr>
             <a:r>
-              <a:rPr lang="de-DE" dirty="0" smtClean="0"/>
+              <a:rPr lang="de-DE" dirty="0"/>
               <a:t>Bringt Webserver mit</a:t>
             </a:r>
           </a:p>
@@ -1150,28 +1153,28 @@
               <a:buChar char="•"/>
             </a:pPr>
             <a:r>
-              <a:rPr lang="de-DE" dirty="0" smtClean="0"/>
+              <a:rPr lang="de-DE" dirty="0"/>
               <a:t>Visualisierung am besten gefallen</a:t>
             </a:r>
             <a:r>
-              <a:rPr lang="de-DE" baseline="0" dirty="0" smtClean="0"/>
+              <a:rPr lang="de-DE" baseline="0" dirty="0"/>
               <a:t> </a:t>
             </a:r>
-            <a:endParaRPr lang="de-DE" dirty="0" smtClean="0"/>
+            <a:endParaRPr lang="de-DE" dirty="0"/>
           </a:p>
           <a:p>
             <a:pPr marL="628650" lvl="1" indent="-171450">
               <a:buFont typeface="Arial" panose="020B0604020202020204" pitchFamily="34" charset="0"/>
               <a:buChar char="•"/>
             </a:pPr>
-            <a:endParaRPr lang="de-DE" dirty="0" smtClean="0"/>
+            <a:endParaRPr lang="de-DE" dirty="0"/>
           </a:p>
           <a:p>
             <a:pPr marL="457200" lvl="1" indent="0">
               <a:buFont typeface="Arial" panose="020B0604020202020204" pitchFamily="34" charset="0"/>
               <a:buNone/>
             </a:pPr>
-            <a:endParaRPr lang="de-DE" dirty="0" smtClean="0"/>
+            <a:endParaRPr lang="de-DE" dirty="0"/>
           </a:p>
           <a:p>
             <a:pPr marL="171450" indent="-171450">
@@ -1263,7 +1266,7 @@
           <a:lstStyle/>
           <a:p>
             <a:r>
-              <a:rPr lang="de-DE" sz="1200" b="0" i="0" kern="1200" dirty="0" smtClean="0">
+              <a:rPr lang="de-DE" sz="1200" b="0" i="0" kern="1200" dirty="0">
                 <a:solidFill>
                   <a:schemeClr val="tx1"/>
                 </a:solidFill>
@@ -1281,7 +1284,7 @@
               <a:buChar char="-"/>
             </a:pPr>
             <a:r>
-              <a:rPr lang="de-DE" sz="1200" b="0" i="0" kern="1200" dirty="0" smtClean="0">
+              <a:rPr lang="de-DE" sz="1200" b="0" i="0" kern="1200" dirty="0">
                 <a:solidFill>
                   <a:schemeClr val="tx1"/>
                 </a:solidFill>
@@ -1293,7 +1296,7 @@
               <a:t>TTN </a:t>
             </a:r>
             <a:r>
-              <a:rPr lang="de-DE" sz="1200" b="0" i="0" kern="1200" dirty="0" err="1" smtClean="0">
+              <a:rPr lang="de-DE" sz="1200" b="0" i="0" kern="1200" dirty="0" err="1">
                 <a:solidFill>
                   <a:schemeClr val="tx1"/>
                 </a:solidFill>
@@ -1305,7 +1308,7 @@
               <a:t>Node</a:t>
             </a:r>
             <a:r>
-              <a:rPr lang="de-DE" sz="1200" b="0" i="0" kern="1200" dirty="0" smtClean="0">
+              <a:rPr lang="de-DE" sz="1200" b="0" i="0" kern="1200" dirty="0">
                 <a:solidFill>
                   <a:schemeClr val="tx1"/>
                 </a:solidFill>
@@ -1323,7 +1326,7 @@
               <a:buChar char="-"/>
             </a:pPr>
             <a:r>
-              <a:rPr lang="de-DE" sz="1200" b="0" i="0" kern="1200" dirty="0" smtClean="0">
+              <a:rPr lang="de-DE" sz="1200" b="0" i="0" kern="1200" dirty="0">
                 <a:solidFill>
                   <a:schemeClr val="tx1"/>
                 </a:solidFill>
@@ -1335,7 +1338,7 @@
               <a:t>- JavaScript Funktionen um Daten entgegenzunehmen, interpretieren und für </a:t>
             </a:r>
             <a:r>
-              <a:rPr lang="de-DE" sz="1200" b="0" i="0" kern="1200" dirty="0" err="1" smtClean="0">
+              <a:rPr lang="de-DE" sz="1200" b="0" i="0" kern="1200" dirty="0" err="1">
                 <a:solidFill>
                   <a:schemeClr val="tx1"/>
                 </a:solidFill>
@@ -1347,7 +1350,7 @@
               <a:t>influx</a:t>
             </a:r>
             <a:r>
-              <a:rPr lang="de-DE" sz="1200" b="0" i="0" kern="1200" dirty="0" smtClean="0">
+              <a:rPr lang="de-DE" sz="1200" b="0" i="0" kern="1200" dirty="0">
                 <a:solidFill>
                   <a:schemeClr val="tx1"/>
                 </a:solidFill>
@@ -1365,7 +1368,7 @@
               <a:buChar char="-"/>
             </a:pPr>
             <a:r>
-              <a:rPr lang="de-DE" sz="1200" b="0" i="0" kern="1200" dirty="0" smtClean="0">
+              <a:rPr lang="de-DE" sz="1200" b="0" i="0" kern="1200" dirty="0">
                 <a:solidFill>
                   <a:schemeClr val="tx1"/>
                 </a:solidFill>
@@ -1377,7 +1380,7 @@
               <a:t>- </a:t>
             </a:r>
             <a:r>
-              <a:rPr lang="de-DE" sz="1200" b="0" i="0" kern="1200" dirty="0" err="1" smtClean="0">
+              <a:rPr lang="de-DE" sz="1200" b="0" i="0" kern="1200" dirty="0" err="1">
                 <a:solidFill>
                   <a:schemeClr val="tx1"/>
                 </a:solidFill>
@@ -1389,7 +1392,7 @@
               <a:t>Influx</a:t>
             </a:r>
             <a:r>
-              <a:rPr lang="de-DE" sz="1200" b="0" i="0" kern="1200" dirty="0" smtClean="0">
+              <a:rPr lang="de-DE" sz="1200" b="0" i="0" kern="1200" dirty="0">
                 <a:solidFill>
                   <a:schemeClr val="tx1"/>
                 </a:solidFill>
@@ -1485,7 +1488,7 @@
           <a:lstStyle/>
           <a:p>
             <a:r>
-              <a:rPr lang="de-DE" sz="1200" b="0" i="0" kern="1200" dirty="0" smtClean="0">
+              <a:rPr lang="de-DE" sz="1200" b="0" i="0" kern="1200" dirty="0">
                 <a:solidFill>
                   <a:schemeClr val="tx1"/>
                 </a:solidFill>
@@ -1497,7 +1500,7 @@
               <a:t>- in </a:t>
             </a:r>
             <a:r>
-              <a:rPr lang="de-DE" sz="1200" b="0" i="0" kern="1200" dirty="0" err="1" smtClean="0">
+              <a:rPr lang="de-DE" sz="1200" b="0" i="0" kern="1200" dirty="0" err="1">
                 <a:solidFill>
                   <a:schemeClr val="tx1"/>
                 </a:solidFill>
@@ -1509,7 +1512,7 @@
               <a:t>influx-shell</a:t>
             </a:r>
             <a:r>
-              <a:rPr lang="de-DE" sz="1200" b="0" i="0" kern="1200" dirty="0" smtClean="0">
+              <a:rPr lang="de-DE" sz="1200" b="0" i="0" kern="1200" dirty="0">
                 <a:solidFill>
                   <a:schemeClr val="tx1"/>
                 </a:solidFill>
@@ -1521,7 +1524,7 @@
               <a:t> </a:t>
             </a:r>
             <a:r>
-              <a:rPr lang="de-DE" sz="1200" b="0" i="0" kern="1200" dirty="0" err="1" smtClean="0">
+              <a:rPr lang="de-DE" sz="1200" b="0" i="0" kern="1200" dirty="0" err="1">
                 <a:solidFill>
                   <a:schemeClr val="tx1"/>
                 </a:solidFill>
@@ -1533,7 +1536,7 @@
               <a:t>datenbank</a:t>
             </a:r>
             <a:r>
-              <a:rPr lang="de-DE" sz="1200" b="0" i="0" kern="1200" dirty="0" smtClean="0">
+              <a:rPr lang="de-DE" sz="1200" b="0" i="0" kern="1200" dirty="0">
                 <a:solidFill>
                   <a:schemeClr val="tx1"/>
                 </a:solidFill>
@@ -1629,7 +1632,7 @@
           <a:lstStyle/>
           <a:p>
             <a:r>
-              <a:rPr lang="de-DE" sz="1200" b="0" i="0" kern="1200" dirty="0" err="1" smtClean="0">
+              <a:rPr lang="de-DE" sz="1200" b="0" i="0" kern="1200" dirty="0" err="1">
                 <a:solidFill>
                   <a:schemeClr val="tx1"/>
                 </a:solidFill>
@@ -1641,7 +1644,7 @@
               <a:t>Grafana</a:t>
             </a:r>
             <a:r>
-              <a:rPr lang="de-DE" sz="1200" b="0" i="0" kern="1200" dirty="0" smtClean="0">
+              <a:rPr lang="de-DE" sz="1200" b="0" i="0" kern="1200" dirty="0">
                 <a:solidFill>
                   <a:schemeClr val="tx1"/>
                 </a:solidFill>
@@ -1659,7 +1662,7 @@
               <a:buChar char="-"/>
             </a:pPr>
             <a:r>
-              <a:rPr lang="de-DE" sz="1200" b="0" i="0" kern="1200" dirty="0" smtClean="0">
+              <a:rPr lang="de-DE" sz="1200" b="0" i="0" kern="1200" dirty="0">
                 <a:solidFill>
                   <a:schemeClr val="tx1"/>
                 </a:solidFill>
@@ -1677,7 +1680,7 @@
               <a:buChar char="-"/>
             </a:pPr>
             <a:r>
-              <a:rPr lang="de-DE" sz="1200" b="0" i="0" kern="1200" dirty="0" smtClean="0">
+              <a:rPr lang="de-DE" sz="1200" b="0" i="0" kern="1200" dirty="0">
                 <a:solidFill>
                   <a:schemeClr val="tx1"/>
                 </a:solidFill>
@@ -1695,7 +1698,7 @@
               <a:buChar char="-"/>
             </a:pPr>
             <a:r>
-              <a:rPr lang="de-DE" sz="1200" b="0" i="0" kern="1200" dirty="0" err="1" smtClean="0">
+              <a:rPr lang="de-DE" sz="1200" b="0" i="0" kern="1200" dirty="0" err="1">
                 <a:solidFill>
                   <a:schemeClr val="tx1"/>
                 </a:solidFill>
@@ -1707,7 +1710,7 @@
               <a:t>Queries</a:t>
             </a:r>
             <a:r>
-              <a:rPr lang="de-DE" sz="1200" b="0" i="0" kern="1200" dirty="0" smtClean="0">
+              <a:rPr lang="de-DE" sz="1200" b="0" i="0" kern="1200" dirty="0">
                 <a:solidFill>
                   <a:schemeClr val="tx1"/>
                 </a:solidFill>
@@ -1800,10 +1803,9 @@
           </a:lstStyle>
           <a:p>
             <a:r>
-              <a:rPr lang="de-DE" dirty="0" smtClean="0"/>
+              <a:rPr lang="de-DE" dirty="0"/>
               <a:t>Titelmasterformat durch Klicken bearbeiten</a:t>
             </a:r>
-            <a:endParaRPr lang="de-DE" dirty="0"/>
           </a:p>
         </p:txBody>
       </p:sp>
@@ -1865,10 +1867,9 @@
           </a:lstStyle>
           <a:p>
             <a:r>
-              <a:rPr lang="de-DE" dirty="0" smtClean="0"/>
+              <a:rPr lang="de-DE" dirty="0"/>
               <a:t>Formatvorlage des Untertitelmasters durch Klicken bearbeiten</a:t>
             </a:r>
-            <a:endParaRPr lang="de-DE" dirty="0"/>
           </a:p>
         </p:txBody>
       </p:sp>
@@ -1947,13 +1948,6 @@
   <p:clrMapOvr>
     <a:masterClrMapping/>
   </p:clrMapOvr>
-  <p:timing>
-    <p:tnLst>
-      <p:par>
-        <p:cTn id="1" dur="indefinite" restart="never" nodeType="tmRoot"/>
-      </p:par>
-    </p:tnLst>
-  </p:timing>
 </p:sldLayout>
 </file>
 
@@ -1990,10 +1984,9 @@
           <a:lstStyle/>
           <a:p>
             <a:r>
-              <a:rPr lang="de-DE" smtClean="0"/>
+              <a:rPr lang="de-DE"/>
               <a:t>Titelmasterformat durch Klicken bearbeiten</a:t>
             </a:r>
-            <a:endParaRPr lang="de-DE"/>
           </a:p>
         </p:txBody>
       </p:sp>
@@ -2014,38 +2007,37 @@
           <a:p>
             <a:pPr lvl="0"/>
             <a:r>
-              <a:rPr lang="de-DE" smtClean="0"/>
+              <a:rPr lang="de-DE"/>
               <a:t>Textmasterformat bearbeiten</a:t>
             </a:r>
           </a:p>
           <a:p>
             <a:pPr lvl="1"/>
             <a:r>
-              <a:rPr lang="de-DE" smtClean="0"/>
+              <a:rPr lang="de-DE"/>
               <a:t>Zweite Ebene</a:t>
             </a:r>
           </a:p>
           <a:p>
             <a:pPr lvl="2"/>
             <a:r>
-              <a:rPr lang="de-DE" smtClean="0"/>
+              <a:rPr lang="de-DE"/>
               <a:t>Dritte Ebene</a:t>
             </a:r>
           </a:p>
           <a:p>
             <a:pPr lvl="3"/>
             <a:r>
-              <a:rPr lang="de-DE" smtClean="0"/>
+              <a:rPr lang="de-DE"/>
               <a:t>Vierte Ebene</a:t>
             </a:r>
           </a:p>
           <a:p>
             <a:pPr lvl="4"/>
             <a:r>
-              <a:rPr lang="de-DE" smtClean="0"/>
+              <a:rPr lang="de-DE"/>
               <a:t>Fünfte Ebene</a:t>
             </a:r>
-            <a:endParaRPr lang="de-DE"/>
           </a:p>
         </p:txBody>
       </p:sp>
@@ -2124,13 +2116,6 @@
   <p:clrMapOvr>
     <a:masterClrMapping/>
   </p:clrMapOvr>
-  <p:timing>
-    <p:tnLst>
-      <p:par>
-        <p:cTn id="1" dur="indefinite" restart="never" nodeType="tmRoot"/>
-      </p:par>
-    </p:tnLst>
-  </p:timing>
 </p:sldLayout>
 </file>
 
@@ -2172,10 +2157,9 @@
           <a:lstStyle/>
           <a:p>
             <a:r>
-              <a:rPr lang="de-DE" smtClean="0"/>
+              <a:rPr lang="de-DE"/>
               <a:t>Titelmasterformat durch Klicken bearbeiten</a:t>
             </a:r>
-            <a:endParaRPr lang="de-DE"/>
           </a:p>
         </p:txBody>
       </p:sp>
@@ -2201,38 +2185,37 @@
           <a:p>
             <a:pPr lvl="0"/>
             <a:r>
-              <a:rPr lang="de-DE" smtClean="0"/>
+              <a:rPr lang="de-DE"/>
               <a:t>Textmasterformat bearbeiten</a:t>
             </a:r>
           </a:p>
           <a:p>
             <a:pPr lvl="1"/>
             <a:r>
-              <a:rPr lang="de-DE" smtClean="0"/>
+              <a:rPr lang="de-DE"/>
               <a:t>Zweite Ebene</a:t>
             </a:r>
           </a:p>
           <a:p>
             <a:pPr lvl="2"/>
             <a:r>
-              <a:rPr lang="de-DE" smtClean="0"/>
+              <a:rPr lang="de-DE"/>
               <a:t>Dritte Ebene</a:t>
             </a:r>
           </a:p>
           <a:p>
             <a:pPr lvl="3"/>
             <a:r>
-              <a:rPr lang="de-DE" smtClean="0"/>
+              <a:rPr lang="de-DE"/>
               <a:t>Vierte Ebene</a:t>
             </a:r>
           </a:p>
           <a:p>
             <a:pPr lvl="4"/>
             <a:r>
-              <a:rPr lang="de-DE" smtClean="0"/>
+              <a:rPr lang="de-DE"/>
               <a:t>Fünfte Ebene</a:t>
             </a:r>
-            <a:endParaRPr lang="de-DE"/>
           </a:p>
         </p:txBody>
       </p:sp>
@@ -2311,13 +2294,6 @@
   <p:clrMapOvr>
     <a:masterClrMapping/>
   </p:clrMapOvr>
-  <p:timing>
-    <p:tnLst>
-      <p:par>
-        <p:cTn id="1" dur="indefinite" restart="never" nodeType="tmRoot"/>
-      </p:par>
-    </p:tnLst>
-  </p:timing>
 </p:sldLayout>
 </file>
 
@@ -2354,10 +2330,9 @@
           <a:lstStyle/>
           <a:p>
             <a:r>
-              <a:rPr lang="de-DE" smtClean="0"/>
+              <a:rPr lang="de-DE"/>
               <a:t>Titelmasterformat durch Klicken bearbeiten</a:t>
             </a:r>
-            <a:endParaRPr lang="de-DE"/>
           </a:p>
         </p:txBody>
       </p:sp>
@@ -2378,38 +2353,37 @@
           <a:p>
             <a:pPr lvl="0"/>
             <a:r>
-              <a:rPr lang="de-DE" smtClean="0"/>
+              <a:rPr lang="de-DE"/>
               <a:t>Textmasterformat bearbeiten</a:t>
             </a:r>
           </a:p>
           <a:p>
             <a:pPr lvl="1"/>
             <a:r>
-              <a:rPr lang="de-DE" smtClean="0"/>
+              <a:rPr lang="de-DE"/>
               <a:t>Zweite Ebene</a:t>
             </a:r>
           </a:p>
           <a:p>
             <a:pPr lvl="2"/>
             <a:r>
-              <a:rPr lang="de-DE" smtClean="0"/>
+              <a:rPr lang="de-DE"/>
               <a:t>Dritte Ebene</a:t>
             </a:r>
           </a:p>
           <a:p>
             <a:pPr lvl="3"/>
             <a:r>
-              <a:rPr lang="de-DE" smtClean="0"/>
+              <a:rPr lang="de-DE"/>
               <a:t>Vierte Ebene</a:t>
             </a:r>
           </a:p>
           <a:p>
             <a:pPr lvl="4"/>
             <a:r>
-              <a:rPr lang="de-DE" smtClean="0"/>
+              <a:rPr lang="de-DE"/>
               <a:t>Fünfte Ebene</a:t>
             </a:r>
-            <a:endParaRPr lang="de-DE"/>
           </a:p>
         </p:txBody>
       </p:sp>
@@ -2488,13 +2462,6 @@
   <p:clrMapOvr>
     <a:masterClrMapping/>
   </p:clrMapOvr>
-  <p:timing>
-    <p:tnLst>
-      <p:par>
-        <p:cTn id="1" dur="indefinite" restart="never" nodeType="tmRoot"/>
-      </p:par>
-    </p:tnLst>
-  </p:timing>
 </p:sldLayout>
 </file>
 
@@ -2540,10 +2507,9 @@
           </a:lstStyle>
           <a:p>
             <a:r>
-              <a:rPr lang="de-DE" smtClean="0"/>
+              <a:rPr lang="de-DE"/>
               <a:t>Titelmasterformat durch Klicken bearbeiten</a:t>
             </a:r>
-            <a:endParaRPr lang="de-DE"/>
           </a:p>
         </p:txBody>
       </p:sp>
@@ -2660,7 +2626,7 @@
           <a:p>
             <a:pPr lvl="0"/>
             <a:r>
-              <a:rPr lang="de-DE" smtClean="0"/>
+              <a:rPr lang="de-DE"/>
               <a:t>Textmasterformat bearbeiten</a:t>
             </a:r>
           </a:p>
@@ -2741,13 +2707,6 @@
   <p:clrMapOvr>
     <a:masterClrMapping/>
   </p:clrMapOvr>
-  <p:timing>
-    <p:tnLst>
-      <p:par>
-        <p:cTn id="1" dur="indefinite" restart="never" nodeType="tmRoot"/>
-      </p:par>
-    </p:tnLst>
-  </p:timing>
 </p:sldLayout>
 </file>
 
@@ -2784,10 +2743,9 @@
           <a:lstStyle/>
           <a:p>
             <a:r>
-              <a:rPr lang="de-DE" smtClean="0"/>
+              <a:rPr lang="de-DE"/>
               <a:t>Titelmasterformat durch Klicken bearbeiten</a:t>
             </a:r>
-            <a:endParaRPr lang="de-DE"/>
           </a:p>
         </p:txBody>
       </p:sp>
@@ -2813,38 +2771,37 @@
           <a:p>
             <a:pPr lvl="0"/>
             <a:r>
-              <a:rPr lang="de-DE" smtClean="0"/>
+              <a:rPr lang="de-DE"/>
               <a:t>Textmasterformat bearbeiten</a:t>
             </a:r>
           </a:p>
           <a:p>
             <a:pPr lvl="1"/>
             <a:r>
-              <a:rPr lang="de-DE" smtClean="0"/>
+              <a:rPr lang="de-DE"/>
               <a:t>Zweite Ebene</a:t>
             </a:r>
           </a:p>
           <a:p>
             <a:pPr lvl="2"/>
             <a:r>
-              <a:rPr lang="de-DE" smtClean="0"/>
+              <a:rPr lang="de-DE"/>
               <a:t>Dritte Ebene</a:t>
             </a:r>
           </a:p>
           <a:p>
             <a:pPr lvl="3"/>
             <a:r>
-              <a:rPr lang="de-DE" smtClean="0"/>
+              <a:rPr lang="de-DE"/>
               <a:t>Vierte Ebene</a:t>
             </a:r>
           </a:p>
           <a:p>
             <a:pPr lvl="4"/>
             <a:r>
-              <a:rPr lang="de-DE" smtClean="0"/>
+              <a:rPr lang="de-DE"/>
               <a:t>Fünfte Ebene</a:t>
             </a:r>
-            <a:endParaRPr lang="de-DE"/>
           </a:p>
         </p:txBody>
       </p:sp>
@@ -2870,38 +2827,37 @@
           <a:p>
             <a:pPr lvl="0"/>
             <a:r>
-              <a:rPr lang="de-DE" smtClean="0"/>
+              <a:rPr lang="de-DE"/>
               <a:t>Textmasterformat bearbeiten</a:t>
             </a:r>
           </a:p>
           <a:p>
             <a:pPr lvl="1"/>
             <a:r>
-              <a:rPr lang="de-DE" smtClean="0"/>
+              <a:rPr lang="de-DE"/>
               <a:t>Zweite Ebene</a:t>
             </a:r>
           </a:p>
           <a:p>
             <a:pPr lvl="2"/>
             <a:r>
-              <a:rPr lang="de-DE" smtClean="0"/>
+              <a:rPr lang="de-DE"/>
               <a:t>Dritte Ebene</a:t>
             </a:r>
           </a:p>
           <a:p>
             <a:pPr lvl="3"/>
             <a:r>
-              <a:rPr lang="de-DE" smtClean="0"/>
+              <a:rPr lang="de-DE"/>
               <a:t>Vierte Ebene</a:t>
             </a:r>
           </a:p>
           <a:p>
             <a:pPr lvl="4"/>
             <a:r>
-              <a:rPr lang="de-DE" smtClean="0"/>
+              <a:rPr lang="de-DE"/>
               <a:t>Fünfte Ebene</a:t>
             </a:r>
-            <a:endParaRPr lang="de-DE"/>
           </a:p>
         </p:txBody>
       </p:sp>
@@ -2980,13 +2936,6 @@
   <p:clrMapOvr>
     <a:masterClrMapping/>
   </p:clrMapOvr>
-  <p:timing>
-    <p:tnLst>
-      <p:par>
-        <p:cTn id="1" dur="indefinite" restart="never" nodeType="tmRoot"/>
-      </p:par>
-    </p:tnLst>
-  </p:timing>
 </p:sldLayout>
 </file>
 
@@ -3028,10 +2977,9 @@
           <a:lstStyle/>
           <a:p>
             <a:r>
-              <a:rPr lang="de-DE" smtClean="0"/>
+              <a:rPr lang="de-DE"/>
               <a:t>Titelmasterformat durch Klicken bearbeiten</a:t>
             </a:r>
-            <a:endParaRPr lang="de-DE"/>
           </a:p>
         </p:txBody>
       </p:sp>
@@ -3094,7 +3042,7 @@
           <a:p>
             <a:pPr lvl="0"/>
             <a:r>
-              <a:rPr lang="de-DE" smtClean="0"/>
+              <a:rPr lang="de-DE"/>
               <a:t>Textmasterformat bearbeiten</a:t>
             </a:r>
           </a:p>
@@ -3122,38 +3070,37 @@
           <a:p>
             <a:pPr lvl="0"/>
             <a:r>
-              <a:rPr lang="de-DE" smtClean="0"/>
+              <a:rPr lang="de-DE"/>
               <a:t>Textmasterformat bearbeiten</a:t>
             </a:r>
           </a:p>
           <a:p>
             <a:pPr lvl="1"/>
             <a:r>
-              <a:rPr lang="de-DE" smtClean="0"/>
+              <a:rPr lang="de-DE"/>
               <a:t>Zweite Ebene</a:t>
             </a:r>
           </a:p>
           <a:p>
             <a:pPr lvl="2"/>
             <a:r>
-              <a:rPr lang="de-DE" smtClean="0"/>
+              <a:rPr lang="de-DE"/>
               <a:t>Dritte Ebene</a:t>
             </a:r>
           </a:p>
           <a:p>
             <a:pPr lvl="3"/>
             <a:r>
-              <a:rPr lang="de-DE" smtClean="0"/>
+              <a:rPr lang="de-DE"/>
               <a:t>Vierte Ebene</a:t>
             </a:r>
           </a:p>
           <a:p>
             <a:pPr lvl="4"/>
             <a:r>
-              <a:rPr lang="de-DE" smtClean="0"/>
+              <a:rPr lang="de-DE"/>
               <a:t>Fünfte Ebene</a:t>
             </a:r>
-            <a:endParaRPr lang="de-DE"/>
           </a:p>
         </p:txBody>
       </p:sp>
@@ -3216,7 +3163,7 @@
           <a:p>
             <a:pPr lvl="0"/>
             <a:r>
-              <a:rPr lang="de-DE" smtClean="0"/>
+              <a:rPr lang="de-DE"/>
               <a:t>Textmasterformat bearbeiten</a:t>
             </a:r>
           </a:p>
@@ -3244,38 +3191,37 @@
           <a:p>
             <a:pPr lvl="0"/>
             <a:r>
-              <a:rPr lang="de-DE" smtClean="0"/>
+              <a:rPr lang="de-DE"/>
               <a:t>Textmasterformat bearbeiten</a:t>
             </a:r>
           </a:p>
           <a:p>
             <a:pPr lvl="1"/>
             <a:r>
-              <a:rPr lang="de-DE" smtClean="0"/>
+              <a:rPr lang="de-DE"/>
               <a:t>Zweite Ebene</a:t>
             </a:r>
           </a:p>
           <a:p>
             <a:pPr lvl="2"/>
             <a:r>
-              <a:rPr lang="de-DE" smtClean="0"/>
+              <a:rPr lang="de-DE"/>
               <a:t>Dritte Ebene</a:t>
             </a:r>
           </a:p>
           <a:p>
             <a:pPr lvl="3"/>
             <a:r>
-              <a:rPr lang="de-DE" smtClean="0"/>
+              <a:rPr lang="de-DE"/>
               <a:t>Vierte Ebene</a:t>
             </a:r>
           </a:p>
           <a:p>
             <a:pPr lvl="4"/>
             <a:r>
-              <a:rPr lang="de-DE" smtClean="0"/>
+              <a:rPr lang="de-DE"/>
               <a:t>Fünfte Ebene</a:t>
             </a:r>
-            <a:endParaRPr lang="de-DE"/>
           </a:p>
         </p:txBody>
       </p:sp>
@@ -3390,10 +3336,9 @@
           <a:lstStyle/>
           <a:p>
             <a:r>
-              <a:rPr lang="de-DE" smtClean="0"/>
+              <a:rPr lang="de-DE"/>
               <a:t>Titelmasterformat durch Klicken bearbeiten</a:t>
             </a:r>
-            <a:endParaRPr lang="de-DE"/>
           </a:p>
         </p:txBody>
       </p:sp>
@@ -3472,13 +3417,6 @@
   <p:clrMapOvr>
     <a:masterClrMapping/>
   </p:clrMapOvr>
-  <p:timing>
-    <p:tnLst>
-      <p:par>
-        <p:cTn id="1" dur="indefinite" restart="never" nodeType="tmRoot"/>
-      </p:par>
-    </p:tnLst>
-  </p:timing>
 </p:sldLayout>
 </file>
 
@@ -3574,13 +3512,6 @@
   <p:clrMapOvr>
     <a:masterClrMapping/>
   </p:clrMapOvr>
-  <p:timing>
-    <p:tnLst>
-      <p:par>
-        <p:cTn id="1" dur="indefinite" restart="never" nodeType="tmRoot"/>
-      </p:par>
-    </p:tnLst>
-  </p:timing>
 </p:sldLayout>
 </file>
 
@@ -3626,10 +3557,9 @@
           </a:lstStyle>
           <a:p>
             <a:r>
-              <a:rPr lang="de-DE" smtClean="0"/>
+              <a:rPr lang="de-DE"/>
               <a:t>Titelmasterformat durch Klicken bearbeiten</a:t>
             </a:r>
-            <a:endParaRPr lang="de-DE"/>
           </a:p>
         </p:txBody>
       </p:sp>
@@ -3683,38 +3613,37 @@
           <a:p>
             <a:pPr lvl="0"/>
             <a:r>
-              <a:rPr lang="de-DE" smtClean="0"/>
+              <a:rPr lang="de-DE"/>
               <a:t>Textmasterformat bearbeiten</a:t>
             </a:r>
           </a:p>
           <a:p>
             <a:pPr lvl="1"/>
             <a:r>
-              <a:rPr lang="de-DE" smtClean="0"/>
+              <a:rPr lang="de-DE"/>
               <a:t>Zweite Ebene</a:t>
             </a:r>
           </a:p>
           <a:p>
             <a:pPr lvl="2"/>
             <a:r>
-              <a:rPr lang="de-DE" smtClean="0"/>
+              <a:rPr lang="de-DE"/>
               <a:t>Dritte Ebene</a:t>
             </a:r>
           </a:p>
           <a:p>
             <a:pPr lvl="3"/>
             <a:r>
-              <a:rPr lang="de-DE" smtClean="0"/>
+              <a:rPr lang="de-DE"/>
               <a:t>Vierte Ebene</a:t>
             </a:r>
           </a:p>
           <a:p>
             <a:pPr lvl="4"/>
             <a:r>
-              <a:rPr lang="de-DE" smtClean="0"/>
+              <a:rPr lang="de-DE"/>
               <a:t>Fünfte Ebene</a:t>
             </a:r>
-            <a:endParaRPr lang="de-DE"/>
           </a:p>
         </p:txBody>
       </p:sp>
@@ -3777,7 +3706,7 @@
           <a:p>
             <a:pPr lvl="0"/>
             <a:r>
-              <a:rPr lang="de-DE" smtClean="0"/>
+              <a:rPr lang="de-DE"/>
               <a:t>Textmasterformat bearbeiten</a:t>
             </a:r>
           </a:p>
@@ -3858,13 +3787,6 @@
   <p:clrMapOvr>
     <a:masterClrMapping/>
   </p:clrMapOvr>
-  <p:timing>
-    <p:tnLst>
-      <p:par>
-        <p:cTn id="1" dur="indefinite" restart="never" nodeType="tmRoot"/>
-      </p:par>
-    </p:tnLst>
-  </p:timing>
 </p:sldLayout>
 </file>
 
@@ -3910,10 +3832,9 @@
           </a:lstStyle>
           <a:p>
             <a:r>
-              <a:rPr lang="de-DE" smtClean="0"/>
+              <a:rPr lang="de-DE"/>
               <a:t>Titelmasterformat durch Klicken bearbeiten</a:t>
             </a:r>
-            <a:endParaRPr lang="de-DE"/>
           </a:p>
         </p:txBody>
       </p:sp>
@@ -4037,7 +3958,7 @@
           <a:p>
             <a:pPr lvl="0"/>
             <a:r>
-              <a:rPr lang="de-DE" smtClean="0"/>
+              <a:rPr lang="de-DE"/>
               <a:t>Textmasterformat bearbeiten</a:t>
             </a:r>
           </a:p>
@@ -4118,13 +4039,6 @@
   <p:clrMapOvr>
     <a:masterClrMapping/>
   </p:clrMapOvr>
-  <p:timing>
-    <p:tnLst>
-      <p:par>
-        <p:cTn id="1" dur="indefinite" restart="never" nodeType="tmRoot"/>
-      </p:par>
-    </p:tnLst>
-  </p:timing>
 </p:sldLayout>
 </file>
 
@@ -4176,10 +4090,9 @@
           <a:lstStyle/>
           <a:p>
             <a:r>
-              <a:rPr lang="de-DE" dirty="0" smtClean="0"/>
+              <a:rPr lang="de-DE" dirty="0"/>
               <a:t>Titelmasterformat durch Klicken bearbeiten</a:t>
             </a:r>
-            <a:endParaRPr lang="de-DE" dirty="0"/>
           </a:p>
         </p:txBody>
       </p:sp>
@@ -4210,38 +4123,37 @@
           <a:p>
             <a:pPr lvl="0"/>
             <a:r>
-              <a:rPr lang="de-DE" smtClean="0"/>
+              <a:rPr lang="de-DE"/>
               <a:t>Textmasterformat bearbeiten</a:t>
             </a:r>
           </a:p>
           <a:p>
             <a:pPr lvl="1"/>
             <a:r>
-              <a:rPr lang="de-DE" smtClean="0"/>
+              <a:rPr lang="de-DE"/>
               <a:t>Zweite Ebene</a:t>
             </a:r>
           </a:p>
           <a:p>
             <a:pPr lvl="2"/>
             <a:r>
-              <a:rPr lang="de-DE" smtClean="0"/>
+              <a:rPr lang="de-DE"/>
               <a:t>Dritte Ebene</a:t>
             </a:r>
           </a:p>
           <a:p>
             <a:pPr lvl="3"/>
             <a:r>
-              <a:rPr lang="de-DE" smtClean="0"/>
+              <a:rPr lang="de-DE"/>
               <a:t>Vierte Ebene</a:t>
             </a:r>
           </a:p>
           <a:p>
             <a:pPr lvl="4"/>
             <a:r>
-              <a:rPr lang="de-DE" smtClean="0"/>
+              <a:rPr lang="de-DE"/>
               <a:t>Fünfte Ebene</a:t>
             </a:r>
-            <a:endParaRPr lang="de-DE"/>
           </a:p>
         </p:txBody>
       </p:sp>
@@ -4369,7 +4281,7 @@
           <p:cNvPr id="8" name="Grafik 7">
             <a:extLst>
               <a:ext uri="{FF2B5EF4-FFF2-40B4-BE49-F238E27FC236}">
-                <a16:creationId xmlns="" xmlns:a16="http://schemas.microsoft.com/office/drawing/2014/main" id="{2A6B2E42-F8B7-4CD5-8271-4E9EF43866C0}"/>
+                <a16:creationId xmlns:a16="http://schemas.microsoft.com/office/drawing/2014/main" id="{2A6B2E42-F8B7-4CD5-8271-4E9EF43866C0}"/>
               </a:ext>
             </a:extLst>
           </p:cNvPr>
@@ -4421,13 +4333,6 @@
     <p:sldLayoutId id="2147483658" r:id="rId10"/>
     <p:sldLayoutId id="2147483659" r:id="rId11"/>
   </p:sldLayoutIdLst>
-  <p:timing>
-    <p:tnLst>
-      <p:par>
-        <p:cTn id="1" dur="indefinite" restart="never" nodeType="tmRoot"/>
-      </p:par>
-    </p:tnLst>
-  </p:timing>
   <p:txStyles>
     <p:titleStyle>
       <a:lvl1pPr algn="l" defTabSz="914400" rtl="0" eaLnBrk="1" latinLnBrk="0" hangingPunct="1">
@@ -4749,10 +4654,9 @@
           <a:lstStyle/>
           <a:p>
             <a:r>
-              <a:rPr lang="de-DE" dirty="0" smtClean="0"/>
+              <a:rPr lang="de-DE" dirty="0"/>
               <a:t>Summer School 2017</a:t>
             </a:r>
-            <a:endParaRPr lang="de-DE" dirty="0"/>
           </a:p>
         </p:txBody>
       </p:sp>
@@ -4780,7 +4684,7 @@
           <a:p>
             <a:pPr algn="ctr"/>
             <a:r>
-              <a:rPr lang="de-DE" sz="2800" dirty="0" smtClean="0">
+              <a:rPr lang="de-DE" sz="2800" dirty="0">
                 <a:latin typeface="Chela One" panose="02000000000000000000" pitchFamily="2" charset="0"/>
                 <a:cs typeface="Arial" panose="020B0604020202020204" pitchFamily="34" charset="0"/>
               </a:rPr>
@@ -4790,7 +4694,7 @@
           <a:p>
             <a:pPr algn="ctr"/>
             <a:r>
-              <a:rPr lang="de-DE" sz="2800" dirty="0" smtClean="0">
+              <a:rPr lang="de-DE" sz="2800" dirty="0">
                 <a:latin typeface="Chela One" panose="02000000000000000000" pitchFamily="2" charset="0"/>
                 <a:cs typeface="Arial" panose="020B0604020202020204" pitchFamily="34" charset="0"/>
               </a:rPr>
@@ -4806,6 +4710,78 @@
           </a:p>
         </p:txBody>
       </p:sp>
+      <p:pic>
+        <p:nvPicPr>
+          <p:cNvPr id="4" name="Grafik 3">
+            <a:extLst>
+              <a:ext uri="{FF2B5EF4-FFF2-40B4-BE49-F238E27FC236}">
+                <a16:creationId xmlns:a16="http://schemas.microsoft.com/office/drawing/2014/main" id="{441F6E5F-3619-46E1-AAD9-D5C9E0A6733B}"/>
+              </a:ext>
+            </a:extLst>
+          </p:cNvPr>
+          <p:cNvPicPr>
+            <a:picLocks noChangeAspect="1"/>
+          </p:cNvPicPr>
+          <p:nvPr/>
+        </p:nvPicPr>
+        <p:blipFill>
+          <a:blip r:embed="rId2">
+            <a:extLst>
+              <a:ext uri="{28A0092B-C50C-407E-A947-70E740481C1C}">
+                <a14:useLocalDpi xmlns:a14="http://schemas.microsoft.com/office/drawing/2010/main" val="0"/>
+              </a:ext>
+            </a:extLst>
+          </a:blip>
+          <a:stretch>
+            <a:fillRect/>
+          </a:stretch>
+        </p:blipFill>
+        <p:spPr>
+          <a:xfrm rot="20413594">
+            <a:off x="492802" y="327230"/>
+            <a:ext cx="2362200" cy="2390775"/>
+          </a:xfrm>
+          <a:prstGeom prst="rect">
+            <a:avLst/>
+          </a:prstGeom>
+        </p:spPr>
+      </p:pic>
+      <p:pic>
+        <p:nvPicPr>
+          <p:cNvPr id="7" name="Grafik 6">
+            <a:extLst>
+              <a:ext uri="{FF2B5EF4-FFF2-40B4-BE49-F238E27FC236}">
+                <a16:creationId xmlns:a16="http://schemas.microsoft.com/office/drawing/2014/main" id="{7D7D4CBE-8AEE-489D-89DD-DFFEDB960890}"/>
+              </a:ext>
+            </a:extLst>
+          </p:cNvPr>
+          <p:cNvPicPr>
+            <a:picLocks noChangeAspect="1"/>
+          </p:cNvPicPr>
+          <p:nvPr/>
+        </p:nvPicPr>
+        <p:blipFill>
+          <a:blip r:embed="rId3" cstate="print">
+            <a:extLst>
+              <a:ext uri="{28A0092B-C50C-407E-A947-70E740481C1C}">
+                <a14:useLocalDpi xmlns:a14="http://schemas.microsoft.com/office/drawing/2010/main" val="0"/>
+              </a:ext>
+            </a:extLst>
+          </a:blip>
+          <a:stretch>
+            <a:fillRect/>
+          </a:stretch>
+        </p:blipFill>
+        <p:spPr>
+          <a:xfrm>
+            <a:off x="9831881" y="1235436"/>
+            <a:ext cx="1936231" cy="1936231"/>
+          </a:xfrm>
+          <a:prstGeom prst="rect">
+            <a:avLst/>
+          </a:prstGeom>
+        </p:spPr>
+      </p:pic>
     </p:spTree>
     <p:extLst>
       <p:ext uri="{BB962C8B-B14F-4D97-AF65-F5344CB8AC3E}">
@@ -4816,13 +4792,6 @@
   <p:clrMapOvr>
     <a:masterClrMapping/>
   </p:clrMapOvr>
-  <p:timing>
-    <p:tnLst>
-      <p:par>
-        <p:cTn id="1" dur="indefinite" restart="never" nodeType="tmRoot"/>
-      </p:par>
-    </p:tnLst>
-  </p:timing>
 </p:sld>
 </file>
 
@@ -4859,15 +4828,15 @@
           <a:lstStyle/>
           <a:p>
             <a:r>
-              <a:rPr lang="de-DE" dirty="0" err="1" smtClean="0"/>
+              <a:rPr lang="de-DE" dirty="0" err="1"/>
               <a:t>Node</a:t>
             </a:r>
             <a:r>
-              <a:rPr lang="de-DE" dirty="0" smtClean="0"/>
+              <a:rPr lang="de-DE" dirty="0"/>
               <a:t> </a:t>
             </a:r>
             <a:r>
-              <a:rPr lang="de-DE" dirty="0" err="1" smtClean="0"/>
+              <a:rPr lang="de-DE" dirty="0" err="1"/>
               <a:t>Red</a:t>
             </a:r>
             <a:endParaRPr lang="de-DE" dirty="0"/>
@@ -4912,13 +4881,6 @@
   <p:clrMapOvr>
     <a:masterClrMapping/>
   </p:clrMapOvr>
-  <p:timing>
-    <p:tnLst>
-      <p:par>
-        <p:cTn id="1" dur="indefinite" restart="never" nodeType="tmRoot"/>
-      </p:par>
-    </p:tnLst>
-  </p:timing>
 </p:sld>
 </file>
 
@@ -4955,7 +4917,7 @@
           <a:lstStyle/>
           <a:p>
             <a:r>
-              <a:rPr lang="de-DE" dirty="0" err="1" smtClean="0"/>
+              <a:rPr lang="de-DE" dirty="0" err="1"/>
               <a:t>InfluxDB</a:t>
             </a:r>
             <a:endParaRPr lang="de-DE" dirty="0"/>
@@ -5000,13 +4962,6 @@
   <p:clrMapOvr>
     <a:masterClrMapping/>
   </p:clrMapOvr>
-  <p:timing>
-    <p:tnLst>
-      <p:par>
-        <p:cTn id="1" dur="indefinite" restart="never" nodeType="tmRoot"/>
-      </p:par>
-    </p:tnLst>
-  </p:timing>
 </p:sld>
 </file>
 
@@ -5043,7 +4998,7 @@
           <a:lstStyle/>
           <a:p>
             <a:r>
-              <a:rPr lang="de-DE" dirty="0" err="1" smtClean="0"/>
+              <a:rPr lang="de-DE" dirty="0" err="1"/>
               <a:t>Grafana</a:t>
             </a:r>
             <a:endParaRPr lang="de-DE" dirty="0"/>
@@ -5079,13 +5034,6 @@
   <p:clrMapOvr>
     <a:masterClrMapping/>
   </p:clrMapOvr>
-  <p:timing>
-    <p:tnLst>
-      <p:par>
-        <p:cTn id="1" dur="indefinite" restart="never" nodeType="tmRoot"/>
-      </p:par>
-    </p:tnLst>
-  </p:timing>
 </p:sld>
 </file>
 
@@ -5122,10 +5070,9 @@
           <a:lstStyle/>
           <a:p>
             <a:r>
-              <a:rPr lang="de-DE" dirty="0" smtClean="0"/>
+              <a:rPr lang="de-DE" dirty="0"/>
               <a:t>Ausblick</a:t>
             </a:r>
-            <a:endParaRPr lang="de-DE" dirty="0"/>
           </a:p>
         </p:txBody>
       </p:sp>
@@ -5158,13 +5105,6 @@
   <p:clrMapOvr>
     <a:masterClrMapping/>
   </p:clrMapOvr>
-  <p:timing>
-    <p:tnLst>
-      <p:par>
-        <p:cTn id="1" dur="indefinite" restart="never" nodeType="tmRoot"/>
-      </p:par>
-    </p:tnLst>
-  </p:timing>
 </p:sld>
 </file>
 
@@ -5201,10 +5141,9 @@
           <a:lstStyle/>
           <a:p>
             <a:r>
-              <a:rPr lang="de-DE" dirty="0" smtClean="0"/>
+              <a:rPr lang="de-DE" dirty="0"/>
               <a:t>Fazit</a:t>
             </a:r>
-            <a:endParaRPr lang="de-DE" dirty="0"/>
           </a:p>
         </p:txBody>
       </p:sp>
@@ -5237,13 +5176,6 @@
   <p:clrMapOvr>
     <a:masterClrMapping/>
   </p:clrMapOvr>
-  <p:timing>
-    <p:tnLst>
-      <p:par>
-        <p:cTn id="1" dur="indefinite" restart="never" nodeType="tmRoot"/>
-      </p:par>
-    </p:tnLst>
-  </p:timing>
 </p:sld>
 </file>
 
@@ -5280,10 +5212,9 @@
           <a:lstStyle/>
           <a:p>
             <a:r>
-              <a:rPr lang="de-DE" dirty="0" smtClean="0"/>
+              <a:rPr lang="de-DE" dirty="0"/>
               <a:t>Quellen</a:t>
             </a:r>
-            <a:endParaRPr lang="de-DE" dirty="0"/>
           </a:p>
         </p:txBody>
       </p:sp>
@@ -5306,15 +5237,9 @@
               <a:rPr lang="de-DE" dirty="0">
                 <a:hlinkClick r:id="rId2"/>
               </a:rPr>
-              <a:t>https://lora.ulm-digital.com</a:t>
-            </a:r>
-            <a:r>
-              <a:rPr lang="de-DE" dirty="0" smtClean="0">
-                <a:hlinkClick r:id="rId2"/>
-              </a:rPr>
-              <a:t>/</a:t>
-            </a:r>
-            <a:endParaRPr lang="de-DE" dirty="0" smtClean="0"/>
+              <a:t>https://lora.ulm-digital.com/</a:t>
+            </a:r>
+            <a:endParaRPr lang="de-DE" dirty="0"/>
           </a:p>
           <a:p>
             <a:r>
@@ -5344,13 +5269,6 @@
   <p:clrMapOvr>
     <a:masterClrMapping/>
   </p:clrMapOvr>
-  <p:timing>
-    <p:tnLst>
-      <p:par>
-        <p:cTn id="1" dur="indefinite" restart="never" nodeType="tmRoot"/>
-      </p:par>
-    </p:tnLst>
-  </p:timing>
 </p:sld>
 </file>
 
@@ -5376,7 +5294,7 @@
           <p:cNvPr id="6" name="Grafik 5">
             <a:extLst>
               <a:ext uri="{FF2B5EF4-FFF2-40B4-BE49-F238E27FC236}">
-                <a16:creationId xmlns="" xmlns:a16="http://schemas.microsoft.com/office/drawing/2014/main" id="{AFCB8F02-F847-4478-8D36-254C5F12E925}"/>
+                <a16:creationId xmlns:a16="http://schemas.microsoft.com/office/drawing/2014/main" id="{AFCB8F02-F847-4478-8D36-254C5F12E925}"/>
               </a:ext>
             </a:extLst>
           </p:cNvPr>
@@ -5441,7 +5359,7 @@
           <p:cNvPr id="20" name="Grafik 19">
             <a:extLst>
               <a:ext uri="{FF2B5EF4-FFF2-40B4-BE49-F238E27FC236}">
-                <a16:creationId xmlns="" xmlns:a16="http://schemas.microsoft.com/office/drawing/2014/main" id="{F1A2BD1B-6399-42A8-8328-BAF5655F8AB7}"/>
+                <a16:creationId xmlns:a16="http://schemas.microsoft.com/office/drawing/2014/main" id="{F1A2BD1B-6399-42A8-8328-BAF5655F8AB7}"/>
               </a:ext>
             </a:extLst>
           </p:cNvPr>
@@ -5457,7 +5375,7 @@
                 <a14:useLocalDpi xmlns:a14="http://schemas.microsoft.com/office/drawing/2010/main" val="0"/>
               </a:ext>
               <a:ext uri="{96DAC541-7B7A-43D3-8B79-37D633B846F1}">
-                <asvg:svgBlip xmlns="" xmlns:asvg="http://schemas.microsoft.com/office/drawing/2016/SVG/main" r:embed="rId6"/>
+                <asvg:svgBlip xmlns:asvg="http://schemas.microsoft.com/office/drawing/2016/SVG/main" r:embed="rId6"/>
               </a:ext>
             </a:extLst>
           </a:blip>
@@ -5480,7 +5398,7 @@
           <p:cNvPr id="22" name="Grafik 21">
             <a:extLst>
               <a:ext uri="{FF2B5EF4-FFF2-40B4-BE49-F238E27FC236}">
-                <a16:creationId xmlns="" xmlns:a16="http://schemas.microsoft.com/office/drawing/2014/main" id="{09920B75-864D-49FF-B2FF-7B09FA054297}"/>
+                <a16:creationId xmlns:a16="http://schemas.microsoft.com/office/drawing/2014/main" id="{09920B75-864D-49FF-B2FF-7B09FA054297}"/>
               </a:ext>
             </a:extLst>
           </p:cNvPr>
@@ -5521,13 +5439,6 @@
   <p:clrMapOvr>
     <a:masterClrMapping/>
   </p:clrMapOvr>
-  <p:timing>
-    <p:tnLst>
-      <p:par>
-        <p:cTn id="1" dur="indefinite" restart="never" nodeType="tmRoot"/>
-      </p:par>
-    </p:tnLst>
-  </p:timing>
 </p:sld>
 </file>
 
@@ -5564,14 +5475,11 @@
           <a:lstStyle/>
           <a:p>
             <a:r>
-              <a:rPr lang="de-DE" dirty="0" smtClean="0">
+              <a:rPr lang="de-DE" dirty="0">
                 <a:latin typeface="Chela One" panose="02000000000000000000" pitchFamily="2" charset="0"/>
               </a:rPr>
               <a:t>Projektmotivation</a:t>
             </a:r>
-            <a:endParaRPr lang="de-DE" dirty="0">
-              <a:latin typeface="Chela One" panose="02000000000000000000" pitchFamily="2" charset="0"/>
-            </a:endParaRPr>
           </a:p>
         </p:txBody>
       </p:sp>
@@ -5591,28 +5499,27 @@
           <a:lstStyle/>
           <a:p>
             <a:r>
-              <a:rPr lang="de-DE" dirty="0" smtClean="0"/>
+              <a:rPr lang="de-DE" dirty="0"/>
               <a:t>Interessante Kombination zwischen Hard- und Software</a:t>
             </a:r>
           </a:p>
           <a:p>
             <a:r>
-              <a:rPr lang="de-DE" dirty="0" smtClean="0"/>
+              <a:rPr lang="de-DE" dirty="0"/>
               <a:t>Abweichend zu normalen Arbeit</a:t>
             </a:r>
           </a:p>
           <a:p>
             <a:r>
-              <a:rPr lang="de-DE" dirty="0" smtClean="0"/>
+              <a:rPr lang="de-DE" dirty="0"/>
               <a:t>Einblick in neue Technologien </a:t>
             </a:r>
           </a:p>
           <a:p>
             <a:r>
-              <a:rPr lang="de-DE" dirty="0" smtClean="0"/>
+              <a:rPr lang="de-DE" dirty="0"/>
               <a:t>Praktischer Nutzen</a:t>
             </a:r>
-            <a:endParaRPr lang="de-DE" dirty="0"/>
           </a:p>
         </p:txBody>
       </p:sp>
@@ -5626,13 +5533,6 @@
   <p:clrMapOvr>
     <a:masterClrMapping/>
   </p:clrMapOvr>
-  <p:timing>
-    <p:tnLst>
-      <p:par>
-        <p:cTn id="1" dur="indefinite" restart="never" nodeType="tmRoot"/>
-      </p:par>
-    </p:tnLst>
-  </p:timing>
 </p:sld>
 </file>
 
@@ -5669,10 +5569,9 @@
           <a:lstStyle/>
           <a:p>
             <a:r>
-              <a:rPr lang="de-DE" dirty="0" smtClean="0"/>
+              <a:rPr lang="de-DE" dirty="0"/>
               <a:t>Projektziel</a:t>
             </a:r>
-            <a:endParaRPr lang="de-DE" dirty="0"/>
           </a:p>
         </p:txBody>
       </p:sp>
@@ -5695,49 +5594,49 @@
               <a:buNone/>
             </a:pPr>
             <a:r>
-              <a:rPr lang="de-DE" dirty="0" smtClean="0"/>
+              <a:rPr lang="de-DE" dirty="0"/>
               <a:t>Wetterstation </a:t>
             </a:r>
           </a:p>
           <a:p>
             <a:pPr lvl="1"/>
             <a:r>
-              <a:rPr lang="de-DE" dirty="0" smtClean="0"/>
+              <a:rPr lang="de-DE" dirty="0"/>
               <a:t>Temperatur</a:t>
             </a:r>
           </a:p>
           <a:p>
             <a:pPr lvl="1"/>
             <a:r>
-              <a:rPr lang="de-DE" dirty="0" smtClean="0"/>
+              <a:rPr lang="de-DE" dirty="0"/>
               <a:t>Luftfeuchtigkeit</a:t>
             </a:r>
           </a:p>
           <a:p>
             <a:pPr lvl="1"/>
             <a:r>
-              <a:rPr lang="de-DE" dirty="0" smtClean="0"/>
+              <a:rPr lang="de-DE" dirty="0"/>
               <a:t>Luftdruck</a:t>
             </a:r>
           </a:p>
           <a:p>
             <a:pPr lvl="1"/>
             <a:r>
-              <a:rPr lang="de-DE" dirty="0" smtClean="0"/>
+              <a:rPr lang="de-DE" dirty="0"/>
               <a:t>Helligkeit</a:t>
             </a:r>
           </a:p>
           <a:p>
             <a:pPr lvl="1"/>
             <a:r>
-              <a:rPr lang="de-DE" dirty="0" smtClean="0"/>
+              <a:rPr lang="de-DE" dirty="0"/>
               <a:t>Gehäuse</a:t>
             </a:r>
           </a:p>
           <a:p>
             <a:pPr lvl="1"/>
             <a:r>
-              <a:rPr lang="de-DE" dirty="0" smtClean="0">
+              <a:rPr lang="de-DE" dirty="0">
                 <a:solidFill>
                   <a:schemeClr val="accent1">
                     <a:lumMod val="40000"/>
@@ -5751,7 +5650,7 @@
           <a:p>
             <a:pPr lvl="1"/>
             <a:r>
-              <a:rPr lang="de-DE" dirty="0" smtClean="0">
+              <a:rPr lang="de-DE" dirty="0">
                 <a:solidFill>
                   <a:schemeClr val="accent1">
                     <a:lumMod val="40000"/>
@@ -5765,7 +5664,7 @@
           <a:p>
             <a:pPr lvl="1"/>
             <a:r>
-              <a:rPr lang="de-DE" dirty="0" smtClean="0">
+              <a:rPr lang="de-DE" dirty="0">
                 <a:solidFill>
                   <a:schemeClr val="accent1">
                     <a:lumMod val="40000"/>
@@ -5775,14 +5674,6 @@
               </a:rPr>
               <a:t>Display</a:t>
             </a:r>
-            <a:endParaRPr lang="de-DE" dirty="0">
-              <a:solidFill>
-                <a:schemeClr val="accent1">
-                  <a:lumMod val="40000"/>
-                  <a:lumOff val="60000"/>
-                </a:schemeClr>
-              </a:solidFill>
-            </a:endParaRPr>
           </a:p>
         </p:txBody>
       </p:sp>
@@ -5796,13 +5687,6 @@
   <p:clrMapOvr>
     <a:masterClrMapping/>
   </p:clrMapOvr>
-  <p:timing>
-    <p:tnLst>
-      <p:par>
-        <p:cTn id="1" dur="indefinite" restart="never" nodeType="tmRoot"/>
-      </p:par>
-    </p:tnLst>
-  </p:timing>
 </p:sld>
 </file>
 
@@ -5839,10 +5723,9 @@
           <a:lstStyle/>
           <a:p>
             <a:r>
-              <a:rPr lang="de-DE" dirty="0" smtClean="0"/>
+              <a:rPr lang="de-DE" dirty="0"/>
               <a:t>Komponenten</a:t>
             </a:r>
-            <a:endParaRPr lang="de-DE" dirty="0"/>
           </a:p>
         </p:txBody>
       </p:sp>
@@ -5862,73 +5745,67 @@
           <a:lstStyle/>
           <a:p>
             <a:r>
-              <a:rPr lang="de-DE" dirty="0" err="1" smtClean="0"/>
+              <a:rPr lang="de-DE" dirty="0" err="1"/>
               <a:t>Adafruit</a:t>
             </a:r>
             <a:r>
-              <a:rPr lang="de-DE" dirty="0" smtClean="0"/>
+              <a:rPr lang="de-DE" dirty="0"/>
               <a:t> </a:t>
             </a:r>
             <a:r>
-              <a:rPr lang="de-DE" dirty="0" err="1" smtClean="0"/>
+              <a:rPr lang="de-DE" dirty="0" err="1"/>
               <a:t>Feather</a:t>
             </a:r>
             <a:r>
-              <a:rPr lang="de-DE" dirty="0" smtClean="0"/>
+              <a:rPr lang="de-DE" dirty="0"/>
               <a:t> M0</a:t>
             </a:r>
           </a:p>
           <a:p>
             <a:r>
-              <a:rPr lang="de-DE" dirty="0" smtClean="0"/>
+              <a:rPr lang="de-DE" dirty="0"/>
               <a:t>BME 280 (Luftdruck, Luftfeuchtigkeit, Temperatur)</a:t>
             </a:r>
           </a:p>
           <a:p>
             <a:r>
-              <a:rPr lang="de-DE" dirty="0" err="1" smtClean="0"/>
+              <a:rPr lang="de-DE" dirty="0" err="1"/>
               <a:t>Temt</a:t>
             </a:r>
             <a:r>
-              <a:rPr lang="de-DE" dirty="0" smtClean="0"/>
-              <a:t> 6000 (</a:t>
-            </a:r>
-            <a:r>
-              <a:rPr lang="de-DE" dirty="0" smtClean="0"/>
-              <a:t>Lichtsensor)</a:t>
-            </a:r>
-            <a:endParaRPr lang="de-DE" dirty="0"/>
-          </a:p>
-          <a:p>
-            <a:r>
-              <a:rPr lang="de-DE" dirty="0" err="1" smtClean="0"/>
+              <a:rPr lang="de-DE" dirty="0"/>
+              <a:t> 6000 (Lichtsensor)</a:t>
+            </a:r>
+          </a:p>
+          <a:p>
+            <a:r>
+              <a:rPr lang="de-DE" dirty="0" err="1"/>
               <a:t>Soil</a:t>
             </a:r>
             <a:r>
-              <a:rPr lang="de-DE" dirty="0" smtClean="0"/>
+              <a:rPr lang="de-DE" dirty="0"/>
               <a:t> </a:t>
             </a:r>
             <a:r>
-              <a:rPr lang="de-DE" dirty="0" err="1" smtClean="0"/>
+              <a:rPr lang="de-DE" dirty="0" err="1"/>
               <a:t>Moisture</a:t>
             </a:r>
             <a:r>
-              <a:rPr lang="de-DE" dirty="0" smtClean="0"/>
-              <a:t> Sensor (</a:t>
-            </a:r>
-            <a:r>
-              <a:rPr lang="de-DE" dirty="0" smtClean="0"/>
-              <a:t>Bodenfeuchtigkeitssensor)</a:t>
-            </a:r>
-          </a:p>
-          <a:p>
-            <a:r>
-              <a:rPr lang="de-DE" dirty="0" smtClean="0"/>
-              <a:t>Display </a:t>
-            </a:r>
-            <a:r>
-              <a:rPr lang="de-DE" dirty="0" smtClean="0"/>
-              <a:t>SSD1306</a:t>
+              <a:rPr lang="de-DE" dirty="0"/>
+              <a:t> Sensor (Bodenfeuchtigkeitssensor)</a:t>
+            </a:r>
+          </a:p>
+          <a:p>
+            <a:r>
+              <a:rPr lang="de-DE" dirty="0">
+                <a:solidFill>
+                  <a:schemeClr val="accent1">
+                    <a:lumMod val="40000"/>
+                    <a:lumOff val="60000"/>
+                  </a:schemeClr>
+                </a:solidFill>
+              </a:rPr>
+              <a:t>Display SSD1306</a:t>
             </a:r>
           </a:p>
           <a:p>
@@ -5976,13 +5853,6 @@
   <p:clrMapOvr>
     <a:masterClrMapping/>
   </p:clrMapOvr>
-  <p:timing>
-    <p:tnLst>
-      <p:par>
-        <p:cTn id="1" dur="indefinite" restart="never" nodeType="tmRoot"/>
-      </p:par>
-    </p:tnLst>
-  </p:timing>
 </p:sld>
 </file>
 
@@ -6019,10 +5889,9 @@
           <a:lstStyle/>
           <a:p>
             <a:r>
-              <a:rPr lang="de-DE" dirty="0" smtClean="0"/>
+              <a:rPr lang="de-DE" dirty="0"/>
               <a:t>Hardware Aufbau</a:t>
             </a:r>
-            <a:endParaRPr lang="de-DE" dirty="0"/>
           </a:p>
         </p:txBody>
       </p:sp>
@@ -6055,13 +5924,6 @@
   <p:clrMapOvr>
     <a:masterClrMapping/>
   </p:clrMapOvr>
-  <p:timing>
-    <p:tnLst>
-      <p:par>
-        <p:cTn id="1" dur="indefinite" restart="never" nodeType="tmRoot"/>
-      </p:par>
-    </p:tnLst>
-  </p:timing>
 </p:sld>
 </file>
 
@@ -6099,17 +5961,8 @@
           <a:p>
             <a:r>
               <a:rPr lang="de-DE" dirty="0"/>
-              <a:t>B</a:t>
-            </a:r>
-            <a:r>
-              <a:rPr lang="de-DE" dirty="0" smtClean="0"/>
-              <a:t>eispiel: A</a:t>
-            </a:r>
-            <a:r>
-              <a:rPr lang="de-DE" dirty="0" smtClean="0"/>
-              <a:t>uslesen der Temperatur</a:t>
-            </a:r>
-            <a:endParaRPr lang="de-DE" dirty="0"/>
+              <a:t>Beispiel: Auslesen der Temperatur</a:t>
+            </a:r>
           </a:p>
         </p:txBody>
       </p:sp>
@@ -6152,13 +6005,6 @@
   <p:clrMapOvr>
     <a:masterClrMapping/>
   </p:clrMapOvr>
-  <p:timing>
-    <p:tnLst>
-      <p:par>
-        <p:cTn id="1" dur="indefinite" restart="never" nodeType="tmRoot"/>
-      </p:par>
-    </p:tnLst>
-  </p:timing>
 </p:sld>
 </file>
 
@@ -6195,42 +6041,41 @@
           <a:lstStyle/>
           <a:p>
             <a:r>
-              <a:rPr lang="de-DE" dirty="0" smtClean="0"/>
+              <a:rPr lang="de-DE" dirty="0"/>
               <a:t>Übertragung der Daten</a:t>
             </a:r>
+          </a:p>
+        </p:txBody>
+      </p:sp>
+      <p:sp>
+        <p:nvSpPr>
+          <p:cNvPr id="3" name="Inhaltsplatzhalter 2"/>
+          <p:cNvSpPr>
+            <a:spLocks noGrp="1"/>
+          </p:cNvSpPr>
+          <p:nvPr>
+            <p:ph idx="1"/>
+          </p:nvPr>
+        </p:nvSpPr>
+        <p:spPr/>
+        <p:txBody>
+          <a:bodyPr/>
+          <a:lstStyle/>
+          <a:p>
             <a:endParaRPr lang="de-DE" dirty="0"/>
           </a:p>
-        </p:txBody>
-      </p:sp>
-      <p:sp>
-        <p:nvSpPr>
-          <p:cNvPr id="3" name="Inhaltsplatzhalter 2"/>
-          <p:cNvSpPr>
-            <a:spLocks noGrp="1"/>
-          </p:cNvSpPr>
-          <p:nvPr>
-            <p:ph idx="1"/>
-          </p:nvPr>
-        </p:nvSpPr>
-        <p:spPr/>
-        <p:txBody>
-          <a:bodyPr/>
-          <a:lstStyle/>
-          <a:p>
-            <a:endParaRPr lang="de-DE" dirty="0" smtClean="0"/>
-          </a:p>
-          <a:p>
-            <a:endParaRPr lang="de-DE" dirty="0" smtClean="0"/>
-          </a:p>
-          <a:p>
-            <a:endParaRPr lang="de-DE" dirty="0" smtClean="0"/>
-          </a:p>
-          <a:p>
-            <a:endParaRPr lang="de-DE" dirty="0" smtClean="0"/>
+          <a:p>
+            <a:endParaRPr lang="de-DE" dirty="0"/>
+          </a:p>
+          <a:p>
+            <a:endParaRPr lang="de-DE" dirty="0"/>
+          </a:p>
+          <a:p>
+            <a:endParaRPr lang="de-DE" dirty="0"/>
           </a:p>
           <a:p>
             <a:pPr lvl="1"/>
-            <a:endParaRPr lang="de-DE" dirty="0" smtClean="0"/>
+            <a:endParaRPr lang="de-DE" dirty="0"/>
           </a:p>
         </p:txBody>
       </p:sp>
@@ -6274,13 +6119,6 @@
   <p:clrMapOvr>
     <a:masterClrMapping/>
   </p:clrMapOvr>
-  <p:timing>
-    <p:tnLst>
-      <p:par>
-        <p:cTn id="1" dur="indefinite" restart="never" nodeType="tmRoot"/>
-      </p:par>
-    </p:tnLst>
-  </p:timing>
 </p:sld>
 </file>
 
@@ -6317,57 +6155,56 @@
           <a:lstStyle/>
           <a:p>
             <a:r>
-              <a:rPr lang="de-DE" dirty="0" smtClean="0"/>
+              <a:rPr lang="de-DE" dirty="0"/>
               <a:t>Daten auslesen und auswerten</a:t>
             </a:r>
+          </a:p>
+        </p:txBody>
+      </p:sp>
+      <p:sp>
+        <p:nvSpPr>
+          <p:cNvPr id="3" name="Inhaltsplatzhalter 2"/>
+          <p:cNvSpPr>
+            <a:spLocks noGrp="1"/>
+          </p:cNvSpPr>
+          <p:nvPr>
+            <p:ph idx="1"/>
+          </p:nvPr>
+        </p:nvSpPr>
+        <p:spPr/>
+        <p:txBody>
+          <a:bodyPr/>
+          <a:lstStyle/>
+          <a:p>
+            <a:r>
+              <a:rPr lang="de-DE" dirty="0" err="1"/>
+              <a:t>bwCloud</a:t>
+            </a:r>
+            <a:r>
+              <a:rPr lang="de-DE" dirty="0"/>
+              <a:t> Ubuntu VM</a:t>
+            </a:r>
+          </a:p>
+          <a:p>
+            <a:r>
+              <a:rPr lang="de-DE" dirty="0" err="1"/>
+              <a:t>Node-Red</a:t>
+            </a:r>
             <a:endParaRPr lang="de-DE" dirty="0"/>
           </a:p>
-        </p:txBody>
-      </p:sp>
-      <p:sp>
-        <p:nvSpPr>
-          <p:cNvPr id="3" name="Inhaltsplatzhalter 2"/>
-          <p:cNvSpPr>
-            <a:spLocks noGrp="1"/>
-          </p:cNvSpPr>
-          <p:nvPr>
-            <p:ph idx="1"/>
-          </p:nvPr>
-        </p:nvSpPr>
-        <p:spPr/>
-        <p:txBody>
-          <a:bodyPr/>
-          <a:lstStyle/>
-          <a:p>
-            <a:r>
-              <a:rPr lang="de-DE" dirty="0" err="1" smtClean="0"/>
-              <a:t>bwCloud</a:t>
-            </a:r>
-            <a:r>
-              <a:rPr lang="de-DE" dirty="0" smtClean="0"/>
-              <a:t> Ubuntu VM</a:t>
-            </a:r>
-          </a:p>
-          <a:p>
-            <a:r>
-              <a:rPr lang="de-DE" dirty="0" err="1" smtClean="0"/>
-              <a:t>Node-Red</a:t>
-            </a:r>
-            <a:endParaRPr lang="de-DE" dirty="0" smtClean="0"/>
-          </a:p>
-          <a:p>
-            <a:r>
-              <a:rPr lang="de-DE" dirty="0" err="1" smtClean="0"/>
+          <a:p>
+            <a:r>
+              <a:rPr lang="de-DE" dirty="0" err="1"/>
               <a:t>InfluxDB</a:t>
             </a:r>
-            <a:endParaRPr lang="de-DE" dirty="0" smtClean="0"/>
-          </a:p>
-          <a:p>
-            <a:r>
-              <a:rPr lang="de-DE" dirty="0" err="1" smtClean="0"/>
+            <a:endParaRPr lang="de-DE" dirty="0"/>
+          </a:p>
+          <a:p>
+            <a:r>
+              <a:rPr lang="de-DE" dirty="0" err="1"/>
               <a:t>Grafana</a:t>
             </a:r>
-            <a:endParaRPr lang="de-DE" dirty="0" smtClean="0"/>
+            <a:endParaRPr lang="de-DE" dirty="0"/>
           </a:p>
           <a:p>
             <a:endParaRPr lang="de-DE" dirty="0"/>
@@ -6444,13 +6281,6 @@
   <p:clrMapOvr>
     <a:masterClrMapping/>
   </p:clrMapOvr>
-  <p:timing>
-    <p:tnLst>
-      <p:par>
-        <p:cTn id="1" dur="indefinite" restart="never" nodeType="tmRoot"/>
-      </p:par>
-    </p:tnLst>
-  </p:timing>
 </p:sld>
 </file>
 

--- a/presentations/projectfinal-04-08-17.pptx
+++ b/presentations/projectfinal-04-08-17.pptx
@@ -5,24 +5,27 @@
     <p:sldMasterId id="2147483648" r:id="rId1"/>
   </p:sldMasterIdLst>
   <p:notesMasterIdLst>
-    <p:notesMasterId r:id="rId17"/>
+    <p:notesMasterId r:id="rId20"/>
   </p:notesMasterIdLst>
   <p:sldIdLst>
     <p:sldId id="256" r:id="rId2"/>
     <p:sldId id="261" r:id="rId3"/>
-    <p:sldId id="257" r:id="rId4"/>
-    <p:sldId id="258" r:id="rId5"/>
-    <p:sldId id="259" r:id="rId6"/>
-    <p:sldId id="267" r:id="rId7"/>
-    <p:sldId id="268" r:id="rId8"/>
-    <p:sldId id="260" r:id="rId9"/>
-    <p:sldId id="262" r:id="rId10"/>
-    <p:sldId id="270" r:id="rId11"/>
-    <p:sldId id="271" r:id="rId12"/>
-    <p:sldId id="272" r:id="rId13"/>
-    <p:sldId id="263" r:id="rId14"/>
-    <p:sldId id="265" r:id="rId15"/>
-    <p:sldId id="266" r:id="rId16"/>
+    <p:sldId id="273" r:id="rId4"/>
+    <p:sldId id="257" r:id="rId5"/>
+    <p:sldId id="258" r:id="rId6"/>
+    <p:sldId id="259" r:id="rId7"/>
+    <p:sldId id="267" r:id="rId8"/>
+    <p:sldId id="268" r:id="rId9"/>
+    <p:sldId id="260" r:id="rId10"/>
+    <p:sldId id="274" r:id="rId11"/>
+    <p:sldId id="262" r:id="rId12"/>
+    <p:sldId id="270" r:id="rId13"/>
+    <p:sldId id="275" r:id="rId14"/>
+    <p:sldId id="271" r:id="rId15"/>
+    <p:sldId id="272" r:id="rId16"/>
+    <p:sldId id="263" r:id="rId17"/>
+    <p:sldId id="265" r:id="rId18"/>
+    <p:sldId id="266" r:id="rId19"/>
   </p:sldIdLst>
   <p:sldSz cx="12192000" cy="6858000"/>
   <p:notesSz cx="6858000" cy="9144000"/>
@@ -610,6 +613,312 @@
 </p:notes>
 </file>
 
+<file path=ppt/notesSlides/notesSlide10.xml><?xml version="1.0" encoding="utf-8"?>
+<p:notes xmlns:a="http://schemas.openxmlformats.org/drawingml/2006/main" xmlns:r="http://schemas.openxmlformats.org/officeDocument/2006/relationships" xmlns:p="http://schemas.openxmlformats.org/presentationml/2006/main">
+  <p:cSld>
+    <p:spTree>
+      <p:nvGrpSpPr>
+        <p:cNvPr id="1" name=""/>
+        <p:cNvGrpSpPr/>
+        <p:nvPr/>
+      </p:nvGrpSpPr>
+      <p:grpSpPr>
+        <a:xfrm>
+          <a:off x="0" y="0"/>
+          <a:ext cx="0" cy="0"/>
+          <a:chOff x="0" y="0"/>
+          <a:chExt cx="0" cy="0"/>
+        </a:xfrm>
+      </p:grpSpPr>
+      <p:sp>
+        <p:nvSpPr>
+          <p:cNvPr id="2" name="Folienbildplatzhalter 1"/>
+          <p:cNvSpPr>
+            <a:spLocks noGrp="1" noRot="1" noChangeAspect="1"/>
+          </p:cNvSpPr>
+          <p:nvPr>
+            <p:ph type="sldImg"/>
+          </p:nvPr>
+        </p:nvSpPr>
+        <p:spPr/>
+      </p:sp>
+      <p:sp>
+        <p:nvSpPr>
+          <p:cNvPr id="3" name="Notizenplatzhalter 2"/>
+          <p:cNvSpPr>
+            <a:spLocks noGrp="1"/>
+          </p:cNvSpPr>
+          <p:nvPr>
+            <p:ph type="body" idx="1"/>
+          </p:nvPr>
+        </p:nvSpPr>
+        <p:spPr/>
+        <p:txBody>
+          <a:bodyPr/>
+          <a:lstStyle/>
+          <a:p>
+            <a:r>
+              <a:rPr lang="de-DE" sz="1200" b="0" i="0" kern="1200" dirty="0" err="1">
+                <a:solidFill>
+                  <a:schemeClr val="tx1"/>
+                </a:solidFill>
+                <a:effectLst/>
+                <a:latin typeface="+mn-lt"/>
+                <a:ea typeface="+mn-ea"/>
+                <a:cs typeface="+mn-cs"/>
+              </a:rPr>
+              <a:t>Grafana</a:t>
+            </a:r>
+            <a:r>
+              <a:rPr lang="de-DE" sz="1200" b="0" i="0" kern="1200" dirty="0">
+                <a:solidFill>
+                  <a:schemeClr val="tx1"/>
+                </a:solidFill>
+                <a:effectLst/>
+                <a:latin typeface="+mn-lt"/>
+                <a:ea typeface="+mn-ea"/>
+                <a:cs typeface="+mn-cs"/>
+              </a:rPr>
+              <a:t> </a:t>
+            </a:r>
+          </a:p>
+          <a:p>
+            <a:pPr marL="171450" indent="-171450">
+              <a:buFontTx/>
+              <a:buChar char="-"/>
+            </a:pPr>
+            <a:r>
+              <a:rPr lang="de-DE" sz="1200" b="0" i="0" kern="1200" dirty="0">
+                <a:solidFill>
+                  <a:schemeClr val="tx1"/>
+                </a:solidFill>
+                <a:effectLst/>
+                <a:latin typeface="+mn-lt"/>
+                <a:ea typeface="+mn-ea"/>
+                <a:cs typeface="+mn-cs"/>
+              </a:rPr>
+              <a:t>Datenbank hinterlegt </a:t>
+            </a:r>
+          </a:p>
+          <a:p>
+            <a:pPr marL="171450" indent="-171450">
+              <a:buFontTx/>
+              <a:buChar char="-"/>
+            </a:pPr>
+            <a:r>
+              <a:rPr lang="de-DE" sz="1200" b="0" i="0" kern="1200" dirty="0">
+                <a:solidFill>
+                  <a:schemeClr val="tx1"/>
+                </a:solidFill>
+                <a:effectLst/>
+                <a:latin typeface="+mn-lt"/>
+                <a:ea typeface="+mn-ea"/>
+                <a:cs typeface="+mn-cs"/>
+              </a:rPr>
+              <a:t>Eigenes Dashboard mit Layout aus Graphen und Aktuellen Werten </a:t>
+            </a:r>
+          </a:p>
+          <a:p>
+            <a:pPr marL="171450" indent="-171450">
+              <a:buFontTx/>
+              <a:buChar char="-"/>
+            </a:pPr>
+            <a:r>
+              <a:rPr lang="de-DE" sz="1200" b="0" i="0" kern="1200" dirty="0" err="1">
+                <a:solidFill>
+                  <a:schemeClr val="tx1"/>
+                </a:solidFill>
+                <a:effectLst/>
+                <a:latin typeface="+mn-lt"/>
+                <a:ea typeface="+mn-ea"/>
+                <a:cs typeface="+mn-cs"/>
+              </a:rPr>
+              <a:t>Queries</a:t>
+            </a:r>
+            <a:r>
+              <a:rPr lang="de-DE" sz="1200" b="0" i="0" kern="1200" dirty="0">
+                <a:solidFill>
+                  <a:schemeClr val="tx1"/>
+                </a:solidFill>
+                <a:effectLst/>
+                <a:latin typeface="+mn-lt"/>
+                <a:ea typeface="+mn-ea"/>
+                <a:cs typeface="+mn-cs"/>
+              </a:rPr>
+              <a:t> jeweiliger Werte</a:t>
+            </a:r>
+            <a:endParaRPr lang="de-DE" dirty="0"/>
+          </a:p>
+        </p:txBody>
+      </p:sp>
+      <p:sp>
+        <p:nvSpPr>
+          <p:cNvPr id="4" name="Foliennummernplatzhalter 3"/>
+          <p:cNvSpPr>
+            <a:spLocks noGrp="1"/>
+          </p:cNvSpPr>
+          <p:nvPr>
+            <p:ph type="sldNum" sz="quarter" idx="10"/>
+          </p:nvPr>
+        </p:nvSpPr>
+        <p:spPr/>
+        <p:txBody>
+          <a:bodyPr/>
+          <a:lstStyle/>
+          <a:p>
+            <a:fld id="{934FFCC2-CB78-47B2-A6EB-E1A22EB43383}" type="slidenum">
+              <a:rPr lang="de-DE" smtClean="0"/>
+              <a:t>15</a:t>
+            </a:fld>
+            <a:endParaRPr lang="de-DE"/>
+          </a:p>
+        </p:txBody>
+      </p:sp>
+    </p:spTree>
+    <p:extLst>
+      <p:ext uri="{BB962C8B-B14F-4D97-AF65-F5344CB8AC3E}">
+        <p14:creationId xmlns:p14="http://schemas.microsoft.com/office/powerpoint/2010/main" val="2115679824"/>
+      </p:ext>
+    </p:extLst>
+  </p:cSld>
+  <p:clrMapOvr>
+    <a:masterClrMapping/>
+  </p:clrMapOvr>
+</p:notes>
+</file>
+
+<file path=ppt/notesSlides/notesSlide11.xml><?xml version="1.0" encoding="utf-8"?>
+<p:notes xmlns:a="http://schemas.openxmlformats.org/drawingml/2006/main" xmlns:r="http://schemas.openxmlformats.org/officeDocument/2006/relationships" xmlns:p="http://schemas.openxmlformats.org/presentationml/2006/main">
+  <p:cSld>
+    <p:spTree>
+      <p:nvGrpSpPr>
+        <p:cNvPr id="1" name=""/>
+        <p:cNvGrpSpPr/>
+        <p:nvPr/>
+      </p:nvGrpSpPr>
+      <p:grpSpPr>
+        <a:xfrm>
+          <a:off x="0" y="0"/>
+          <a:ext cx="0" cy="0"/>
+          <a:chOff x="0" y="0"/>
+          <a:chExt cx="0" cy="0"/>
+        </a:xfrm>
+      </p:grpSpPr>
+      <p:sp>
+        <p:nvSpPr>
+          <p:cNvPr id="2" name="Folienbildplatzhalter 1"/>
+          <p:cNvSpPr>
+            <a:spLocks noGrp="1" noRot="1" noChangeAspect="1"/>
+          </p:cNvSpPr>
+          <p:nvPr>
+            <p:ph type="sldImg"/>
+          </p:nvPr>
+        </p:nvSpPr>
+        <p:spPr/>
+      </p:sp>
+      <p:sp>
+        <p:nvSpPr>
+          <p:cNvPr id="3" name="Notizenplatzhalter 2"/>
+          <p:cNvSpPr>
+            <a:spLocks noGrp="1"/>
+          </p:cNvSpPr>
+          <p:nvPr>
+            <p:ph type="body" idx="1"/>
+          </p:nvPr>
+        </p:nvSpPr>
+        <p:spPr/>
+        <p:txBody>
+          <a:bodyPr/>
+          <a:lstStyle/>
+          <a:p>
+            <a:r>
+              <a:rPr lang="de-DE" sz="1200" b="0" i="0" kern="1200" dirty="0">
+                <a:solidFill>
+                  <a:schemeClr val="tx1"/>
+                </a:solidFill>
+                <a:effectLst/>
+                <a:latin typeface="+mn-lt"/>
+                <a:ea typeface="+mn-ea"/>
+                <a:cs typeface="+mn-cs"/>
+              </a:rPr>
+              <a:t>Marketing </a:t>
+            </a:r>
+          </a:p>
+          <a:p>
+            <a:pPr marL="171450" indent="-171450">
+              <a:buFontTx/>
+              <a:buChar char="-"/>
+            </a:pPr>
+            <a:r>
+              <a:rPr lang="de-DE" sz="1200" b="0" i="0" kern="1200" dirty="0">
+                <a:solidFill>
+                  <a:schemeClr val="tx1"/>
+                </a:solidFill>
+                <a:effectLst/>
+                <a:latin typeface="+mn-lt"/>
+                <a:ea typeface="+mn-ea"/>
+                <a:cs typeface="+mn-cs"/>
+              </a:rPr>
+              <a:t>Kosteneffizienz </a:t>
+            </a:r>
+          </a:p>
+          <a:p>
+            <a:pPr marL="171450" indent="-171450">
+              <a:buFontTx/>
+              <a:buChar char="-"/>
+            </a:pPr>
+            <a:r>
+              <a:rPr lang="de-DE" sz="1200" b="0" i="0" kern="1200" dirty="0">
+                <a:solidFill>
+                  <a:schemeClr val="tx1"/>
+                </a:solidFill>
+                <a:effectLst/>
+                <a:latin typeface="+mn-lt"/>
+                <a:ea typeface="+mn-ea"/>
+                <a:cs typeface="+mn-cs"/>
+              </a:rPr>
+              <a:t>Nachbauen auch für Anfänger zum lernen möglich</a:t>
+            </a:r>
+            <a:endParaRPr lang="de-DE" dirty="0"/>
+          </a:p>
+        </p:txBody>
+      </p:sp>
+      <p:sp>
+        <p:nvSpPr>
+          <p:cNvPr id="4" name="Foliennummernplatzhalter 3"/>
+          <p:cNvSpPr>
+            <a:spLocks noGrp="1"/>
+          </p:cNvSpPr>
+          <p:nvPr>
+            <p:ph type="sldNum" sz="quarter" idx="10"/>
+          </p:nvPr>
+        </p:nvSpPr>
+        <p:spPr/>
+        <p:txBody>
+          <a:bodyPr/>
+          <a:lstStyle/>
+          <a:p>
+            <a:fld id="{934FFCC2-CB78-47B2-A6EB-E1A22EB43383}" type="slidenum">
+              <a:rPr lang="de-DE" smtClean="0"/>
+              <a:t>16</a:t>
+            </a:fld>
+            <a:endParaRPr lang="de-DE"/>
+          </a:p>
+        </p:txBody>
+      </p:sp>
+    </p:spTree>
+    <p:extLst>
+      <p:ext uri="{BB962C8B-B14F-4D97-AF65-F5344CB8AC3E}">
+        <p14:creationId xmlns:p14="http://schemas.microsoft.com/office/powerpoint/2010/main" val="2915352462"/>
+      </p:ext>
+    </p:extLst>
+  </p:cSld>
+  <p:clrMapOvr>
+    <a:masterClrMapping/>
+  </p:clrMapOvr>
+</p:notes>
+</file>
+
 <file path=ppt/notesSlides/notesSlide2.xml><?xml version="1.0" encoding="utf-8"?>
 <p:notes xmlns:a="http://schemas.openxmlformats.org/drawingml/2006/main" xmlns:r="http://schemas.openxmlformats.org/officeDocument/2006/relationships" xmlns:p="http://schemas.openxmlformats.org/presentationml/2006/main">
   <p:cSld>
@@ -700,7 +1009,7 @@
             </a:r>
             <a:r>
               <a:rPr lang="de-DE" baseline="0" dirty="0"/>
-              <a:t> direkt integriert </a:t>
+              <a:t> direkt integriert</a:t>
             </a:r>
           </a:p>
           <a:p>
@@ -715,6 +1024,23 @@
               <a:buFontTx/>
               <a:buChar char="-"/>
             </a:pPr>
+            <a:r>
+              <a:rPr lang="de-DE" baseline="0" dirty="0"/>
+              <a:t>Akku 6 Tage lang</a:t>
+            </a:r>
+          </a:p>
+          <a:p>
+            <a:pPr marL="171450" indent="-171450">
+              <a:buFontTx/>
+              <a:buChar char="-"/>
+            </a:pPr>
+            <a:endParaRPr lang="de-DE" baseline="0" dirty="0"/>
+          </a:p>
+          <a:p>
+            <a:pPr marL="171450" indent="-171450">
+              <a:buFontTx/>
+              <a:buChar char="-"/>
+            </a:pPr>
             <a:endParaRPr lang="de-DE" dirty="0"/>
           </a:p>
         </p:txBody>
@@ -736,7 +1062,7 @@
           <a:p>
             <a:fld id="{934FFCC2-CB78-47B2-A6EB-E1A22EB43383}" type="slidenum">
               <a:rPr lang="de-DE" smtClean="0"/>
-              <a:t>5</a:t>
+              <a:t>6</a:t>
             </a:fld>
             <a:endParaRPr lang="de-DE"/>
           </a:p>
@@ -799,39 +1125,8 @@
           <a:bodyPr/>
           <a:lstStyle/>
           <a:p>
-            <a:pPr marL="171450" marR="0" lvl="0" indent="-171450" algn="l" defTabSz="914400" rtl="0" eaLnBrk="1" fontAlgn="auto" latinLnBrk="0" hangingPunct="1">
-              <a:lnSpc>
-                <a:spcPct val="100000"/>
-              </a:lnSpc>
-              <a:spcBef>
-                <a:spcPts val="0"/>
-              </a:spcBef>
-              <a:spcAft>
-                <a:spcPts val="0"/>
-              </a:spcAft>
-              <a:buClrTx/>
-              <a:buSzTx/>
-              <a:buFont typeface="Arial" panose="020B0604020202020204" pitchFamily="34" charset="0"/>
-              <a:buChar char="•"/>
-              <a:tabLst/>
-              <a:defRPr/>
-            </a:pPr>
-            <a:r>
-              <a:rPr lang="de-DE" dirty="0" err="1"/>
-              <a:t>LoRaWAN</a:t>
-            </a:r>
-            <a:r>
-              <a:rPr lang="de-DE" dirty="0"/>
-              <a:t> (Long Range Wide Area Network)</a:t>
-            </a:r>
-          </a:p>
-          <a:p>
-            <a:pPr marL="171450" indent="-171450" fontAlgn="base">
-              <a:buFont typeface="Arial" panose="020B0604020202020204" pitchFamily="34" charset="0"/>
-              <a:buChar char="•"/>
-            </a:pPr>
-            <a:r>
-              <a:rPr lang="en-US" sz="1200" b="0" i="0" kern="1200" dirty="0">
+            <a:r>
+              <a:rPr lang="de-DE" sz="1200" b="0" i="0" kern="1200" dirty="0">
                 <a:solidFill>
                   <a:schemeClr val="tx1"/>
                 </a:solidFill>
@@ -840,16 +1135,10 @@
                 <a:ea typeface="+mn-ea"/>
                 <a:cs typeface="+mn-cs"/>
               </a:rPr>
-              <a:t>ISM Band Europa 863-870Mhz</a:t>
-            </a:r>
-          </a:p>
-          <a:p>
-            <a:pPr marL="628650" lvl="1" indent="-171450" fontAlgn="base">
-              <a:buFont typeface="Arial" panose="020B0604020202020204" pitchFamily="34" charset="0"/>
-              <a:buChar char="•"/>
-            </a:pPr>
-            <a:r>
-              <a:rPr lang="en-US" sz="1200" b="0" i="0" kern="1200" dirty="0">
+              <a:t>Temperatur wird mit </a:t>
+            </a:r>
+            <a:r>
+              <a:rPr lang="de-DE" sz="1200" b="0" i="0" kern="1200" dirty="0" err="1">
                 <a:solidFill>
                   <a:schemeClr val="tx1"/>
                 </a:solidFill>
@@ -858,10 +1147,220 @@
                 <a:ea typeface="+mn-ea"/>
                 <a:cs typeface="+mn-cs"/>
               </a:rPr>
-              <a:t>industrial, scientific and medical (ISM) radio bands</a:t>
-            </a:r>
-          </a:p>
-          <a:p>
+              <a:t>temperatureReadout</a:t>
+            </a:r>
+            <a:r>
+              <a:rPr lang="de-DE" sz="1200" b="0" i="0" kern="1200" dirty="0">
+                <a:solidFill>
+                  <a:schemeClr val="tx1"/>
+                </a:solidFill>
+                <a:effectLst/>
+                <a:latin typeface="+mn-lt"/>
+                <a:ea typeface="+mn-ea"/>
+                <a:cs typeface="+mn-cs"/>
+              </a:rPr>
+              <a:t> ausgelesen und mit 50 verrechnet, </a:t>
+            </a:r>
+          </a:p>
+          <a:p>
+            <a:r>
+              <a:rPr lang="de-DE" sz="1200" b="0" i="0" kern="1200" dirty="0">
+                <a:solidFill>
+                  <a:schemeClr val="tx1"/>
+                </a:solidFill>
+                <a:effectLst/>
+                <a:latin typeface="+mn-lt"/>
+                <a:ea typeface="+mn-ea"/>
+                <a:cs typeface="+mn-cs"/>
+              </a:rPr>
+              <a:t>danach mit 100 multipliziert um keine nachkommastellen übertragen zu müssen </a:t>
+            </a:r>
+          </a:p>
+          <a:p>
+            <a:r>
+              <a:rPr lang="de-DE" sz="1200" b="0" i="0" kern="1200" dirty="0">
+                <a:solidFill>
+                  <a:schemeClr val="tx1"/>
+                </a:solidFill>
+                <a:effectLst/>
+                <a:latin typeface="+mn-lt"/>
+                <a:ea typeface="+mn-ea"/>
+                <a:cs typeface="+mn-cs"/>
+              </a:rPr>
+              <a:t>Danach von </a:t>
+            </a:r>
+            <a:r>
+              <a:rPr lang="de-DE" sz="1200" b="0" i="0" kern="1200" dirty="0" err="1">
+                <a:solidFill>
+                  <a:schemeClr val="tx1"/>
+                </a:solidFill>
+                <a:effectLst/>
+                <a:latin typeface="+mn-lt"/>
+                <a:ea typeface="+mn-ea"/>
+                <a:cs typeface="+mn-cs"/>
+              </a:rPr>
+              <a:t>float</a:t>
+            </a:r>
+            <a:r>
+              <a:rPr lang="de-DE" sz="1200" b="0" i="0" kern="1200" dirty="0">
+                <a:solidFill>
+                  <a:schemeClr val="tx1"/>
+                </a:solidFill>
+                <a:effectLst/>
+                <a:latin typeface="+mn-lt"/>
+                <a:ea typeface="+mn-ea"/>
+                <a:cs typeface="+mn-cs"/>
+              </a:rPr>
+              <a:t> in ein uint16_t (16 </a:t>
+            </a:r>
+            <a:r>
+              <a:rPr lang="de-DE" sz="1200" b="0" i="0" kern="1200" dirty="0" err="1">
+                <a:solidFill>
+                  <a:schemeClr val="tx1"/>
+                </a:solidFill>
+                <a:effectLst/>
+                <a:latin typeface="+mn-lt"/>
+                <a:ea typeface="+mn-ea"/>
+                <a:cs typeface="+mn-cs"/>
+              </a:rPr>
+              <a:t>bit</a:t>
+            </a:r>
+            <a:r>
+              <a:rPr lang="de-DE" sz="1200" b="0" i="0" kern="1200" dirty="0">
+                <a:solidFill>
+                  <a:schemeClr val="tx1"/>
+                </a:solidFill>
+                <a:effectLst/>
+                <a:latin typeface="+mn-lt"/>
+                <a:ea typeface="+mn-ea"/>
+                <a:cs typeface="+mn-cs"/>
+              </a:rPr>
+              <a:t> integer) casten Können nur 8 </a:t>
+            </a:r>
+            <a:r>
+              <a:rPr lang="de-DE" sz="1200" b="0" i="0" kern="1200" dirty="0" err="1">
+                <a:solidFill>
+                  <a:schemeClr val="tx1"/>
+                </a:solidFill>
+                <a:effectLst/>
+                <a:latin typeface="+mn-lt"/>
+                <a:ea typeface="+mn-ea"/>
+                <a:cs typeface="+mn-cs"/>
+              </a:rPr>
+              <a:t>bit</a:t>
+            </a:r>
+            <a:r>
+              <a:rPr lang="de-DE" sz="1200" b="0" i="0" kern="1200" dirty="0">
+                <a:solidFill>
+                  <a:schemeClr val="tx1"/>
+                </a:solidFill>
+                <a:effectLst/>
+                <a:latin typeface="+mn-lt"/>
+                <a:ea typeface="+mn-ea"/>
+                <a:cs typeface="+mn-cs"/>
+              </a:rPr>
+              <a:t> übertragen</a:t>
+            </a:r>
+          </a:p>
+          <a:p>
+            <a:r>
+              <a:rPr lang="de-DE" sz="1200" b="0" i="0" kern="1200" dirty="0">
+                <a:solidFill>
+                  <a:schemeClr val="tx1"/>
+                </a:solidFill>
+                <a:effectLst/>
+                <a:latin typeface="+mn-lt"/>
+                <a:ea typeface="+mn-ea"/>
+                <a:cs typeface="+mn-cs"/>
+              </a:rPr>
+              <a:t> drum von einem uint16_t in ein uint8_t casten </a:t>
+            </a:r>
+            <a:r>
+              <a:rPr lang="de-DE" sz="1200" b="0" i="0" kern="1200" dirty="0" err="1">
+                <a:solidFill>
+                  <a:schemeClr val="tx1"/>
+                </a:solidFill>
+                <a:effectLst/>
+                <a:latin typeface="+mn-lt"/>
+                <a:ea typeface="+mn-ea"/>
+                <a:cs typeface="+mn-cs"/>
+              </a:rPr>
+              <a:t>Bitshift</a:t>
+            </a:r>
+            <a:r>
+              <a:rPr lang="de-DE" sz="1200" b="0" i="0" kern="1200" dirty="0">
+                <a:solidFill>
+                  <a:schemeClr val="tx1"/>
+                </a:solidFill>
+                <a:effectLst/>
+                <a:latin typeface="+mn-lt"/>
+                <a:ea typeface="+mn-ea"/>
+                <a:cs typeface="+mn-cs"/>
+              </a:rPr>
+              <a:t> in </a:t>
+            </a:r>
+            <a:r>
+              <a:rPr lang="de-DE" sz="1200" b="0" i="0" kern="1200" dirty="0" err="1">
+                <a:solidFill>
+                  <a:schemeClr val="tx1"/>
+                </a:solidFill>
+                <a:effectLst/>
+                <a:latin typeface="+mn-lt"/>
+                <a:ea typeface="+mn-ea"/>
+                <a:cs typeface="+mn-cs"/>
+              </a:rPr>
+              <a:t>hightemperatureByte</a:t>
+            </a:r>
+            <a:r>
+              <a:rPr lang="de-DE" sz="1200" b="0" i="0" kern="1200" dirty="0">
+                <a:solidFill>
+                  <a:schemeClr val="tx1"/>
+                </a:solidFill>
+                <a:effectLst/>
+                <a:latin typeface="+mn-lt"/>
+                <a:ea typeface="+mn-ea"/>
+                <a:cs typeface="+mn-cs"/>
+              </a:rPr>
+              <a:t> und in </a:t>
+            </a:r>
+            <a:r>
+              <a:rPr lang="de-DE" sz="1200" b="0" i="0" kern="1200" dirty="0" err="1">
+                <a:solidFill>
+                  <a:schemeClr val="tx1"/>
+                </a:solidFill>
+                <a:effectLst/>
+                <a:latin typeface="+mn-lt"/>
+                <a:ea typeface="+mn-ea"/>
+                <a:cs typeface="+mn-cs"/>
+              </a:rPr>
+              <a:t>lowtemperatureByte</a:t>
+            </a:r>
+            <a:r>
+              <a:rPr lang="de-DE" sz="1200" b="0" i="0" kern="1200" dirty="0">
+                <a:solidFill>
+                  <a:schemeClr val="tx1"/>
+                </a:solidFill>
+                <a:effectLst/>
+                <a:latin typeface="+mn-lt"/>
+                <a:ea typeface="+mn-ea"/>
+                <a:cs typeface="+mn-cs"/>
+              </a:rPr>
+              <a:t> aufteilen</a:t>
+            </a:r>
+          </a:p>
+          <a:p>
+            <a:r>
+              <a:rPr lang="de-DE" sz="1200" b="0" i="0" kern="1200" dirty="0">
+                <a:solidFill>
+                  <a:schemeClr val="tx1"/>
+                </a:solidFill>
+                <a:effectLst/>
+                <a:latin typeface="+mn-lt"/>
+                <a:ea typeface="+mn-ea"/>
+                <a:cs typeface="+mn-cs"/>
+              </a:rPr>
+              <a:t> und auf dem seriellen Monitor ausgeben lassen. Werden auf der anderen Seite wieder zusammengesetzt.</a:t>
+            </a:r>
             <a:endParaRPr lang="de-DE" dirty="0"/>
           </a:p>
         </p:txBody>
@@ -892,7 +1391,7 @@
     </p:spTree>
     <p:extLst>
       <p:ext uri="{BB962C8B-B14F-4D97-AF65-F5344CB8AC3E}">
-        <p14:creationId xmlns:p14="http://schemas.microsoft.com/office/powerpoint/2010/main" val="1520446421"/>
+        <p14:creationId xmlns:p14="http://schemas.microsoft.com/office/powerpoint/2010/main" val="1311661268"/>
       </p:ext>
     </p:extLst>
   </p:cSld>
@@ -946,78 +1445,39 @@
           <a:bodyPr/>
           <a:lstStyle/>
           <a:p>
-            <a:pPr marL="171450" indent="-171450">
+            <a:pPr marL="171450" marR="0" lvl="0" indent="-171450" algn="l" defTabSz="914400" rtl="0" eaLnBrk="1" fontAlgn="auto" latinLnBrk="0" hangingPunct="1">
+              <a:lnSpc>
+                <a:spcPct val="100000"/>
+              </a:lnSpc>
+              <a:spcBef>
+                <a:spcPts val="0"/>
+              </a:spcBef>
+              <a:spcAft>
+                <a:spcPts val="0"/>
+              </a:spcAft>
+              <a:buClrTx/>
+              <a:buSzTx/>
+              <a:buFont typeface="Arial" panose="020B0604020202020204" pitchFamily="34" charset="0"/>
+              <a:buChar char="•"/>
+              <a:tabLst/>
+              <a:defRPr/>
+            </a:pPr>
+            <a:r>
+              <a:rPr lang="de-DE" dirty="0" err="1"/>
+              <a:t>LoRaWAN</a:t>
+            </a:r>
+            <a:r>
+              <a:rPr lang="de-DE" dirty="0"/>
+              <a:t> (Long Range Wide Area Network)</a:t>
+            </a:r>
+          </a:p>
+          <a:p>
+            <a:pPr marL="171450" indent="-171450" fontAlgn="base">
               <a:buFont typeface="Arial" panose="020B0604020202020204" pitchFamily="34" charset="0"/>
               <a:buChar char="•"/>
             </a:pPr>
             <a:r>
-              <a:rPr lang="de-DE" dirty="0" err="1"/>
-              <a:t>Node-Red</a:t>
-            </a:r>
-            <a:endParaRPr lang="de-DE" dirty="0"/>
-          </a:p>
-          <a:p>
-            <a:pPr marL="628650" lvl="1" indent="-171450">
-              <a:buFont typeface="Arial" panose="020B0604020202020204" pitchFamily="34" charset="0"/>
-              <a:buChar char="•"/>
-            </a:pPr>
-            <a:r>
-              <a:rPr lang="de-DE" dirty="0"/>
-              <a:t>Schnittstelle zwischen TTN-Daten</a:t>
-            </a:r>
-            <a:r>
-              <a:rPr lang="de-DE" baseline="0" dirty="0"/>
-              <a:t> und </a:t>
-            </a:r>
-            <a:r>
-              <a:rPr lang="de-DE" baseline="0" dirty="0" err="1"/>
-              <a:t>InfluxDB</a:t>
-            </a:r>
-            <a:endParaRPr lang="de-DE" baseline="0" dirty="0"/>
-          </a:p>
-          <a:p>
-            <a:pPr marL="628650" lvl="1" indent="-171450">
-              <a:buFont typeface="Arial" panose="020B0604020202020204" pitchFamily="34" charset="0"/>
-              <a:buChar char="•"/>
-            </a:pPr>
-            <a:r>
-              <a:rPr lang="de-DE" baseline="0" dirty="0" err="1"/>
-              <a:t>FlowChart</a:t>
-            </a:r>
-            <a:r>
-              <a:rPr lang="de-DE" baseline="0" dirty="0"/>
-              <a:t> Programmierungstool (Datenfluss) in JavaScript</a:t>
-            </a:r>
-            <a:endParaRPr lang="de-DE" dirty="0"/>
-          </a:p>
-          <a:p>
-            <a:pPr marL="628650" lvl="1" indent="-171450">
-              <a:buFont typeface="Arial" panose="020B0604020202020204" pitchFamily="34" charset="0"/>
-              <a:buChar char="•"/>
-            </a:pPr>
-            <a:endParaRPr lang="de-DE" dirty="0"/>
-          </a:p>
-          <a:p>
-            <a:pPr marL="171450" indent="-171450">
-              <a:buFont typeface="Arial" panose="020B0604020202020204" pitchFamily="34" charset="0"/>
-              <a:buChar char="•"/>
-            </a:pPr>
-            <a:r>
-              <a:rPr lang="de-DE" dirty="0" err="1"/>
-              <a:t>InfluxDB</a:t>
-            </a:r>
-            <a:r>
-              <a:rPr lang="de-DE" dirty="0"/>
-              <a:t>:</a:t>
-            </a:r>
-          </a:p>
-          <a:p>
-            <a:pPr marL="628650" lvl="1" indent="-171450">
-              <a:buFont typeface="Arial" panose="020B0604020202020204" pitchFamily="34" charset="0"/>
-              <a:buChar char="•"/>
-            </a:pPr>
-            <a:r>
-              <a:rPr lang="de-DE" sz="1200" b="0" i="0" kern="1200" dirty="0">
+              <a:rPr lang="en-US" sz="1200" b="0" i="0" kern="1200" dirty="0">
                 <a:solidFill>
                   <a:schemeClr val="tx1"/>
                 </a:solidFill>
@@ -1026,10 +1486,16 @@
                 <a:ea typeface="+mn-ea"/>
                 <a:cs typeface="+mn-cs"/>
               </a:rPr>
-              <a:t>optimiert für Zeit basierte Daten &amp; hohe</a:t>
-            </a:r>
-            <a:r>
-              <a:rPr lang="de-DE" sz="1200" b="0" i="0" kern="1200" baseline="0" dirty="0">
+              <a:t>ISM Band Europa 863-870Mhz</a:t>
+            </a:r>
+          </a:p>
+          <a:p>
+            <a:pPr marL="628650" lvl="1" indent="-171450" fontAlgn="base">
+              <a:buFont typeface="Arial" panose="020B0604020202020204" pitchFamily="34" charset="0"/>
+              <a:buChar char="•"/>
+            </a:pPr>
+            <a:r>
+              <a:rPr lang="en-US" sz="1200" b="0" i="0" kern="1200" dirty="0">
                 <a:solidFill>
                   <a:schemeClr val="tx1"/>
                 </a:solidFill>
@@ -1038,149 +1504,10 @@
                 <a:ea typeface="+mn-ea"/>
                 <a:cs typeface="+mn-cs"/>
               </a:rPr>
-              <a:t> Verfügbarkeit</a:t>
-            </a:r>
-            <a:endParaRPr lang="de-DE" sz="1200" b="0" i="0" kern="1200" dirty="0">
-              <a:solidFill>
-                <a:schemeClr val="tx1"/>
-              </a:solidFill>
-              <a:effectLst/>
-              <a:latin typeface="+mn-lt"/>
-              <a:ea typeface="+mn-ea"/>
-              <a:cs typeface="+mn-cs"/>
-            </a:endParaRPr>
-          </a:p>
-          <a:p>
-            <a:pPr marL="628650" lvl="1" indent="-171450">
-              <a:buFont typeface="Arial" panose="020B0604020202020204" pitchFamily="34" charset="0"/>
-              <a:buChar char="•"/>
-            </a:pPr>
-            <a:r>
-              <a:rPr lang="de-DE" sz="1200" b="0" i="0" kern="1200" dirty="0">
-                <a:solidFill>
-                  <a:schemeClr val="tx1"/>
-                </a:solidFill>
-                <a:effectLst/>
-                <a:latin typeface="+mn-lt"/>
-                <a:ea typeface="+mn-ea"/>
-                <a:cs typeface="+mn-cs"/>
-              </a:rPr>
-              <a:t>Open</a:t>
-            </a:r>
-            <a:r>
-              <a:rPr lang="de-DE" sz="1200" b="0" i="0" kern="1200" baseline="0" dirty="0">
-                <a:solidFill>
-                  <a:schemeClr val="tx1"/>
-                </a:solidFill>
-                <a:effectLst/>
-                <a:latin typeface="+mn-lt"/>
-                <a:ea typeface="+mn-ea"/>
-                <a:cs typeface="+mn-cs"/>
-              </a:rPr>
-              <a:t> Source</a:t>
-            </a:r>
-          </a:p>
-          <a:p>
-            <a:pPr marL="628650" lvl="1" indent="-171450">
-              <a:buFont typeface="Arial" panose="020B0604020202020204" pitchFamily="34" charset="0"/>
-              <a:buChar char="•"/>
-            </a:pPr>
-            <a:r>
-              <a:rPr lang="de-DE" sz="1200" b="0" i="0" kern="1200" baseline="0" dirty="0">
-                <a:solidFill>
-                  <a:schemeClr val="tx1"/>
-                </a:solidFill>
-                <a:effectLst/>
-                <a:latin typeface="+mn-lt"/>
-                <a:ea typeface="+mn-ea"/>
-                <a:cs typeface="+mn-cs"/>
-              </a:rPr>
-              <a:t>Meist verwendete Datenbank für IOT </a:t>
-            </a:r>
-            <a:r>
-              <a:rPr lang="de-DE" sz="1200" b="0" i="0" kern="1200" baseline="0" dirty="0" err="1">
-                <a:solidFill>
-                  <a:schemeClr val="tx1"/>
-                </a:solidFill>
-                <a:effectLst/>
-                <a:latin typeface="+mn-lt"/>
-                <a:ea typeface="+mn-ea"/>
-                <a:cs typeface="+mn-cs"/>
-              </a:rPr>
-              <a:t>Sensore</a:t>
-            </a:r>
-            <a:endParaRPr lang="de-DE" sz="1200" b="0" i="0" kern="1200" dirty="0">
-              <a:solidFill>
-                <a:schemeClr val="tx1"/>
-              </a:solidFill>
-              <a:effectLst/>
-              <a:latin typeface="+mn-lt"/>
-              <a:ea typeface="+mn-ea"/>
-              <a:cs typeface="+mn-cs"/>
-            </a:endParaRPr>
-          </a:p>
-          <a:p>
-            <a:pPr marL="457200" lvl="1" indent="0">
-              <a:buFont typeface="Arial" panose="020B0604020202020204" pitchFamily="34" charset="0"/>
-              <a:buNone/>
-            </a:pPr>
-            <a:endParaRPr lang="de-DE" dirty="0"/>
-          </a:p>
-          <a:p>
-            <a:pPr marL="171450" lvl="0" indent="-171450">
-              <a:buFont typeface="Arial" panose="020B0604020202020204" pitchFamily="34" charset="0"/>
-              <a:buChar char="•"/>
-            </a:pPr>
-            <a:r>
-              <a:rPr lang="de-DE" dirty="0" err="1"/>
-              <a:t>Grafana</a:t>
-            </a:r>
-            <a:endParaRPr lang="de-DE" dirty="0"/>
-          </a:p>
-          <a:p>
-            <a:pPr marL="628650" lvl="1" indent="-171450">
-              <a:buFont typeface="Arial" panose="020B0604020202020204" pitchFamily="34" charset="0"/>
-              <a:buChar char="•"/>
-            </a:pPr>
-            <a:r>
-              <a:rPr lang="de-DE" dirty="0"/>
-              <a:t>Bringt Webserver mit</a:t>
-            </a:r>
-          </a:p>
-          <a:p>
-            <a:pPr marL="628650" lvl="1" indent="-171450">
-              <a:buFont typeface="Arial" panose="020B0604020202020204" pitchFamily="34" charset="0"/>
-              <a:buChar char="•"/>
-            </a:pPr>
-            <a:r>
-              <a:rPr lang="de-DE" dirty="0"/>
-              <a:t>Visualisierung am besten gefallen</a:t>
-            </a:r>
-            <a:r>
-              <a:rPr lang="de-DE" baseline="0" dirty="0"/>
-              <a:t> </a:t>
-            </a:r>
-            <a:endParaRPr lang="de-DE" dirty="0"/>
-          </a:p>
-          <a:p>
-            <a:pPr marL="628650" lvl="1" indent="-171450">
-              <a:buFont typeface="Arial" panose="020B0604020202020204" pitchFamily="34" charset="0"/>
-              <a:buChar char="•"/>
-            </a:pPr>
-            <a:endParaRPr lang="de-DE" dirty="0"/>
-          </a:p>
-          <a:p>
-            <a:pPr marL="457200" lvl="1" indent="0">
-              <a:buFont typeface="Arial" panose="020B0604020202020204" pitchFamily="34" charset="0"/>
-              <a:buNone/>
-            </a:pPr>
-            <a:endParaRPr lang="de-DE" dirty="0"/>
-          </a:p>
-          <a:p>
-            <a:pPr marL="171450" indent="-171450">
-              <a:buFont typeface="Arial" panose="020B0604020202020204" pitchFamily="34" charset="0"/>
-              <a:buChar char="•"/>
-            </a:pPr>
+              <a:t>industrial, scientific and medical (ISM) radio bands</a:t>
+            </a:r>
+          </a:p>
+          <a:p>
             <a:endParaRPr lang="de-DE" dirty="0"/>
           </a:p>
         </p:txBody>
@@ -1211,7 +1538,7 @@
     </p:spTree>
     <p:extLst>
       <p:ext uri="{BB962C8B-B14F-4D97-AF65-F5344CB8AC3E}">
-        <p14:creationId xmlns:p14="http://schemas.microsoft.com/office/powerpoint/2010/main" val="3861072815"/>
+        <p14:creationId xmlns:p14="http://schemas.microsoft.com/office/powerpoint/2010/main" val="1520446421"/>
       </p:ext>
     </p:extLst>
   </p:cSld>
@@ -1266,144 +1593,46 @@
           <a:lstStyle/>
           <a:p>
             <a:r>
-              <a:rPr lang="de-DE" sz="1200" b="0" i="0" kern="1200" dirty="0">
-                <a:solidFill>
-                  <a:schemeClr val="tx1"/>
-                </a:solidFill>
-                <a:effectLst/>
-                <a:latin typeface="+mn-lt"/>
-                <a:ea typeface="+mn-ea"/>
-                <a:cs typeface="+mn-cs"/>
-              </a:rPr>
-              <a:t>Unser Flow-Chart </a:t>
-            </a:r>
-          </a:p>
-          <a:p>
-            <a:pPr marL="171450" indent="-171450">
-              <a:buFontTx/>
-              <a:buChar char="-"/>
-            </a:pPr>
-            <a:r>
-              <a:rPr lang="de-DE" sz="1200" b="0" i="0" kern="1200" dirty="0">
-                <a:solidFill>
-                  <a:schemeClr val="tx1"/>
-                </a:solidFill>
-                <a:effectLst/>
-                <a:latin typeface="+mn-lt"/>
-                <a:ea typeface="+mn-ea"/>
-                <a:cs typeface="+mn-cs"/>
-              </a:rPr>
-              <a:t>TTN </a:t>
-            </a:r>
-            <a:r>
-              <a:rPr lang="de-DE" sz="1200" b="0" i="0" kern="1200" dirty="0" err="1">
-                <a:solidFill>
-                  <a:schemeClr val="tx1"/>
-                </a:solidFill>
-                <a:effectLst/>
-                <a:latin typeface="+mn-lt"/>
-                <a:ea typeface="+mn-ea"/>
-                <a:cs typeface="+mn-cs"/>
-              </a:rPr>
+              <a:rPr lang="de-DE" dirty="0"/>
+              <a:t>Account bei TTN</a:t>
+            </a:r>
+          </a:p>
+          <a:p>
+            <a:r>
+              <a:rPr lang="de-DE" dirty="0"/>
+              <a:t>Applikation muss angelegt werden</a:t>
+            </a:r>
+          </a:p>
+          <a:p>
+            <a:r>
+              <a:rPr lang="de-DE" dirty="0"/>
+              <a:t>Zur Verbindung zwischen </a:t>
+            </a:r>
+            <a:r>
+              <a:rPr lang="de-DE" dirty="0" err="1"/>
               <a:t>Node</a:t>
             </a:r>
             <a:r>
-              <a:rPr lang="de-DE" sz="1200" b="0" i="0" kern="1200" dirty="0">
-                <a:solidFill>
-                  <a:schemeClr val="tx1"/>
-                </a:solidFill>
-                <a:effectLst/>
-                <a:latin typeface="+mn-lt"/>
-                <a:ea typeface="+mn-ea"/>
-                <a:cs typeface="+mn-cs"/>
-              </a:rPr>
-              <a:t> (Applikation, Access Key und Region hinterlegt) </a:t>
-            </a:r>
-          </a:p>
-          <a:p>
-            <a:pPr marL="171450" indent="-171450">
-              <a:buFontTx/>
-              <a:buChar char="-"/>
-            </a:pPr>
-            <a:r>
-              <a:rPr lang="de-DE" sz="1200" b="0" i="0" kern="1200" dirty="0">
-                <a:solidFill>
-                  <a:schemeClr val="tx1"/>
-                </a:solidFill>
-                <a:effectLst/>
-                <a:latin typeface="+mn-lt"/>
-                <a:ea typeface="+mn-ea"/>
-                <a:cs typeface="+mn-cs"/>
-              </a:rPr>
-              <a:t>- JavaScript Funktionen um Daten entgegenzunehmen, interpretieren und für </a:t>
-            </a:r>
-            <a:r>
-              <a:rPr lang="de-DE" sz="1200" b="0" i="0" kern="1200" dirty="0" err="1">
-                <a:solidFill>
-                  <a:schemeClr val="tx1"/>
-                </a:solidFill>
-                <a:effectLst/>
-                <a:latin typeface="+mn-lt"/>
-                <a:ea typeface="+mn-ea"/>
-                <a:cs typeface="+mn-cs"/>
-              </a:rPr>
-              <a:t>influx</a:t>
-            </a:r>
-            <a:r>
-              <a:rPr lang="de-DE" sz="1200" b="0" i="0" kern="1200" dirty="0">
-                <a:solidFill>
-                  <a:schemeClr val="tx1"/>
-                </a:solidFill>
-                <a:effectLst/>
-                <a:latin typeface="+mn-lt"/>
-                <a:ea typeface="+mn-ea"/>
-                <a:cs typeface="+mn-cs"/>
-              </a:rPr>
-              <a:t> vorbereiten </a:t>
-            </a:r>
-          </a:p>
-          <a:p>
-            <a:pPr marL="171450" indent="-171450">
-              <a:buFontTx/>
-              <a:buChar char="-"/>
-            </a:pPr>
-            <a:r>
-              <a:rPr lang="de-DE" sz="1200" b="0" i="0" kern="1200" dirty="0">
-                <a:solidFill>
-                  <a:schemeClr val="tx1"/>
-                </a:solidFill>
-                <a:effectLst/>
-                <a:latin typeface="+mn-lt"/>
-                <a:ea typeface="+mn-ea"/>
-                <a:cs typeface="+mn-cs"/>
-              </a:rPr>
-              <a:t>- </a:t>
-            </a:r>
-            <a:r>
-              <a:rPr lang="de-DE" sz="1200" b="0" i="0" kern="1200" dirty="0" err="1">
-                <a:solidFill>
-                  <a:schemeClr val="tx1"/>
-                </a:solidFill>
-                <a:effectLst/>
-                <a:latin typeface="+mn-lt"/>
-                <a:ea typeface="+mn-ea"/>
-                <a:cs typeface="+mn-cs"/>
-              </a:rPr>
-              <a:t>Influx</a:t>
-            </a:r>
-            <a:r>
-              <a:rPr lang="de-DE" sz="1200" b="0" i="0" kern="1200" dirty="0">
-                <a:solidFill>
-                  <a:schemeClr val="tx1"/>
-                </a:solidFill>
-                <a:effectLst/>
-                <a:latin typeface="+mn-lt"/>
-                <a:ea typeface="+mn-ea"/>
-                <a:cs typeface="+mn-cs"/>
-              </a:rPr>
-              <a:t> Output (Datenbank und jeweilige Tabelle hinterlegt)</a:t>
-            </a:r>
+              <a:rPr lang="de-DE" dirty="0"/>
+              <a:t> und TTN müssen Keys im </a:t>
+            </a:r>
+            <a:r>
+              <a:rPr lang="de-DE" dirty="0" err="1"/>
+              <a:t>Feather</a:t>
+            </a:r>
+            <a:r>
+              <a:rPr lang="de-DE" dirty="0"/>
+              <a:t>-Code hinterlegt werden</a:t>
+            </a:r>
+          </a:p>
+          <a:p>
             <a:endParaRPr lang="de-DE" dirty="0"/>
+          </a:p>
+          <a:p>
+            <a:r>
+              <a:rPr lang="de-DE" dirty="0"/>
+              <a:t>Daten werden nicht gespeichert</a:t>
+            </a:r>
           </a:p>
         </p:txBody>
       </p:sp>
@@ -1433,7 +1662,7 @@
     </p:spTree>
     <p:extLst>
       <p:ext uri="{BB962C8B-B14F-4D97-AF65-F5344CB8AC3E}">
-        <p14:creationId xmlns:p14="http://schemas.microsoft.com/office/powerpoint/2010/main" val="535705057"/>
+        <p14:creationId xmlns:p14="http://schemas.microsoft.com/office/powerpoint/2010/main" val="3532376571"/>
       </p:ext>
     </p:extLst>
   </p:cSld>
@@ -1487,6 +1716,93 @@
           <a:bodyPr/>
           <a:lstStyle/>
           <a:p>
+            <a:pPr marL="0" indent="0">
+              <a:buFont typeface="Arial" panose="020B0604020202020204" pitchFamily="34" charset="0"/>
+              <a:buNone/>
+            </a:pPr>
+            <a:r>
+              <a:rPr lang="de-DE" dirty="0"/>
+              <a:t>Open Source</a:t>
+            </a:r>
+          </a:p>
+          <a:p>
+            <a:pPr marL="0" indent="0">
+              <a:buFont typeface="Arial" panose="020B0604020202020204" pitchFamily="34" charset="0"/>
+              <a:buNone/>
+            </a:pPr>
+            <a:endParaRPr lang="de-DE" dirty="0"/>
+          </a:p>
+          <a:p>
+            <a:pPr marL="171450" indent="-171450">
+              <a:buFont typeface="Arial" panose="020B0604020202020204" pitchFamily="34" charset="0"/>
+              <a:buChar char="•"/>
+            </a:pPr>
+            <a:r>
+              <a:rPr lang="de-DE" dirty="0" err="1"/>
+              <a:t>Node-Red</a:t>
+            </a:r>
+            <a:endParaRPr lang="de-DE" dirty="0"/>
+          </a:p>
+          <a:p>
+            <a:pPr marL="628650" lvl="1" indent="-171450">
+              <a:buFont typeface="Arial" panose="020B0604020202020204" pitchFamily="34" charset="0"/>
+              <a:buChar char="•"/>
+            </a:pPr>
+            <a:r>
+              <a:rPr lang="de-DE" dirty="0"/>
+              <a:t>Schnittstelle zwischen TTN-Daten</a:t>
+            </a:r>
+            <a:r>
+              <a:rPr lang="de-DE" baseline="0" dirty="0"/>
+              <a:t> und </a:t>
+            </a:r>
+            <a:r>
+              <a:rPr lang="de-DE" baseline="0" dirty="0" err="1"/>
+              <a:t>InfluxDB</a:t>
+            </a:r>
+            <a:endParaRPr lang="de-DE" baseline="0" dirty="0"/>
+          </a:p>
+          <a:p>
+            <a:pPr marL="628650" lvl="1" indent="-171450">
+              <a:buFont typeface="Arial" panose="020B0604020202020204" pitchFamily="34" charset="0"/>
+              <a:buChar char="•"/>
+            </a:pPr>
+            <a:r>
+              <a:rPr lang="de-DE" baseline="0" dirty="0" err="1"/>
+              <a:t>FlowChart</a:t>
+            </a:r>
+            <a:r>
+              <a:rPr lang="de-DE" baseline="0" dirty="0"/>
+              <a:t> Programmierungstool (Datenfluss) in JavaScript</a:t>
+            </a:r>
+            <a:endParaRPr lang="de-DE" dirty="0"/>
+          </a:p>
+          <a:p>
+            <a:pPr marL="628650" lvl="1" indent="-171450">
+              <a:buFont typeface="Arial" panose="020B0604020202020204" pitchFamily="34" charset="0"/>
+              <a:buChar char="•"/>
+            </a:pPr>
+            <a:endParaRPr lang="de-DE" dirty="0"/>
+          </a:p>
+          <a:p>
+            <a:pPr marL="171450" indent="-171450">
+              <a:buFont typeface="Arial" panose="020B0604020202020204" pitchFamily="34" charset="0"/>
+              <a:buChar char="•"/>
+            </a:pPr>
+            <a:r>
+              <a:rPr lang="de-DE" dirty="0" err="1"/>
+              <a:t>InfluxDB</a:t>
+            </a:r>
+            <a:r>
+              <a:rPr lang="de-DE" dirty="0"/>
+              <a:t>:</a:t>
+            </a:r>
+          </a:p>
+          <a:p>
+            <a:pPr marL="628650" lvl="1" indent="-171450">
+              <a:buFont typeface="Arial" panose="020B0604020202020204" pitchFamily="34" charset="0"/>
+              <a:buChar char="•"/>
+            </a:pPr>
             <a:r>
               <a:rPr lang="de-DE" sz="1200" b="0" i="0" kern="1200" dirty="0">
                 <a:solidFill>
@@ -1497,10 +1813,16 @@
                 <a:ea typeface="+mn-ea"/>
                 <a:cs typeface="+mn-cs"/>
               </a:rPr>
-              <a:t>- in </a:t>
-            </a:r>
-            <a:r>
-              <a:rPr lang="de-DE" sz="1200" b="0" i="0" kern="1200" dirty="0" err="1">
+              <a:t>optimiert für Zeit basierte Daten (Daten werden automatisch mit Zeitstempel versehen)</a:t>
+            </a:r>
+          </a:p>
+          <a:p>
+            <a:pPr marL="628650" lvl="1" indent="-171450">
+              <a:buFont typeface="Arial" panose="020B0604020202020204" pitchFamily="34" charset="0"/>
+              <a:buChar char="•"/>
+            </a:pPr>
+            <a:r>
+              <a:rPr lang="de-DE" sz="1200" b="0" i="0" kern="1200" baseline="0" dirty="0">
                 <a:solidFill>
                   <a:schemeClr val="tx1"/>
                 </a:solidFill>
@@ -1509,44 +1831,90 @@
                 <a:ea typeface="+mn-ea"/>
                 <a:cs typeface="+mn-cs"/>
               </a:rPr>
-              <a:t>influx-shell</a:t>
-            </a:r>
-            <a:r>
-              <a:rPr lang="de-DE" sz="1200" b="0" i="0" kern="1200" dirty="0">
-                <a:solidFill>
-                  <a:schemeClr val="tx1"/>
-                </a:solidFill>
-                <a:effectLst/>
-                <a:latin typeface="+mn-lt"/>
-                <a:ea typeface="+mn-ea"/>
-                <a:cs typeface="+mn-cs"/>
-              </a:rPr>
+              <a:t>Meist verwendete Datenbank für IOT, Sensordaten</a:t>
+            </a:r>
+            <a:endParaRPr lang="de-DE" sz="1200" b="0" i="0" kern="1200" dirty="0">
+              <a:solidFill>
+                <a:schemeClr val="tx1"/>
+              </a:solidFill>
+              <a:effectLst/>
+              <a:latin typeface="+mn-lt"/>
+              <a:ea typeface="+mn-ea"/>
+              <a:cs typeface="+mn-cs"/>
+            </a:endParaRPr>
+          </a:p>
+          <a:p>
+            <a:pPr marL="457200" lvl="1" indent="0">
+              <a:buFont typeface="Arial" panose="020B0604020202020204" pitchFamily="34" charset="0"/>
+              <a:buNone/>
+            </a:pPr>
+            <a:endParaRPr lang="de-DE" dirty="0"/>
+          </a:p>
+          <a:p>
+            <a:pPr marL="171450" lvl="0" indent="-171450">
+              <a:buFont typeface="Arial" panose="020B0604020202020204" pitchFamily="34" charset="0"/>
+              <a:buChar char="•"/>
+            </a:pPr>
+            <a:r>
+              <a:rPr lang="de-DE" dirty="0" err="1"/>
+              <a:t>Grafana</a:t>
+            </a:r>
+            <a:endParaRPr lang="de-DE" dirty="0"/>
+          </a:p>
+          <a:p>
+            <a:pPr marL="628650" lvl="1" indent="-171450">
+              <a:buFont typeface="Arial" panose="020B0604020202020204" pitchFamily="34" charset="0"/>
+              <a:buChar char="•"/>
+            </a:pPr>
+            <a:r>
+              <a:rPr lang="de-DE" dirty="0"/>
+              <a:t>Visualisierungstool</a:t>
+            </a:r>
+          </a:p>
+          <a:p>
+            <a:pPr marL="628650" lvl="1" indent="-171450">
+              <a:buFont typeface="Arial" panose="020B0604020202020204" pitchFamily="34" charset="0"/>
+              <a:buChar char="•"/>
+            </a:pPr>
+            <a:r>
+              <a:rPr lang="de-DE" dirty="0"/>
+              <a:t>Bringt Webserver mit</a:t>
+            </a:r>
+          </a:p>
+          <a:p>
+            <a:pPr marL="628650" lvl="1" indent="-171450">
+              <a:buFont typeface="Arial" panose="020B0604020202020204" pitchFamily="34" charset="0"/>
+              <a:buChar char="•"/>
+            </a:pPr>
+            <a:r>
+              <a:rPr lang="de-DE" dirty="0"/>
+              <a:t>Visualisierung am besten gefallen</a:t>
+            </a:r>
+            <a:r>
+              <a:rPr lang="de-DE" baseline="0" dirty="0"/>
               <a:t> </a:t>
             </a:r>
-            <a:r>
-              <a:rPr lang="de-DE" sz="1200" b="0" i="0" kern="1200" dirty="0" err="1">
-                <a:solidFill>
-                  <a:schemeClr val="tx1"/>
-                </a:solidFill>
-                <a:effectLst/>
-                <a:latin typeface="+mn-lt"/>
-                <a:ea typeface="+mn-ea"/>
-                <a:cs typeface="+mn-cs"/>
-              </a:rPr>
-              <a:t>datenbank</a:t>
-            </a:r>
-            <a:r>
-              <a:rPr lang="de-DE" sz="1200" b="0" i="0" kern="1200" dirty="0">
-                <a:solidFill>
-                  <a:schemeClr val="tx1"/>
-                </a:solidFill>
-                <a:effectLst/>
-                <a:latin typeface="+mn-lt"/>
-                <a:ea typeface="+mn-ea"/>
-                <a:cs typeface="+mn-cs"/>
-              </a:rPr>
-              <a:t> angelegt</a:t>
-            </a:r>
+            <a:endParaRPr lang="de-DE" dirty="0"/>
+          </a:p>
+          <a:p>
+            <a:pPr marL="628650" lvl="1" indent="-171450">
+              <a:buFont typeface="Arial" panose="020B0604020202020204" pitchFamily="34" charset="0"/>
+              <a:buChar char="•"/>
+            </a:pPr>
+            <a:endParaRPr lang="de-DE" dirty="0"/>
+          </a:p>
+          <a:p>
+            <a:pPr marL="457200" lvl="1" indent="0">
+              <a:buFont typeface="Arial" panose="020B0604020202020204" pitchFamily="34" charset="0"/>
+              <a:buNone/>
+            </a:pPr>
+            <a:endParaRPr lang="de-DE" dirty="0"/>
+          </a:p>
+          <a:p>
+            <a:pPr marL="171450" indent="-171450">
+              <a:buFont typeface="Arial" panose="020B0604020202020204" pitchFamily="34" charset="0"/>
+              <a:buChar char="•"/>
+            </a:pPr>
             <a:endParaRPr lang="de-DE" dirty="0"/>
           </a:p>
         </p:txBody>
@@ -1577,7 +1945,7 @@
     </p:spTree>
     <p:extLst>
       <p:ext uri="{BB962C8B-B14F-4D97-AF65-F5344CB8AC3E}">
-        <p14:creationId xmlns:p14="http://schemas.microsoft.com/office/powerpoint/2010/main" val="3097703163"/>
+        <p14:creationId xmlns:p14="http://schemas.microsoft.com/office/powerpoint/2010/main" val="3861072815"/>
       </p:ext>
     </p:extLst>
   </p:cSld>
@@ -1632,6 +2000,36 @@
           <a:lstStyle/>
           <a:p>
             <a:r>
+              <a:rPr lang="de-DE" sz="1200" b="0" i="0" kern="1200" dirty="0">
+                <a:solidFill>
+                  <a:schemeClr val="tx1"/>
+                </a:solidFill>
+                <a:effectLst/>
+                <a:latin typeface="+mn-lt"/>
+                <a:ea typeface="+mn-ea"/>
+                <a:cs typeface="+mn-cs"/>
+              </a:rPr>
+              <a:t>Unser Flow-Chart </a:t>
+            </a:r>
+          </a:p>
+          <a:p>
+            <a:pPr marL="171450" indent="-171450">
+              <a:buFontTx/>
+              <a:buChar char="-"/>
+            </a:pPr>
+            <a:r>
+              <a:rPr lang="de-DE" sz="1200" b="0" i="0" kern="1200" dirty="0">
+                <a:solidFill>
+                  <a:schemeClr val="tx1"/>
+                </a:solidFill>
+                <a:effectLst/>
+                <a:latin typeface="+mn-lt"/>
+                <a:ea typeface="+mn-ea"/>
+                <a:cs typeface="+mn-cs"/>
+              </a:rPr>
+              <a:t>TTN </a:t>
+            </a:r>
+            <a:r>
               <a:rPr lang="de-DE" sz="1200" b="0" i="0" kern="1200" dirty="0" err="1">
                 <a:solidFill>
                   <a:schemeClr val="tx1"/>
@@ -1641,7 +2039,353 @@
                 <a:ea typeface="+mn-ea"/>
                 <a:cs typeface="+mn-cs"/>
               </a:rPr>
-              <a:t>Grafana</a:t>
+              <a:t>Node</a:t>
+            </a:r>
+            <a:r>
+              <a:rPr lang="de-DE" sz="1200" b="0" i="0" kern="1200" dirty="0">
+                <a:solidFill>
+                  <a:schemeClr val="tx1"/>
+                </a:solidFill>
+                <a:effectLst/>
+                <a:latin typeface="+mn-lt"/>
+                <a:ea typeface="+mn-ea"/>
+                <a:cs typeface="+mn-cs"/>
+              </a:rPr>
+              <a:t> (Applikation, Access Key und Region hinterlegt) </a:t>
+            </a:r>
+          </a:p>
+          <a:p>
+            <a:pPr marL="171450" indent="-171450">
+              <a:buFontTx/>
+              <a:buChar char="-"/>
+            </a:pPr>
+            <a:r>
+              <a:rPr lang="de-DE" sz="1200" b="0" i="0" kern="1200" dirty="0">
+                <a:solidFill>
+                  <a:schemeClr val="tx1"/>
+                </a:solidFill>
+                <a:effectLst/>
+                <a:latin typeface="+mn-lt"/>
+                <a:ea typeface="+mn-ea"/>
+                <a:cs typeface="+mn-cs"/>
+              </a:rPr>
+              <a:t>- JavaScript Funktionen um Daten entgegenzunehmen, interpretieren und für </a:t>
+            </a:r>
+            <a:r>
+              <a:rPr lang="de-DE" sz="1200" b="0" i="0" kern="1200" dirty="0" err="1">
+                <a:solidFill>
+                  <a:schemeClr val="tx1"/>
+                </a:solidFill>
+                <a:effectLst/>
+                <a:latin typeface="+mn-lt"/>
+                <a:ea typeface="+mn-ea"/>
+                <a:cs typeface="+mn-cs"/>
+              </a:rPr>
+              <a:t>influx</a:t>
+            </a:r>
+            <a:r>
+              <a:rPr lang="de-DE" sz="1200" b="0" i="0" kern="1200" dirty="0">
+                <a:solidFill>
+                  <a:schemeClr val="tx1"/>
+                </a:solidFill>
+                <a:effectLst/>
+                <a:latin typeface="+mn-lt"/>
+                <a:ea typeface="+mn-ea"/>
+                <a:cs typeface="+mn-cs"/>
+              </a:rPr>
+              <a:t> vorbereiten </a:t>
+            </a:r>
+          </a:p>
+          <a:p>
+            <a:pPr marL="171450" indent="-171450">
+              <a:buFontTx/>
+              <a:buChar char="-"/>
+            </a:pPr>
+            <a:r>
+              <a:rPr lang="de-DE" sz="1200" b="0" i="0" kern="1200" dirty="0">
+                <a:solidFill>
+                  <a:schemeClr val="tx1"/>
+                </a:solidFill>
+                <a:effectLst/>
+                <a:latin typeface="+mn-lt"/>
+                <a:ea typeface="+mn-ea"/>
+                <a:cs typeface="+mn-cs"/>
+              </a:rPr>
+              <a:t>- </a:t>
+            </a:r>
+            <a:r>
+              <a:rPr lang="de-DE" sz="1200" b="0" i="0" kern="1200" dirty="0" err="1">
+                <a:solidFill>
+                  <a:schemeClr val="tx1"/>
+                </a:solidFill>
+                <a:effectLst/>
+                <a:latin typeface="+mn-lt"/>
+                <a:ea typeface="+mn-ea"/>
+                <a:cs typeface="+mn-cs"/>
+              </a:rPr>
+              <a:t>Influx</a:t>
+            </a:r>
+            <a:r>
+              <a:rPr lang="de-DE" sz="1200" b="0" i="0" kern="1200" dirty="0">
+                <a:solidFill>
+                  <a:schemeClr val="tx1"/>
+                </a:solidFill>
+                <a:effectLst/>
+                <a:latin typeface="+mn-lt"/>
+                <a:ea typeface="+mn-ea"/>
+                <a:cs typeface="+mn-cs"/>
+              </a:rPr>
+              <a:t> Output (Datenbank und jeweilige Tabelle hinterlegt)</a:t>
+            </a:r>
+            <a:endParaRPr lang="de-DE" dirty="0"/>
+          </a:p>
+        </p:txBody>
+      </p:sp>
+      <p:sp>
+        <p:nvSpPr>
+          <p:cNvPr id="4" name="Foliennummernplatzhalter 3"/>
+          <p:cNvSpPr>
+            <a:spLocks noGrp="1"/>
+          </p:cNvSpPr>
+          <p:nvPr>
+            <p:ph type="sldNum" sz="quarter" idx="10"/>
+          </p:nvPr>
+        </p:nvSpPr>
+        <p:spPr/>
+        <p:txBody>
+          <a:bodyPr/>
+          <a:lstStyle/>
+          <a:p>
+            <a:fld id="{934FFCC2-CB78-47B2-A6EB-E1A22EB43383}" type="slidenum">
+              <a:rPr lang="de-DE" smtClean="0"/>
+              <a:t>12</a:t>
+            </a:fld>
+            <a:endParaRPr lang="de-DE"/>
+          </a:p>
+        </p:txBody>
+      </p:sp>
+    </p:spTree>
+    <p:extLst>
+      <p:ext uri="{BB962C8B-B14F-4D97-AF65-F5344CB8AC3E}">
+        <p14:creationId xmlns:p14="http://schemas.microsoft.com/office/powerpoint/2010/main" val="535705057"/>
+      </p:ext>
+    </p:extLst>
+  </p:cSld>
+  <p:clrMapOvr>
+    <a:masterClrMapping/>
+  </p:clrMapOvr>
+</p:notes>
+</file>
+
+<file path=ppt/notesSlides/notesSlide8.xml><?xml version="1.0" encoding="utf-8"?>
+<p:notes xmlns:a="http://schemas.openxmlformats.org/drawingml/2006/main" xmlns:r="http://schemas.openxmlformats.org/officeDocument/2006/relationships" xmlns:p="http://schemas.openxmlformats.org/presentationml/2006/main">
+  <p:cSld>
+    <p:spTree>
+      <p:nvGrpSpPr>
+        <p:cNvPr id="1" name=""/>
+        <p:cNvGrpSpPr/>
+        <p:nvPr/>
+      </p:nvGrpSpPr>
+      <p:grpSpPr>
+        <a:xfrm>
+          <a:off x="0" y="0"/>
+          <a:ext cx="0" cy="0"/>
+          <a:chOff x="0" y="0"/>
+          <a:chExt cx="0" cy="0"/>
+        </a:xfrm>
+      </p:grpSpPr>
+      <p:sp>
+        <p:nvSpPr>
+          <p:cNvPr id="2" name="Folienbildplatzhalter 1"/>
+          <p:cNvSpPr>
+            <a:spLocks noGrp="1" noRot="1" noChangeAspect="1"/>
+          </p:cNvSpPr>
+          <p:nvPr>
+            <p:ph type="sldImg"/>
+          </p:nvPr>
+        </p:nvSpPr>
+        <p:spPr/>
+      </p:sp>
+      <p:sp>
+        <p:nvSpPr>
+          <p:cNvPr id="3" name="Notizenplatzhalter 2"/>
+          <p:cNvSpPr>
+            <a:spLocks noGrp="1"/>
+          </p:cNvSpPr>
+          <p:nvPr>
+            <p:ph type="body" idx="1"/>
+          </p:nvPr>
+        </p:nvSpPr>
+        <p:spPr/>
+        <p:txBody>
+          <a:bodyPr/>
+          <a:lstStyle/>
+          <a:p>
+            <a:r>
+              <a:rPr lang="de-DE" dirty="0"/>
+              <a:t>Temp16, </a:t>
+            </a:r>
+            <a:r>
+              <a:rPr lang="de-DE" dirty="0" err="1"/>
+              <a:t>message</a:t>
+            </a:r>
+            <a:r>
+              <a:rPr lang="de-DE" dirty="0"/>
+              <a:t> anlegen</a:t>
+            </a:r>
+          </a:p>
+          <a:p>
+            <a:r>
+              <a:rPr lang="de-DE" dirty="0"/>
+              <a:t>Temp16 wert von </a:t>
+            </a:r>
+            <a:r>
+              <a:rPr lang="de-DE" dirty="0" err="1"/>
+              <a:t>index</a:t>
+            </a:r>
+            <a:r>
+              <a:rPr lang="de-DE" dirty="0"/>
+              <a:t> 0 mit </a:t>
+            </a:r>
+            <a:r>
+              <a:rPr lang="de-DE" dirty="0" err="1"/>
+              <a:t>Bitshifting</a:t>
+            </a:r>
+            <a:r>
+              <a:rPr lang="de-DE" dirty="0"/>
+              <a:t> um 8 nach links und mit Index 1 </a:t>
+            </a:r>
+            <a:r>
+              <a:rPr lang="de-DE" dirty="0" err="1"/>
+              <a:t>verunden</a:t>
+            </a:r>
+            <a:endParaRPr lang="de-DE" dirty="0"/>
+          </a:p>
+          <a:p>
+            <a:r>
+              <a:rPr lang="de-DE" dirty="0"/>
+              <a:t>Temp16 / 100 um wieder an nachkommastellen zu kommen, mit -50 verrechnen</a:t>
+            </a:r>
+          </a:p>
+          <a:p>
+            <a:r>
+              <a:rPr lang="de-DE" dirty="0"/>
+              <a:t>Geben wert an nächste </a:t>
+            </a:r>
+            <a:r>
+              <a:rPr lang="de-DE" dirty="0" err="1"/>
+              <a:t>node</a:t>
+            </a:r>
+            <a:r>
+              <a:rPr lang="de-DE" dirty="0"/>
+              <a:t> weiter</a:t>
+            </a:r>
+          </a:p>
+        </p:txBody>
+      </p:sp>
+      <p:sp>
+        <p:nvSpPr>
+          <p:cNvPr id="4" name="Foliennummernplatzhalter 3"/>
+          <p:cNvSpPr>
+            <a:spLocks noGrp="1"/>
+          </p:cNvSpPr>
+          <p:nvPr>
+            <p:ph type="sldNum" sz="quarter" idx="10"/>
+          </p:nvPr>
+        </p:nvSpPr>
+        <p:spPr/>
+        <p:txBody>
+          <a:bodyPr/>
+          <a:lstStyle/>
+          <a:p>
+            <a:fld id="{934FFCC2-CB78-47B2-A6EB-E1A22EB43383}" type="slidenum">
+              <a:rPr lang="de-DE" smtClean="0"/>
+              <a:t>13</a:t>
+            </a:fld>
+            <a:endParaRPr lang="de-DE"/>
+          </a:p>
+        </p:txBody>
+      </p:sp>
+    </p:spTree>
+    <p:extLst>
+      <p:ext uri="{BB962C8B-B14F-4D97-AF65-F5344CB8AC3E}">
+        <p14:creationId xmlns:p14="http://schemas.microsoft.com/office/powerpoint/2010/main" val="178552450"/>
+      </p:ext>
+    </p:extLst>
+  </p:cSld>
+  <p:clrMapOvr>
+    <a:masterClrMapping/>
+  </p:clrMapOvr>
+</p:notes>
+</file>
+
+<file path=ppt/notesSlides/notesSlide9.xml><?xml version="1.0" encoding="utf-8"?>
+<p:notes xmlns:a="http://schemas.openxmlformats.org/drawingml/2006/main" xmlns:r="http://schemas.openxmlformats.org/officeDocument/2006/relationships" xmlns:p="http://schemas.openxmlformats.org/presentationml/2006/main">
+  <p:cSld>
+    <p:spTree>
+      <p:nvGrpSpPr>
+        <p:cNvPr id="1" name=""/>
+        <p:cNvGrpSpPr/>
+        <p:nvPr/>
+      </p:nvGrpSpPr>
+      <p:grpSpPr>
+        <a:xfrm>
+          <a:off x="0" y="0"/>
+          <a:ext cx="0" cy="0"/>
+          <a:chOff x="0" y="0"/>
+          <a:chExt cx="0" cy="0"/>
+        </a:xfrm>
+      </p:grpSpPr>
+      <p:sp>
+        <p:nvSpPr>
+          <p:cNvPr id="2" name="Folienbildplatzhalter 1"/>
+          <p:cNvSpPr>
+            <a:spLocks noGrp="1" noRot="1" noChangeAspect="1"/>
+          </p:cNvSpPr>
+          <p:nvPr>
+            <p:ph type="sldImg"/>
+          </p:nvPr>
+        </p:nvSpPr>
+        <p:spPr/>
+      </p:sp>
+      <p:sp>
+        <p:nvSpPr>
+          <p:cNvPr id="3" name="Notizenplatzhalter 2"/>
+          <p:cNvSpPr>
+            <a:spLocks noGrp="1"/>
+          </p:cNvSpPr>
+          <p:nvPr>
+            <p:ph type="body" idx="1"/>
+          </p:nvPr>
+        </p:nvSpPr>
+        <p:spPr/>
+        <p:txBody>
+          <a:bodyPr/>
+          <a:lstStyle/>
+          <a:p>
+            <a:r>
+              <a:rPr lang="de-DE" sz="1200" b="0" i="0" kern="1200" dirty="0">
+                <a:solidFill>
+                  <a:schemeClr val="tx1"/>
+                </a:solidFill>
+                <a:effectLst/>
+                <a:latin typeface="+mn-lt"/>
+                <a:ea typeface="+mn-ea"/>
+                <a:cs typeface="+mn-cs"/>
+              </a:rPr>
+              <a:t>- in </a:t>
+            </a:r>
+            <a:r>
+              <a:rPr lang="de-DE" sz="1200" b="0" i="0" kern="1200" dirty="0" err="1">
+                <a:solidFill>
+                  <a:schemeClr val="tx1"/>
+                </a:solidFill>
+                <a:effectLst/>
+                <a:latin typeface="+mn-lt"/>
+                <a:ea typeface="+mn-ea"/>
+                <a:cs typeface="+mn-cs"/>
+              </a:rPr>
+              <a:t>influx-shell</a:t>
             </a:r>
             <a:r>
               <a:rPr lang="de-DE" sz="1200" b="0" i="0" kern="1200" dirty="0">
@@ -1655,12 +2399,18 @@
               </a:rPr>
               <a:t> </a:t>
             </a:r>
-          </a:p>
-          <a:p>
-            <a:pPr marL="171450" indent="-171450">
-              <a:buFontTx/>
-              <a:buChar char="-"/>
-            </a:pPr>
+            <a:r>
+              <a:rPr lang="de-DE" sz="1200" b="0" i="0" kern="1200" dirty="0" err="1">
+                <a:solidFill>
+                  <a:schemeClr val="tx1"/>
+                </a:solidFill>
+                <a:effectLst/>
+                <a:latin typeface="+mn-lt"/>
+                <a:ea typeface="+mn-ea"/>
+                <a:cs typeface="+mn-cs"/>
+              </a:rPr>
+              <a:t>datenbank</a:t>
+            </a:r>
             <a:r>
               <a:rPr lang="de-DE" sz="1200" b="0" i="0" kern="1200" dirty="0">
                 <a:solidFill>
@@ -1671,55 +2421,7 @@
                 <a:ea typeface="+mn-ea"/>
                 <a:cs typeface="+mn-cs"/>
               </a:rPr>
-              <a:t>Datenbank hinterlegt </a:t>
-            </a:r>
-          </a:p>
-          <a:p>
-            <a:pPr marL="171450" indent="-171450">
-              <a:buFontTx/>
-              <a:buChar char="-"/>
-            </a:pPr>
-            <a:r>
-              <a:rPr lang="de-DE" sz="1200" b="0" i="0" kern="1200" dirty="0">
-                <a:solidFill>
-                  <a:schemeClr val="tx1"/>
-                </a:solidFill>
-                <a:effectLst/>
-                <a:latin typeface="+mn-lt"/>
-                <a:ea typeface="+mn-ea"/>
-                <a:cs typeface="+mn-cs"/>
-              </a:rPr>
-              <a:t>Eigenes Dashboard mit Layout aus Graphen und Aktuellen Werten </a:t>
-            </a:r>
-          </a:p>
-          <a:p>
-            <a:pPr marL="171450" indent="-171450">
-              <a:buFontTx/>
-              <a:buChar char="-"/>
-            </a:pPr>
-            <a:r>
-              <a:rPr lang="de-DE" sz="1200" b="0" i="0" kern="1200" dirty="0" err="1">
-                <a:solidFill>
-                  <a:schemeClr val="tx1"/>
-                </a:solidFill>
-                <a:effectLst/>
-                <a:latin typeface="+mn-lt"/>
-                <a:ea typeface="+mn-ea"/>
-                <a:cs typeface="+mn-cs"/>
-              </a:rPr>
-              <a:t>Queries</a:t>
-            </a:r>
-            <a:r>
-              <a:rPr lang="de-DE" sz="1200" b="0" i="0" kern="1200" dirty="0">
-                <a:solidFill>
-                  <a:schemeClr val="tx1"/>
-                </a:solidFill>
-                <a:effectLst/>
-                <a:latin typeface="+mn-lt"/>
-                <a:ea typeface="+mn-ea"/>
-                <a:cs typeface="+mn-cs"/>
-              </a:rPr>
-              <a:t> jeweiliger Werte</a:t>
+              <a:t> angelegt</a:t>
             </a:r>
             <a:endParaRPr lang="de-DE" dirty="0"/>
           </a:p>
@@ -1742,7 +2444,7 @@
           <a:p>
             <a:fld id="{934FFCC2-CB78-47B2-A6EB-E1A22EB43383}" type="slidenum">
               <a:rPr lang="de-DE" smtClean="0"/>
-              <a:t>12</a:t>
+              <a:t>14</a:t>
             </a:fld>
             <a:endParaRPr lang="de-DE"/>
           </a:p>
@@ -1751,7 +2453,7 @@
     </p:spTree>
     <p:extLst>
       <p:ext uri="{BB962C8B-B14F-4D97-AF65-F5344CB8AC3E}">
-        <p14:creationId xmlns:p14="http://schemas.microsoft.com/office/powerpoint/2010/main" val="2115679824"/>
+        <p14:creationId xmlns:p14="http://schemas.microsoft.com/office/powerpoint/2010/main" val="3097703163"/>
       </p:ext>
     </p:extLst>
   </p:cSld>
@@ -4814,6 +5516,260 @@
       </p:grpSpPr>
       <p:sp>
         <p:nvSpPr>
+          <p:cNvPr id="2" name="Titel 1">
+            <a:extLst>
+              <a:ext uri="{FF2B5EF4-FFF2-40B4-BE49-F238E27FC236}">
+                <a16:creationId xmlns:a16="http://schemas.microsoft.com/office/drawing/2014/main" id="{C3C435B0-9786-4130-BB6E-76C05F28FFBB}"/>
+              </a:ext>
+            </a:extLst>
+          </p:cNvPr>
+          <p:cNvSpPr>
+            <a:spLocks noGrp="1"/>
+          </p:cNvSpPr>
+          <p:nvPr>
+            <p:ph type="title"/>
+          </p:nvPr>
+        </p:nvSpPr>
+        <p:spPr/>
+        <p:txBody>
+          <a:bodyPr/>
+          <a:lstStyle/>
+          <a:p>
+            <a:r>
+              <a:rPr lang="de-DE" dirty="0"/>
+              <a:t>The Things Network</a:t>
+            </a:r>
+          </a:p>
+        </p:txBody>
+      </p:sp>
+      <p:pic>
+        <p:nvPicPr>
+          <p:cNvPr id="5" name="Inhaltsplatzhalter 4">
+            <a:extLst>
+              <a:ext uri="{FF2B5EF4-FFF2-40B4-BE49-F238E27FC236}">
+                <a16:creationId xmlns:a16="http://schemas.microsoft.com/office/drawing/2014/main" id="{ED35B0F9-EF77-43C2-B79F-6696CCE917C0}"/>
+              </a:ext>
+            </a:extLst>
+          </p:cNvPr>
+          <p:cNvPicPr>
+            <a:picLocks noGrp="1" noChangeAspect="1"/>
+          </p:cNvPicPr>
+          <p:nvPr>
+            <p:ph idx="1"/>
+          </p:nvPr>
+        </p:nvPicPr>
+        <p:blipFill rotWithShape="1">
+          <a:blip r:embed="rId3">
+            <a:extLst>
+              <a:ext uri="{28A0092B-C50C-407E-A947-70E740481C1C}">
+                <a14:useLocalDpi xmlns:a14="http://schemas.microsoft.com/office/drawing/2010/main" val="0"/>
+              </a:ext>
+            </a:extLst>
+          </a:blip>
+          <a:srcRect b="27370"/>
+          <a:stretch/>
+        </p:blipFill>
+        <p:spPr>
+          <a:xfrm>
+            <a:off x="1421528" y="1503282"/>
+            <a:ext cx="9348944" cy="4962999"/>
+          </a:xfrm>
+        </p:spPr>
+      </p:pic>
+    </p:spTree>
+    <p:extLst>
+      <p:ext uri="{BB962C8B-B14F-4D97-AF65-F5344CB8AC3E}">
+        <p14:creationId xmlns:p14="http://schemas.microsoft.com/office/powerpoint/2010/main" val="1108231077"/>
+      </p:ext>
+    </p:extLst>
+  </p:cSld>
+  <p:clrMapOvr>
+    <a:masterClrMapping/>
+  </p:clrMapOvr>
+</p:sld>
+</file>
+
+<file path=ppt/slides/slide11.xml><?xml version="1.0" encoding="utf-8"?>
+<p:sld xmlns:a="http://schemas.openxmlformats.org/drawingml/2006/main" xmlns:r="http://schemas.openxmlformats.org/officeDocument/2006/relationships" xmlns:p="http://schemas.openxmlformats.org/presentationml/2006/main">
+  <p:cSld>
+    <p:spTree>
+      <p:nvGrpSpPr>
+        <p:cNvPr id="1" name=""/>
+        <p:cNvGrpSpPr/>
+        <p:nvPr/>
+      </p:nvGrpSpPr>
+      <p:grpSpPr>
+        <a:xfrm>
+          <a:off x="0" y="0"/>
+          <a:ext cx="0" cy="0"/>
+          <a:chOff x="0" y="0"/>
+          <a:chExt cx="0" cy="0"/>
+        </a:xfrm>
+      </p:grpSpPr>
+      <p:sp>
+        <p:nvSpPr>
+          <p:cNvPr id="2" name="Titel 1"/>
+          <p:cNvSpPr>
+            <a:spLocks noGrp="1"/>
+          </p:cNvSpPr>
+          <p:nvPr>
+            <p:ph type="title"/>
+          </p:nvPr>
+        </p:nvSpPr>
+        <p:spPr/>
+        <p:txBody>
+          <a:bodyPr/>
+          <a:lstStyle/>
+          <a:p>
+            <a:r>
+              <a:rPr lang="de-DE" dirty="0"/>
+              <a:t>Daten auslesen und auswerten</a:t>
+            </a:r>
+          </a:p>
+        </p:txBody>
+      </p:sp>
+      <p:sp>
+        <p:nvSpPr>
+          <p:cNvPr id="3" name="Inhaltsplatzhalter 2"/>
+          <p:cNvSpPr>
+            <a:spLocks noGrp="1"/>
+          </p:cNvSpPr>
+          <p:nvPr>
+            <p:ph idx="1"/>
+          </p:nvPr>
+        </p:nvSpPr>
+        <p:spPr/>
+        <p:txBody>
+          <a:bodyPr/>
+          <a:lstStyle/>
+          <a:p>
+            <a:r>
+              <a:rPr lang="de-DE" dirty="0" err="1"/>
+              <a:t>bwCloud</a:t>
+            </a:r>
+            <a:r>
+              <a:rPr lang="de-DE" dirty="0"/>
+              <a:t> Ubuntu VM</a:t>
+            </a:r>
+          </a:p>
+          <a:p>
+            <a:r>
+              <a:rPr lang="de-DE" dirty="0" err="1"/>
+              <a:t>Node-Red</a:t>
+            </a:r>
+            <a:endParaRPr lang="de-DE" dirty="0"/>
+          </a:p>
+          <a:p>
+            <a:r>
+              <a:rPr lang="de-DE" dirty="0" err="1"/>
+              <a:t>InfluxDB</a:t>
+            </a:r>
+            <a:endParaRPr lang="de-DE" dirty="0"/>
+          </a:p>
+          <a:p>
+            <a:r>
+              <a:rPr lang="de-DE" dirty="0" err="1"/>
+              <a:t>Grafana</a:t>
+            </a:r>
+            <a:endParaRPr lang="de-DE" dirty="0"/>
+          </a:p>
+          <a:p>
+            <a:endParaRPr lang="de-DE" dirty="0"/>
+          </a:p>
+        </p:txBody>
+      </p:sp>
+      <p:pic>
+        <p:nvPicPr>
+          <p:cNvPr id="4" name="Grafik 3"/>
+          <p:cNvPicPr>
+            <a:picLocks noChangeAspect="1"/>
+          </p:cNvPicPr>
+          <p:nvPr/>
+        </p:nvPicPr>
+        <p:blipFill>
+          <a:blip r:embed="rId3">
+            <a:extLst>
+              <a:ext uri="{28A0092B-C50C-407E-A947-70E740481C1C}">
+                <a14:useLocalDpi xmlns:a14="http://schemas.microsoft.com/office/drawing/2010/main" val="0"/>
+              </a:ext>
+            </a:extLst>
+          </a:blip>
+          <a:stretch>
+            <a:fillRect/>
+          </a:stretch>
+        </p:blipFill>
+        <p:spPr>
+          <a:xfrm>
+            <a:off x="8376987" y="1177355"/>
+            <a:ext cx="3552885" cy="2535872"/>
+          </a:xfrm>
+          <a:prstGeom prst="rect">
+            <a:avLst/>
+          </a:prstGeom>
+        </p:spPr>
+      </p:pic>
+      <p:pic>
+        <p:nvPicPr>
+          <p:cNvPr id="7" name="Grafik 6"/>
+          <p:cNvPicPr>
+            <a:picLocks noChangeAspect="1"/>
+          </p:cNvPicPr>
+          <p:nvPr/>
+        </p:nvPicPr>
+        <p:blipFill>
+          <a:blip r:embed="rId4" cstate="print">
+            <a:extLst>
+              <a:ext uri="{28A0092B-C50C-407E-A947-70E740481C1C}">
+                <a14:useLocalDpi xmlns:a14="http://schemas.microsoft.com/office/drawing/2010/main" val="0"/>
+              </a:ext>
+            </a:extLst>
+          </a:blip>
+          <a:stretch>
+            <a:fillRect/>
+          </a:stretch>
+        </p:blipFill>
+        <p:spPr>
+          <a:xfrm>
+            <a:off x="6300216" y="3848164"/>
+            <a:ext cx="5053584" cy="2526792"/>
+          </a:xfrm>
+          <a:prstGeom prst="rect">
+            <a:avLst/>
+          </a:prstGeom>
+        </p:spPr>
+      </p:pic>
+    </p:spTree>
+    <p:extLst>
+      <p:ext uri="{BB962C8B-B14F-4D97-AF65-F5344CB8AC3E}">
+        <p14:creationId xmlns:p14="http://schemas.microsoft.com/office/powerpoint/2010/main" val="2974524399"/>
+      </p:ext>
+    </p:extLst>
+  </p:cSld>
+  <p:clrMapOvr>
+    <a:masterClrMapping/>
+  </p:clrMapOvr>
+</p:sld>
+</file>
+
+<file path=ppt/slides/slide12.xml><?xml version="1.0" encoding="utf-8"?>
+<p:sld xmlns:a="http://schemas.openxmlformats.org/drawingml/2006/main" xmlns:r="http://schemas.openxmlformats.org/officeDocument/2006/relationships" xmlns:p="http://schemas.openxmlformats.org/presentationml/2006/main">
+  <p:cSld>
+    <p:spTree>
+      <p:nvGrpSpPr>
+        <p:cNvPr id="1" name=""/>
+        <p:cNvGrpSpPr/>
+        <p:nvPr/>
+      </p:nvGrpSpPr>
+      <p:grpSpPr>
+        <a:xfrm>
+          <a:off x="0" y="0"/>
+          <a:ext cx="0" cy="0"/>
+          <a:chOff x="0" y="0"/>
+          <a:chExt cx="0" cy="0"/>
+        </a:xfrm>
+      </p:grpSpPr>
+      <p:sp>
+        <p:nvSpPr>
           <p:cNvPr id="2" name="Titel 1"/>
           <p:cNvSpPr>
             <a:spLocks noGrp="1"/>
@@ -4884,159 +5840,6 @@
 </p:sld>
 </file>
 
-<file path=ppt/slides/slide11.xml><?xml version="1.0" encoding="utf-8"?>
-<p:sld xmlns:a="http://schemas.openxmlformats.org/drawingml/2006/main" xmlns:r="http://schemas.openxmlformats.org/officeDocument/2006/relationships" xmlns:p="http://schemas.openxmlformats.org/presentationml/2006/main">
-  <p:cSld>
-    <p:spTree>
-      <p:nvGrpSpPr>
-        <p:cNvPr id="1" name=""/>
-        <p:cNvGrpSpPr/>
-        <p:nvPr/>
-      </p:nvGrpSpPr>
-      <p:grpSpPr>
-        <a:xfrm>
-          <a:off x="0" y="0"/>
-          <a:ext cx="0" cy="0"/>
-          <a:chOff x="0" y="0"/>
-          <a:chExt cx="0" cy="0"/>
-        </a:xfrm>
-      </p:grpSpPr>
-      <p:sp>
-        <p:nvSpPr>
-          <p:cNvPr id="2" name="Titel 1"/>
-          <p:cNvSpPr>
-            <a:spLocks noGrp="1"/>
-          </p:cNvSpPr>
-          <p:nvPr>
-            <p:ph type="title"/>
-          </p:nvPr>
-        </p:nvSpPr>
-        <p:spPr/>
-        <p:txBody>
-          <a:bodyPr/>
-          <a:lstStyle/>
-          <a:p>
-            <a:r>
-              <a:rPr lang="de-DE" dirty="0" err="1"/>
-              <a:t>InfluxDB</a:t>
-            </a:r>
-            <a:endParaRPr lang="de-DE" dirty="0"/>
-          </a:p>
-        </p:txBody>
-      </p:sp>
-      <p:pic>
-        <p:nvPicPr>
-          <p:cNvPr id="4" name="Inhaltsplatzhalter 3"/>
-          <p:cNvPicPr>
-            <a:picLocks noGrp="1" noChangeAspect="1"/>
-          </p:cNvPicPr>
-          <p:nvPr>
-            <p:ph idx="1"/>
-          </p:nvPr>
-        </p:nvPicPr>
-        <p:blipFill rotWithShape="1">
-          <a:blip r:embed="rId3" cstate="print">
-            <a:extLst>
-              <a:ext uri="{28A0092B-C50C-407E-A947-70E740481C1C}">
-                <a14:useLocalDpi xmlns:a14="http://schemas.microsoft.com/office/drawing/2010/main" val="0"/>
-              </a:ext>
-            </a:extLst>
-          </a:blip>
-          <a:srcRect b="30782"/>
-          <a:stretch/>
-        </p:blipFill>
-        <p:spPr>
-          <a:xfrm>
-            <a:off x="1637492" y="2048256"/>
-            <a:ext cx="8917015" cy="1481328"/>
-          </a:xfrm>
-        </p:spPr>
-      </p:pic>
-    </p:spTree>
-    <p:extLst>
-      <p:ext uri="{BB962C8B-B14F-4D97-AF65-F5344CB8AC3E}">
-        <p14:creationId xmlns:p14="http://schemas.microsoft.com/office/powerpoint/2010/main" val="2377906214"/>
-      </p:ext>
-    </p:extLst>
-  </p:cSld>
-  <p:clrMapOvr>
-    <a:masterClrMapping/>
-  </p:clrMapOvr>
-</p:sld>
-</file>
-
-<file path=ppt/slides/slide12.xml><?xml version="1.0" encoding="utf-8"?>
-<p:sld xmlns:a="http://schemas.openxmlformats.org/drawingml/2006/main" xmlns:r="http://schemas.openxmlformats.org/officeDocument/2006/relationships" xmlns:p="http://schemas.openxmlformats.org/presentationml/2006/main">
-  <p:cSld>
-    <p:spTree>
-      <p:nvGrpSpPr>
-        <p:cNvPr id="1" name=""/>
-        <p:cNvGrpSpPr/>
-        <p:nvPr/>
-      </p:nvGrpSpPr>
-      <p:grpSpPr>
-        <a:xfrm>
-          <a:off x="0" y="0"/>
-          <a:ext cx="0" cy="0"/>
-          <a:chOff x="0" y="0"/>
-          <a:chExt cx="0" cy="0"/>
-        </a:xfrm>
-      </p:grpSpPr>
-      <p:sp>
-        <p:nvSpPr>
-          <p:cNvPr id="2" name="Titel 1"/>
-          <p:cNvSpPr>
-            <a:spLocks noGrp="1"/>
-          </p:cNvSpPr>
-          <p:nvPr>
-            <p:ph type="title"/>
-          </p:nvPr>
-        </p:nvSpPr>
-        <p:spPr/>
-        <p:txBody>
-          <a:bodyPr/>
-          <a:lstStyle/>
-          <a:p>
-            <a:r>
-              <a:rPr lang="de-DE" dirty="0" err="1"/>
-              <a:t>Grafana</a:t>
-            </a:r>
-            <a:endParaRPr lang="de-DE" dirty="0"/>
-          </a:p>
-        </p:txBody>
-      </p:sp>
-      <p:sp>
-        <p:nvSpPr>
-          <p:cNvPr id="5" name="Inhaltsplatzhalter 4"/>
-          <p:cNvSpPr>
-            <a:spLocks noGrp="1"/>
-          </p:cNvSpPr>
-          <p:nvPr>
-            <p:ph idx="1"/>
-          </p:nvPr>
-        </p:nvSpPr>
-        <p:spPr/>
-        <p:txBody>
-          <a:bodyPr/>
-          <a:lstStyle/>
-          <a:p>
-            <a:endParaRPr lang="de-DE"/>
-          </a:p>
-        </p:txBody>
-      </p:sp>
-    </p:spTree>
-    <p:extLst>
-      <p:ext uri="{BB962C8B-B14F-4D97-AF65-F5344CB8AC3E}">
-        <p14:creationId xmlns:p14="http://schemas.microsoft.com/office/powerpoint/2010/main" val="2925270544"/>
-      </p:ext>
-    </p:extLst>
-  </p:cSld>
-  <p:clrMapOvr>
-    <a:masterClrMapping/>
-  </p:clrMapOvr>
-</p:sld>
-</file>
-
 <file path=ppt/slides/slide13.xml><?xml version="1.0" encoding="utf-8"?>
 <p:sld xmlns:a="http://schemas.openxmlformats.org/drawingml/2006/main" xmlns:r="http://schemas.openxmlformats.org/officeDocument/2006/relationships" xmlns:p="http://schemas.openxmlformats.org/presentationml/2006/main">
   <p:cSld>
@@ -5056,7 +5859,13 @@
       </p:grpSpPr>
       <p:sp>
         <p:nvSpPr>
-          <p:cNvPr id="2" name="Titel 1"/>
+          <p:cNvPr id="2" name="Titel 1">
+            <a:extLst>
+              <a:ext uri="{FF2B5EF4-FFF2-40B4-BE49-F238E27FC236}">
+                <a16:creationId xmlns:a16="http://schemas.microsoft.com/office/drawing/2014/main" id="{BB8B0256-EE72-4F98-B865-EF4D373F4D88}"/>
+              </a:ext>
+            </a:extLst>
+          </p:cNvPr>
           <p:cNvSpPr>
             <a:spLocks noGrp="1"/>
           </p:cNvSpPr>
@@ -5071,34 +5880,55 @@
           <a:p>
             <a:r>
               <a:rPr lang="de-DE" dirty="0"/>
-              <a:t>Ausblick</a:t>
-            </a:r>
-          </a:p>
-        </p:txBody>
-      </p:sp>
-      <p:sp>
-        <p:nvSpPr>
-          <p:cNvPr id="4" name="Inhaltsplatzhalter 3"/>
-          <p:cNvSpPr>
-            <a:spLocks noGrp="1"/>
-          </p:cNvSpPr>
+              <a:t>Beispiel: JavaScript </a:t>
+            </a:r>
+            <a:r>
+              <a:rPr lang="de-DE" dirty="0" err="1"/>
+              <a:t>Function</a:t>
+            </a:r>
+            <a:endParaRPr lang="de-DE" dirty="0"/>
+          </a:p>
+        </p:txBody>
+      </p:sp>
+      <p:pic>
+        <p:nvPicPr>
+          <p:cNvPr id="5" name="Inhaltsplatzhalter 4">
+            <a:extLst>
+              <a:ext uri="{FF2B5EF4-FFF2-40B4-BE49-F238E27FC236}">
+                <a16:creationId xmlns:a16="http://schemas.microsoft.com/office/drawing/2014/main" id="{C004EF40-FA11-4DB0-8157-DD25AA9FB1AF}"/>
+              </a:ext>
+            </a:extLst>
+          </p:cNvPr>
+          <p:cNvPicPr>
+            <a:picLocks noGrp="1" noChangeAspect="1"/>
+          </p:cNvPicPr>
           <p:nvPr>
             <p:ph idx="1"/>
           </p:nvPr>
-        </p:nvSpPr>
-        <p:spPr/>
-        <p:txBody>
-          <a:bodyPr/>
-          <a:lstStyle/>
-          <a:p>
-            <a:endParaRPr lang="de-DE"/>
-          </a:p>
-        </p:txBody>
-      </p:sp>
+        </p:nvPicPr>
+        <p:blipFill>
+          <a:blip r:embed="rId3">
+            <a:extLst>
+              <a:ext uri="{28A0092B-C50C-407E-A947-70E740481C1C}">
+                <a14:useLocalDpi xmlns:a14="http://schemas.microsoft.com/office/drawing/2010/main" val="0"/>
+              </a:ext>
+            </a:extLst>
+          </a:blip>
+          <a:stretch>
+            <a:fillRect/>
+          </a:stretch>
+        </p:blipFill>
+        <p:spPr>
+          <a:xfrm>
+            <a:off x="1770716" y="1898889"/>
+            <a:ext cx="8650567" cy="3600668"/>
+          </a:xfrm>
+        </p:spPr>
+      </p:pic>
     </p:spTree>
     <p:extLst>
       <p:ext uri="{BB962C8B-B14F-4D97-AF65-F5344CB8AC3E}">
-        <p14:creationId xmlns:p14="http://schemas.microsoft.com/office/powerpoint/2010/main" val="3640803150"/>
+        <p14:creationId xmlns:p14="http://schemas.microsoft.com/office/powerpoint/2010/main" val="1163226271"/>
       </p:ext>
     </p:extLst>
   </p:cSld>
@@ -5141,6 +5971,262 @@
           <a:lstStyle/>
           <a:p>
             <a:r>
+              <a:rPr lang="de-DE" dirty="0" err="1"/>
+              <a:t>InfluxDB</a:t>
+            </a:r>
+            <a:endParaRPr lang="de-DE" dirty="0"/>
+          </a:p>
+        </p:txBody>
+      </p:sp>
+      <p:pic>
+        <p:nvPicPr>
+          <p:cNvPr id="7" name="Inhaltsplatzhalter 6">
+            <a:extLst>
+              <a:ext uri="{FF2B5EF4-FFF2-40B4-BE49-F238E27FC236}">
+                <a16:creationId xmlns:a16="http://schemas.microsoft.com/office/drawing/2014/main" id="{4FC4CEBA-C034-4AE4-A6FD-2474838B8E6F}"/>
+              </a:ext>
+            </a:extLst>
+          </p:cNvPr>
+          <p:cNvPicPr>
+            <a:picLocks noGrp="1" noChangeAspect="1"/>
+          </p:cNvPicPr>
+          <p:nvPr>
+            <p:ph idx="1"/>
+          </p:nvPr>
+        </p:nvPicPr>
+        <p:blipFill>
+          <a:blip r:embed="rId3">
+            <a:extLst>
+              <a:ext uri="{28A0092B-C50C-407E-A947-70E740481C1C}">
+                <a14:useLocalDpi xmlns:a14="http://schemas.microsoft.com/office/drawing/2010/main" val="0"/>
+              </a:ext>
+            </a:extLst>
+          </a:blip>
+          <a:stretch>
+            <a:fillRect/>
+          </a:stretch>
+        </p:blipFill>
+        <p:spPr>
+          <a:xfrm>
+            <a:off x="1307842" y="1970489"/>
+            <a:ext cx="9576316" cy="3101470"/>
+          </a:xfrm>
+        </p:spPr>
+      </p:pic>
+    </p:spTree>
+    <p:extLst>
+      <p:ext uri="{BB962C8B-B14F-4D97-AF65-F5344CB8AC3E}">
+        <p14:creationId xmlns:p14="http://schemas.microsoft.com/office/powerpoint/2010/main" val="2377906214"/>
+      </p:ext>
+    </p:extLst>
+  </p:cSld>
+  <p:clrMapOvr>
+    <a:masterClrMapping/>
+  </p:clrMapOvr>
+</p:sld>
+</file>
+
+<file path=ppt/slides/slide15.xml><?xml version="1.0" encoding="utf-8"?>
+<p:sld xmlns:a="http://schemas.openxmlformats.org/drawingml/2006/main" xmlns:r="http://schemas.openxmlformats.org/officeDocument/2006/relationships" xmlns:p="http://schemas.openxmlformats.org/presentationml/2006/main">
+  <p:cSld>
+    <p:spTree>
+      <p:nvGrpSpPr>
+        <p:cNvPr id="1" name=""/>
+        <p:cNvGrpSpPr/>
+        <p:nvPr/>
+      </p:nvGrpSpPr>
+      <p:grpSpPr>
+        <a:xfrm>
+          <a:off x="0" y="0"/>
+          <a:ext cx="0" cy="0"/>
+          <a:chOff x="0" y="0"/>
+          <a:chExt cx="0" cy="0"/>
+        </a:xfrm>
+      </p:grpSpPr>
+      <p:sp>
+        <p:nvSpPr>
+          <p:cNvPr id="2" name="Titel 1"/>
+          <p:cNvSpPr>
+            <a:spLocks noGrp="1"/>
+          </p:cNvSpPr>
+          <p:nvPr>
+            <p:ph type="title"/>
+          </p:nvPr>
+        </p:nvSpPr>
+        <p:spPr>
+          <a:xfrm>
+            <a:off x="3211277" y="2739693"/>
+            <a:ext cx="5621804" cy="1693920"/>
+          </a:xfrm>
+        </p:spPr>
+        <p:txBody>
+          <a:bodyPr>
+            <a:normAutofit/>
+          </a:bodyPr>
+          <a:lstStyle/>
+          <a:p>
+            <a:pPr algn="ctr"/>
+            <a:r>
+              <a:rPr lang="de-DE" sz="5400" dirty="0" err="1"/>
+              <a:t>Grafana</a:t>
+            </a:r>
+            <a:r>
+              <a:rPr lang="de-DE" sz="5400" dirty="0"/>
+              <a:t> Live Demo</a:t>
+            </a:r>
+          </a:p>
+        </p:txBody>
+      </p:sp>
+    </p:spTree>
+    <p:extLst>
+      <p:ext uri="{BB962C8B-B14F-4D97-AF65-F5344CB8AC3E}">
+        <p14:creationId xmlns:p14="http://schemas.microsoft.com/office/powerpoint/2010/main" val="2925270544"/>
+      </p:ext>
+    </p:extLst>
+  </p:cSld>
+  <p:clrMapOvr>
+    <a:masterClrMapping/>
+  </p:clrMapOvr>
+</p:sld>
+</file>
+
+<file path=ppt/slides/slide16.xml><?xml version="1.0" encoding="utf-8"?>
+<p:sld xmlns:a="http://schemas.openxmlformats.org/drawingml/2006/main" xmlns:r="http://schemas.openxmlformats.org/officeDocument/2006/relationships" xmlns:p="http://schemas.openxmlformats.org/presentationml/2006/main">
+  <p:cSld>
+    <p:spTree>
+      <p:nvGrpSpPr>
+        <p:cNvPr id="1" name=""/>
+        <p:cNvGrpSpPr/>
+        <p:nvPr/>
+      </p:nvGrpSpPr>
+      <p:grpSpPr>
+        <a:xfrm>
+          <a:off x="0" y="0"/>
+          <a:ext cx="0" cy="0"/>
+          <a:chOff x="0" y="0"/>
+          <a:chExt cx="0" cy="0"/>
+        </a:xfrm>
+      </p:grpSpPr>
+      <p:sp>
+        <p:nvSpPr>
+          <p:cNvPr id="2" name="Titel 1"/>
+          <p:cNvSpPr>
+            <a:spLocks noGrp="1"/>
+          </p:cNvSpPr>
+          <p:nvPr>
+            <p:ph type="title"/>
+          </p:nvPr>
+        </p:nvSpPr>
+        <p:spPr/>
+        <p:txBody>
+          <a:bodyPr/>
+          <a:lstStyle/>
+          <a:p>
+            <a:r>
+              <a:rPr lang="de-DE" dirty="0"/>
+              <a:t>Ausblick</a:t>
+            </a:r>
+          </a:p>
+        </p:txBody>
+      </p:sp>
+      <p:sp>
+        <p:nvSpPr>
+          <p:cNvPr id="4" name="Inhaltsplatzhalter 3"/>
+          <p:cNvSpPr>
+            <a:spLocks noGrp="1"/>
+          </p:cNvSpPr>
+          <p:nvPr>
+            <p:ph idx="1"/>
+          </p:nvPr>
+        </p:nvSpPr>
+        <p:spPr/>
+        <p:txBody>
+          <a:bodyPr/>
+          <a:lstStyle/>
+          <a:p>
+            <a:r>
+              <a:rPr lang="de-DE" dirty="0"/>
+              <a:t>Jeder von uns kann es anhand der Doku nachbauen </a:t>
+            </a:r>
+          </a:p>
+          <a:p>
+            <a:r>
+              <a:rPr lang="de-DE" dirty="0"/>
+              <a:t>Display</a:t>
+            </a:r>
+          </a:p>
+          <a:p>
+            <a:r>
+              <a:rPr lang="de-DE" dirty="0"/>
+              <a:t>Gehäuse</a:t>
+            </a:r>
+          </a:p>
+          <a:p>
+            <a:r>
+              <a:rPr lang="de-DE" dirty="0"/>
+              <a:t>Benutzung in der Bibliothek</a:t>
+            </a:r>
+          </a:p>
+          <a:p>
+            <a:r>
+              <a:rPr lang="de-DE" dirty="0"/>
+              <a:t>Massenproduktion möglich</a:t>
+            </a:r>
+          </a:p>
+          <a:p>
+            <a:r>
+              <a:rPr lang="de-DE" dirty="0"/>
+              <a:t>Solarzelle für Energieeffizienz</a:t>
+            </a:r>
+          </a:p>
+        </p:txBody>
+      </p:sp>
+    </p:spTree>
+    <p:extLst>
+      <p:ext uri="{BB962C8B-B14F-4D97-AF65-F5344CB8AC3E}">
+        <p14:creationId xmlns:p14="http://schemas.microsoft.com/office/powerpoint/2010/main" val="3640803150"/>
+      </p:ext>
+    </p:extLst>
+  </p:cSld>
+  <p:clrMapOvr>
+    <a:masterClrMapping/>
+  </p:clrMapOvr>
+</p:sld>
+</file>
+
+<file path=ppt/slides/slide17.xml><?xml version="1.0" encoding="utf-8"?>
+<p:sld xmlns:a="http://schemas.openxmlformats.org/drawingml/2006/main" xmlns:r="http://schemas.openxmlformats.org/officeDocument/2006/relationships" xmlns:p="http://schemas.openxmlformats.org/presentationml/2006/main">
+  <p:cSld>
+    <p:spTree>
+      <p:nvGrpSpPr>
+        <p:cNvPr id="1" name=""/>
+        <p:cNvGrpSpPr/>
+        <p:nvPr/>
+      </p:nvGrpSpPr>
+      <p:grpSpPr>
+        <a:xfrm>
+          <a:off x="0" y="0"/>
+          <a:ext cx="0" cy="0"/>
+          <a:chOff x="0" y="0"/>
+          <a:chExt cx="0" cy="0"/>
+        </a:xfrm>
+      </p:grpSpPr>
+      <p:sp>
+        <p:nvSpPr>
+          <p:cNvPr id="2" name="Titel 1"/>
+          <p:cNvSpPr>
+            <a:spLocks noGrp="1"/>
+          </p:cNvSpPr>
+          <p:nvPr>
+            <p:ph type="title"/>
+          </p:nvPr>
+        </p:nvSpPr>
+        <p:spPr/>
+        <p:txBody>
+          <a:bodyPr/>
+          <a:lstStyle/>
+          <a:p>
+            <a:r>
               <a:rPr lang="de-DE" dirty="0"/>
               <a:t>Fazit</a:t>
             </a:r>
@@ -5162,7 +6248,44 @@
           <a:bodyPr/>
           <a:lstStyle/>
           <a:p>
-            <a:endParaRPr lang="de-DE"/>
+            <a:r>
+              <a:rPr lang="de-DE" dirty="0"/>
+              <a:t>Sensor läuft seit Donnerstag und schickt Daten </a:t>
+            </a:r>
+          </a:p>
+          <a:p>
+            <a:r>
+              <a:rPr lang="de-DE" dirty="0"/>
+              <a:t>Doku zum nachlesen auf </a:t>
+            </a:r>
+            <a:r>
+              <a:rPr lang="de-DE" dirty="0" err="1"/>
+              <a:t>Github</a:t>
+            </a:r>
+            <a:r>
+              <a:rPr lang="de-DE" dirty="0"/>
+              <a:t>, kann nachgebaut werden</a:t>
+            </a:r>
+          </a:p>
+          <a:p>
+            <a:r>
+              <a:rPr lang="de-DE" dirty="0"/>
+              <a:t>Kosten belaufen sich auf </a:t>
+            </a:r>
+            <a:r>
+              <a:rPr lang="de-DE" dirty="0" err="1"/>
+              <a:t>ca</a:t>
+            </a:r>
+            <a:r>
+              <a:rPr lang="de-DE" dirty="0"/>
+              <a:t> 40€ (Kosten sind nicht optimiert)</a:t>
+            </a:r>
+          </a:p>
+          <a:p>
+            <a:pPr marL="0" indent="0">
+              <a:buNone/>
+            </a:pPr>
+            <a:endParaRPr lang="de-DE" dirty="0"/>
           </a:p>
         </p:txBody>
       </p:sp>
@@ -5179,7 +6302,7 @@
 </p:sld>
 </file>
 
-<file path=ppt/slides/slide15.xml><?xml version="1.0" encoding="utf-8"?>
+<file path=ppt/slides/slide18.xml><?xml version="1.0" encoding="utf-8"?>
 <p:sld xmlns:a="http://schemas.openxmlformats.org/drawingml/2006/main" xmlns:r="http://schemas.openxmlformats.org/officeDocument/2006/relationships" xmlns:p="http://schemas.openxmlformats.org/presentationml/2006/main">
   <p:cSld>
     <p:spTree>
@@ -5461,7 +6584,13 @@
       </p:grpSpPr>
       <p:sp>
         <p:nvSpPr>
-          <p:cNvPr id="2" name="Titel 1"/>
+          <p:cNvPr id="2" name="Titel 1">
+            <a:extLst>
+              <a:ext uri="{FF2B5EF4-FFF2-40B4-BE49-F238E27FC236}">
+                <a16:creationId xmlns:a16="http://schemas.microsoft.com/office/drawing/2014/main" id="{1798AC5C-5308-4C7D-A292-7CE1E40BF6A3}"/>
+              </a:ext>
+            </a:extLst>
+          </p:cNvPr>
           <p:cNvSpPr>
             <a:spLocks noGrp="1"/>
           </p:cNvSpPr>
@@ -5475,17 +6604,58 @@
           <a:lstStyle/>
           <a:p>
             <a:r>
-              <a:rPr lang="de-DE" dirty="0">
-                <a:latin typeface="Chela One" panose="02000000000000000000" pitchFamily="2" charset="0"/>
-              </a:rPr>
-              <a:t>Projektmotivation</a:t>
-            </a:r>
-          </a:p>
-        </p:txBody>
-      </p:sp>
-      <p:sp>
-        <p:nvSpPr>
-          <p:cNvPr id="3" name="Inhaltsplatzhalter 2"/>
+              <a:rPr lang="en-US" dirty="0"/>
+              <a:t>Internet of Things</a:t>
+            </a:r>
+            <a:endParaRPr lang="de-DE" dirty="0"/>
+          </a:p>
+        </p:txBody>
+      </p:sp>
+      <p:pic>
+        <p:nvPicPr>
+          <p:cNvPr id="5" name="Grafik 4">
+            <a:extLst>
+              <a:ext uri="{FF2B5EF4-FFF2-40B4-BE49-F238E27FC236}">
+                <a16:creationId xmlns:a16="http://schemas.microsoft.com/office/drawing/2014/main" id="{725087DD-B2F4-4681-9576-8AF353BAC574}"/>
+              </a:ext>
+            </a:extLst>
+          </p:cNvPr>
+          <p:cNvPicPr>
+            <a:picLocks noChangeAspect="1"/>
+          </p:cNvPicPr>
+          <p:nvPr/>
+        </p:nvPicPr>
+        <p:blipFill>
+          <a:blip r:embed="rId2" cstate="print">
+            <a:extLst>
+              <a:ext uri="{28A0092B-C50C-407E-A947-70E740481C1C}">
+                <a14:useLocalDpi xmlns:a14="http://schemas.microsoft.com/office/drawing/2010/main" val="0"/>
+              </a:ext>
+            </a:extLst>
+          </a:blip>
+          <a:stretch>
+            <a:fillRect/>
+          </a:stretch>
+        </p:blipFill>
+        <p:spPr>
+          <a:xfrm>
+            <a:off x="7092043" y="1618291"/>
+            <a:ext cx="5021018" cy="3263662"/>
+          </a:xfrm>
+          <a:prstGeom prst="rect">
+            <a:avLst/>
+          </a:prstGeom>
+        </p:spPr>
+      </p:pic>
+      <p:sp>
+        <p:nvSpPr>
+          <p:cNvPr id="3" name="Inhaltsplatzhalter 2">
+            <a:extLst>
+              <a:ext uri="{FF2B5EF4-FFF2-40B4-BE49-F238E27FC236}">
+                <a16:creationId xmlns:a16="http://schemas.microsoft.com/office/drawing/2014/main" id="{D200BAF6-5C2E-43D6-8C13-9733D4CE7AAB}"/>
+              </a:ext>
+            </a:extLst>
+          </p:cNvPr>
           <p:cNvSpPr>
             <a:spLocks noGrp="1"/>
           </p:cNvSpPr>
@@ -5495,38 +6665,128 @@
         </p:nvSpPr>
         <p:spPr/>
         <p:txBody>
-          <a:bodyPr/>
-          <a:lstStyle/>
-          <a:p>
-            <a:r>
-              <a:rPr lang="de-DE" dirty="0"/>
-              <a:t>Interessante Kombination zwischen Hard- und Software</a:t>
-            </a:r>
-          </a:p>
-          <a:p>
-            <a:r>
-              <a:rPr lang="de-DE" dirty="0"/>
-              <a:t>Abweichend zu normalen Arbeit</a:t>
-            </a:r>
-          </a:p>
-          <a:p>
-            <a:r>
-              <a:rPr lang="de-DE" dirty="0"/>
-              <a:t>Einblick in neue Technologien </a:t>
-            </a:r>
-          </a:p>
-          <a:p>
-            <a:r>
-              <a:rPr lang="de-DE" dirty="0"/>
-              <a:t>Praktischer Nutzen</a:t>
-            </a:r>
+          <a:bodyPr>
+            <a:normAutofit fontScale="25000" lnSpcReduction="20000"/>
+          </a:bodyPr>
+          <a:lstStyle/>
+          <a:p>
+            <a:pPr marL="0" indent="0">
+              <a:buNone/>
+            </a:pPr>
+            <a:endParaRPr lang="en-US" i="1" dirty="0"/>
+          </a:p>
+          <a:p>
+            <a:pPr marL="0" indent="0">
+              <a:buNone/>
+            </a:pPr>
+            <a:r>
+              <a:rPr lang="de-DE" sz="9600" dirty="0"/>
+              <a:t>„...bezeichnet die Infrastruktur die es ermöglicht, </a:t>
+            </a:r>
+          </a:p>
+          <a:p>
+            <a:pPr marL="0" indent="0">
+              <a:buNone/>
+            </a:pPr>
+            <a:r>
+              <a:rPr lang="de-DE" sz="9600" dirty="0"/>
+              <a:t>physische und virtuelle Gegenstände miteinander </a:t>
+            </a:r>
+          </a:p>
+          <a:p>
+            <a:pPr marL="0" indent="0">
+              <a:buNone/>
+            </a:pPr>
+            <a:r>
+              <a:rPr lang="de-DE" sz="9600" dirty="0"/>
+              <a:t>zu vernetzen und sie durch Informations- und </a:t>
+            </a:r>
+          </a:p>
+          <a:p>
+            <a:pPr marL="0" indent="0">
+              <a:buNone/>
+            </a:pPr>
+            <a:r>
+              <a:rPr lang="de-DE" sz="9600" dirty="0"/>
+              <a:t>Kommunikationstechniken zusammen-</a:t>
+            </a:r>
+          </a:p>
+          <a:p>
+            <a:pPr marL="0" indent="0">
+              <a:buNone/>
+            </a:pPr>
+            <a:r>
+              <a:rPr lang="de-DE" sz="9600" dirty="0"/>
+              <a:t>arbeiten zu lassen.“</a:t>
+            </a:r>
+            <a:endParaRPr lang="en-US" sz="9600" dirty="0"/>
+          </a:p>
+          <a:p>
+            <a:pPr marL="0" indent="0">
+              <a:buNone/>
+            </a:pPr>
+            <a:endParaRPr lang="en-US" i="1" dirty="0"/>
+          </a:p>
+          <a:p>
+            <a:pPr marL="0" indent="0">
+              <a:buNone/>
+            </a:pPr>
+            <a:endParaRPr lang="en-US" i="1" dirty="0"/>
+          </a:p>
+          <a:p>
+            <a:pPr marL="0" indent="0">
+              <a:buNone/>
+            </a:pPr>
+            <a:endParaRPr lang="en-US" i="1" dirty="0"/>
+          </a:p>
+          <a:p>
+            <a:pPr marL="0" indent="0">
+              <a:buNone/>
+            </a:pPr>
+            <a:endParaRPr lang="en-US" sz="9600" i="1" dirty="0"/>
+          </a:p>
+          <a:p>
+            <a:pPr marL="0" indent="0">
+              <a:buNone/>
+            </a:pPr>
+            <a:endParaRPr lang="en-US" sz="9600" i="1" dirty="0"/>
+          </a:p>
+          <a:p>
+            <a:pPr marL="0" indent="0">
+              <a:buNone/>
+            </a:pPr>
+            <a:r>
+              <a:rPr lang="en-US" sz="8000" b="1" i="1" dirty="0"/>
+              <a:t>The Internet of Things is not a concept</a:t>
+            </a:r>
+            <a:r>
+              <a:rPr lang="de-DE" sz="8000" b="1" i="1" dirty="0"/>
+              <a:t>;</a:t>
+            </a:r>
+            <a:r>
+              <a:rPr lang="en-US" sz="8000" b="1" i="1" dirty="0"/>
+              <a:t> it is a network, the true technology-enabled Network of all networks. – </a:t>
+            </a:r>
+            <a:r>
+              <a:rPr lang="en-US" sz="8000" b="1" i="1" dirty="0" err="1"/>
+              <a:t>Edewede</a:t>
+            </a:r>
+            <a:r>
+              <a:rPr lang="en-US" sz="8000" b="1" i="1" dirty="0"/>
+              <a:t> </a:t>
+            </a:r>
+            <a:r>
+              <a:rPr lang="en-US" sz="8000" b="1" i="1" dirty="0" err="1"/>
+              <a:t>Oriwoh</a:t>
+            </a:r>
+            <a:endParaRPr lang="de-DE" sz="8000" b="1" i="1" dirty="0"/>
           </a:p>
         </p:txBody>
       </p:sp>
     </p:spTree>
     <p:extLst>
       <p:ext uri="{BB962C8B-B14F-4D97-AF65-F5344CB8AC3E}">
-        <p14:creationId xmlns:p14="http://schemas.microsoft.com/office/powerpoint/2010/main" val="670934204"/>
+        <p14:creationId xmlns:p14="http://schemas.microsoft.com/office/powerpoint/2010/main" val="2132674673"/>
       </p:ext>
     </p:extLst>
   </p:cSld>
@@ -5569,118 +6829,79 @@
           <a:lstStyle/>
           <a:p>
             <a:r>
+              <a:rPr lang="de-DE" dirty="0">
+                <a:latin typeface="Chela One" panose="02000000000000000000" pitchFamily="2" charset="0"/>
+              </a:rPr>
+              <a:t>Projektmotivation</a:t>
+            </a:r>
+          </a:p>
+        </p:txBody>
+      </p:sp>
+      <p:sp>
+        <p:nvSpPr>
+          <p:cNvPr id="3" name="Inhaltsplatzhalter 2"/>
+          <p:cNvSpPr>
+            <a:spLocks noGrp="1"/>
+          </p:cNvSpPr>
+          <p:nvPr>
+            <p:ph idx="1"/>
+          </p:nvPr>
+        </p:nvSpPr>
+        <p:spPr/>
+        <p:txBody>
+          <a:bodyPr/>
+          <a:lstStyle/>
+          <a:p>
+            <a:r>
               <a:rPr lang="de-DE" dirty="0"/>
-              <a:t>Projektziel</a:t>
-            </a:r>
-          </a:p>
-        </p:txBody>
-      </p:sp>
-      <p:sp>
-        <p:nvSpPr>
-          <p:cNvPr id="3" name="Inhaltsplatzhalter 2"/>
-          <p:cNvSpPr>
-            <a:spLocks noGrp="1"/>
-          </p:cNvSpPr>
-          <p:nvPr>
-            <p:ph idx="1"/>
-          </p:nvPr>
-        </p:nvSpPr>
-        <p:spPr/>
-        <p:txBody>
-          <a:bodyPr/>
-          <a:lstStyle/>
-          <a:p>
-            <a:pPr marL="0" indent="0">
-              <a:buNone/>
-            </a:pPr>
+              <a:t>Einblick in neue Technologien </a:t>
+            </a:r>
+          </a:p>
+          <a:p>
             <a:r>
               <a:rPr lang="de-DE" dirty="0"/>
-              <a:t>Wetterstation </a:t>
+              <a:t>Praktischer Nutzen</a:t>
             </a:r>
           </a:p>
           <a:p>
             <a:pPr lvl="1"/>
             <a:r>
               <a:rPr lang="de-DE" dirty="0"/>
-              <a:t>Temperatur</a:t>
+              <a:t>Büro, z.B. Bibliothek</a:t>
             </a:r>
           </a:p>
           <a:p>
             <a:pPr lvl="1"/>
             <a:r>
               <a:rPr lang="de-DE" dirty="0"/>
-              <a:t>Luftfeuchtigkeit</a:t>
+              <a:t>Zuhause</a:t>
             </a:r>
           </a:p>
           <a:p>
             <a:pPr lvl="1"/>
             <a:r>
               <a:rPr lang="de-DE" dirty="0"/>
-              <a:t>Luftdruck</a:t>
+              <a:t>Überall in der </a:t>
+            </a:r>
+            <a:r>
+              <a:rPr lang="de-DE" dirty="0" err="1"/>
+              <a:t>LoRa</a:t>
+            </a:r>
+            <a:r>
+              <a:rPr lang="de-DE" dirty="0"/>
+              <a:t> Abdeckung</a:t>
             </a:r>
           </a:p>
           <a:p>
             <a:pPr lvl="1"/>
-            <a:r>
-              <a:rPr lang="de-DE" dirty="0"/>
-              <a:t>Helligkeit</a:t>
-            </a:r>
-          </a:p>
-          <a:p>
-            <a:pPr lvl="1"/>
-            <a:r>
-              <a:rPr lang="de-DE" dirty="0"/>
-              <a:t>Gehäuse</a:t>
-            </a:r>
-          </a:p>
-          <a:p>
-            <a:pPr lvl="1"/>
-            <a:r>
-              <a:rPr lang="de-DE" dirty="0">
-                <a:solidFill>
-                  <a:schemeClr val="accent1">
-                    <a:lumMod val="40000"/>
-                    <a:lumOff val="60000"/>
-                  </a:schemeClr>
-                </a:solidFill>
-              </a:rPr>
-              <a:t>Bodenfeuchtigkeit</a:t>
-            </a:r>
-          </a:p>
-          <a:p>
-            <a:pPr lvl="1"/>
-            <a:r>
-              <a:rPr lang="de-DE" dirty="0">
-                <a:solidFill>
-                  <a:schemeClr val="accent1">
-                    <a:lumMod val="40000"/>
-                    <a:lumOff val="60000"/>
-                  </a:schemeClr>
-                </a:solidFill>
-              </a:rPr>
-              <a:t>Nebel</a:t>
-            </a:r>
-          </a:p>
-          <a:p>
-            <a:pPr lvl="1"/>
-            <a:r>
-              <a:rPr lang="de-DE" dirty="0">
-                <a:solidFill>
-                  <a:schemeClr val="accent1">
-                    <a:lumMod val="40000"/>
-                    <a:lumOff val="60000"/>
-                  </a:schemeClr>
-                </a:solidFill>
-              </a:rPr>
-              <a:t>Display</a:t>
-            </a:r>
+            <a:endParaRPr lang="de-DE" dirty="0"/>
           </a:p>
         </p:txBody>
       </p:sp>
     </p:spTree>
     <p:extLst>
       <p:ext uri="{BB962C8B-B14F-4D97-AF65-F5344CB8AC3E}">
-        <p14:creationId xmlns:p14="http://schemas.microsoft.com/office/powerpoint/2010/main" val="2404222395"/>
+        <p14:creationId xmlns:p14="http://schemas.microsoft.com/office/powerpoint/2010/main" val="670934204"/>
       </p:ext>
     </p:extLst>
   </p:cSld>
@@ -5724,6 +6945,199 @@
           <a:p>
             <a:r>
               <a:rPr lang="de-DE" dirty="0"/>
+              <a:t>Projektziel</a:t>
+            </a:r>
+          </a:p>
+        </p:txBody>
+      </p:sp>
+      <p:sp>
+        <p:nvSpPr>
+          <p:cNvPr id="3" name="Inhaltsplatzhalter 2"/>
+          <p:cNvSpPr>
+            <a:spLocks noGrp="1"/>
+          </p:cNvSpPr>
+          <p:nvPr>
+            <p:ph idx="1"/>
+          </p:nvPr>
+        </p:nvSpPr>
+        <p:spPr/>
+        <p:txBody>
+          <a:bodyPr/>
+          <a:lstStyle/>
+          <a:p>
+            <a:pPr marL="0" indent="0">
+              <a:buNone/>
+            </a:pPr>
+            <a:r>
+              <a:rPr lang="de-DE" dirty="0"/>
+              <a:t>Wetterstation </a:t>
+            </a:r>
+          </a:p>
+          <a:p>
+            <a:pPr lvl="1"/>
+            <a:r>
+              <a:rPr lang="de-DE" dirty="0"/>
+              <a:t>Temperatur</a:t>
+            </a:r>
+          </a:p>
+          <a:p>
+            <a:pPr lvl="1"/>
+            <a:r>
+              <a:rPr lang="de-DE" dirty="0"/>
+              <a:t>Luftfeuchtigkeit</a:t>
+            </a:r>
+          </a:p>
+          <a:p>
+            <a:pPr lvl="1"/>
+            <a:r>
+              <a:rPr lang="de-DE" dirty="0"/>
+              <a:t>Luftdruck</a:t>
+            </a:r>
+          </a:p>
+          <a:p>
+            <a:pPr lvl="1"/>
+            <a:r>
+              <a:rPr lang="de-DE" dirty="0"/>
+              <a:t>Helligkeit</a:t>
+            </a:r>
+          </a:p>
+          <a:p>
+            <a:pPr lvl="1"/>
+            <a:r>
+              <a:rPr lang="de-DE" dirty="0"/>
+              <a:t>Gehäuse</a:t>
+            </a:r>
+          </a:p>
+          <a:p>
+            <a:pPr lvl="1"/>
+            <a:r>
+              <a:rPr lang="de-DE" dirty="0">
+                <a:solidFill>
+                  <a:schemeClr val="accent1">
+                    <a:lumMod val="40000"/>
+                    <a:lumOff val="60000"/>
+                  </a:schemeClr>
+                </a:solidFill>
+              </a:rPr>
+              <a:t>Bodenfeuchtigkeit </a:t>
+            </a:r>
+          </a:p>
+          <a:p>
+            <a:pPr lvl="1"/>
+            <a:r>
+              <a:rPr lang="de-DE" dirty="0">
+                <a:solidFill>
+                  <a:schemeClr val="accent1">
+                    <a:lumMod val="40000"/>
+                    <a:lumOff val="60000"/>
+                  </a:schemeClr>
+                </a:solidFill>
+              </a:rPr>
+              <a:t>Nebel</a:t>
+            </a:r>
+          </a:p>
+          <a:p>
+            <a:pPr lvl="1"/>
+            <a:r>
+              <a:rPr lang="de-DE" dirty="0">
+                <a:solidFill>
+                  <a:schemeClr val="accent1">
+                    <a:lumMod val="40000"/>
+                    <a:lumOff val="60000"/>
+                  </a:schemeClr>
+                </a:solidFill>
+              </a:rPr>
+              <a:t>Display</a:t>
+            </a:r>
+          </a:p>
+        </p:txBody>
+      </p:sp>
+      <p:pic>
+        <p:nvPicPr>
+          <p:cNvPr id="5" name="Grafik 4" descr="Häkchen">
+            <a:extLst>
+              <a:ext uri="{FF2B5EF4-FFF2-40B4-BE49-F238E27FC236}">
+                <a16:creationId xmlns:a16="http://schemas.microsoft.com/office/drawing/2014/main" id="{FEEC0CA4-DF75-4694-85EE-4920091CC6A4}"/>
+              </a:ext>
+            </a:extLst>
+          </p:cNvPr>
+          <p:cNvPicPr>
+            <a:picLocks noChangeAspect="1"/>
+          </p:cNvPicPr>
+          <p:nvPr/>
+        </p:nvPicPr>
+        <p:blipFill>
+          <a:blip r:embed="rId2">
+            <a:extLst>
+              <a:ext uri="{28A0092B-C50C-407E-A947-70E740481C1C}">
+                <a14:useLocalDpi xmlns:a14="http://schemas.microsoft.com/office/drawing/2010/main" val="0"/>
+              </a:ext>
+              <a:ext uri="{96DAC541-7B7A-43D3-8B79-37D633B846F1}">
+                <asvg:svgBlip xmlns:asvg="http://schemas.microsoft.com/office/drawing/2016/SVG/main" r:embed="rId3"/>
+              </a:ext>
+            </a:extLst>
+          </a:blip>
+          <a:stretch>
+            <a:fillRect/>
+          </a:stretch>
+        </p:blipFill>
+        <p:spPr>
+          <a:xfrm>
+            <a:off x="3952406" y="4200993"/>
+            <a:ext cx="400987" cy="400987"/>
+          </a:xfrm>
+          <a:prstGeom prst="rect">
+            <a:avLst/>
+          </a:prstGeom>
+        </p:spPr>
+      </p:pic>
+    </p:spTree>
+    <p:extLst>
+      <p:ext uri="{BB962C8B-B14F-4D97-AF65-F5344CB8AC3E}">
+        <p14:creationId xmlns:p14="http://schemas.microsoft.com/office/powerpoint/2010/main" val="2404222395"/>
+      </p:ext>
+    </p:extLst>
+  </p:cSld>
+  <p:clrMapOvr>
+    <a:masterClrMapping/>
+  </p:clrMapOvr>
+</p:sld>
+</file>
+
+<file path=ppt/slides/slide6.xml><?xml version="1.0" encoding="utf-8"?>
+<p:sld xmlns:a="http://schemas.openxmlformats.org/drawingml/2006/main" xmlns:r="http://schemas.openxmlformats.org/officeDocument/2006/relationships" xmlns:p="http://schemas.openxmlformats.org/presentationml/2006/main">
+  <p:cSld>
+    <p:spTree>
+      <p:nvGrpSpPr>
+        <p:cNvPr id="1" name=""/>
+        <p:cNvGrpSpPr/>
+        <p:nvPr/>
+      </p:nvGrpSpPr>
+      <p:grpSpPr>
+        <a:xfrm>
+          <a:off x="0" y="0"/>
+          <a:ext cx="0" cy="0"/>
+          <a:chOff x="0" y="0"/>
+          <a:chExt cx="0" cy="0"/>
+        </a:xfrm>
+      </p:grpSpPr>
+      <p:sp>
+        <p:nvSpPr>
+          <p:cNvPr id="2" name="Titel 1"/>
+          <p:cNvSpPr>
+            <a:spLocks noGrp="1"/>
+          </p:cNvSpPr>
+          <p:nvPr>
+            <p:ph type="title"/>
+          </p:nvPr>
+        </p:nvSpPr>
+        <p:spPr/>
+        <p:txBody>
+          <a:bodyPr/>
+          <a:lstStyle/>
+          <a:p>
+            <a:r>
+              <a:rPr lang="de-DE" dirty="0"/>
               <a:t>Komponenten</a:t>
             </a:r>
           </a:p>
@@ -5793,6 +7207,12 @@
             <a:r>
               <a:rPr lang="de-DE" dirty="0"/>
               <a:t> Sensor (Bodenfeuchtigkeitssensor)</a:t>
+            </a:r>
+          </a:p>
+          <a:p>
+            <a:r>
+              <a:rPr lang="de-DE" dirty="0"/>
+              <a:t>Akku mit 2000mAh</a:t>
             </a:r>
           </a:p>
           <a:p>
@@ -5856,77 +7276,6 @@
 </p:sld>
 </file>
 
-<file path=ppt/slides/slide6.xml><?xml version="1.0" encoding="utf-8"?>
-<p:sld xmlns:a="http://schemas.openxmlformats.org/drawingml/2006/main" xmlns:r="http://schemas.openxmlformats.org/officeDocument/2006/relationships" xmlns:p="http://schemas.openxmlformats.org/presentationml/2006/main">
-  <p:cSld>
-    <p:spTree>
-      <p:nvGrpSpPr>
-        <p:cNvPr id="1" name=""/>
-        <p:cNvGrpSpPr/>
-        <p:nvPr/>
-      </p:nvGrpSpPr>
-      <p:grpSpPr>
-        <a:xfrm>
-          <a:off x="0" y="0"/>
-          <a:ext cx="0" cy="0"/>
-          <a:chOff x="0" y="0"/>
-          <a:chExt cx="0" cy="0"/>
-        </a:xfrm>
-      </p:grpSpPr>
-      <p:sp>
-        <p:nvSpPr>
-          <p:cNvPr id="2" name="Titel 1"/>
-          <p:cNvSpPr>
-            <a:spLocks noGrp="1"/>
-          </p:cNvSpPr>
-          <p:nvPr>
-            <p:ph type="title"/>
-          </p:nvPr>
-        </p:nvSpPr>
-        <p:spPr/>
-        <p:txBody>
-          <a:bodyPr/>
-          <a:lstStyle/>
-          <a:p>
-            <a:r>
-              <a:rPr lang="de-DE" dirty="0"/>
-              <a:t>Hardware Aufbau</a:t>
-            </a:r>
-          </a:p>
-        </p:txBody>
-      </p:sp>
-      <p:sp>
-        <p:nvSpPr>
-          <p:cNvPr id="3" name="Inhaltsplatzhalter 2"/>
-          <p:cNvSpPr>
-            <a:spLocks noGrp="1"/>
-          </p:cNvSpPr>
-          <p:nvPr>
-            <p:ph idx="1"/>
-          </p:nvPr>
-        </p:nvSpPr>
-        <p:spPr/>
-        <p:txBody>
-          <a:bodyPr/>
-          <a:lstStyle/>
-          <a:p>
-            <a:endParaRPr lang="de-DE"/>
-          </a:p>
-        </p:txBody>
-      </p:sp>
-    </p:spTree>
-    <p:extLst>
-      <p:ext uri="{BB962C8B-B14F-4D97-AF65-F5344CB8AC3E}">
-        <p14:creationId xmlns:p14="http://schemas.microsoft.com/office/powerpoint/2010/main" val="4277489425"/>
-      </p:ext>
-    </p:extLst>
-  </p:cSld>
-  <p:clrMapOvr>
-    <a:masterClrMapping/>
-  </p:clrMapOvr>
-</p:sld>
-</file>
-
 <file path=ppt/slides/slide7.xml><?xml version="1.0" encoding="utf-8"?>
 <p:sld xmlns:a="http://schemas.openxmlformats.org/drawingml/2006/main" xmlns:r="http://schemas.openxmlformats.org/officeDocument/2006/relationships" xmlns:p="http://schemas.openxmlformats.org/presentationml/2006/main">
   <p:cSld>
@@ -5961,14 +7310,20 @@
           <a:p>
             <a:r>
               <a:rPr lang="de-DE" dirty="0"/>
-              <a:t>Beispiel: Auslesen der Temperatur</a:t>
+              <a:t>Hardware Aufbau</a:t>
             </a:r>
           </a:p>
         </p:txBody>
       </p:sp>
       <p:pic>
         <p:nvPicPr>
-          <p:cNvPr id="4" name="Inhaltsplatzhalter 3"/>
+          <p:cNvPr id="5" name="Inhaltsplatzhalter 4">
+            <a:extLst>
+              <a:ext uri="{FF2B5EF4-FFF2-40B4-BE49-F238E27FC236}">
+                <a16:creationId xmlns:a16="http://schemas.microsoft.com/office/drawing/2014/main" id="{42FADFA5-2B49-4359-8815-E8956ADEF9CC}"/>
+              </a:ext>
+            </a:extLst>
+          </p:cNvPr>
           <p:cNvPicPr>
             <a:picLocks noGrp="1" noChangeAspect="1"/>
           </p:cNvPicPr>
@@ -5976,8 +7331,94 @@
             <p:ph idx="1"/>
           </p:nvPr>
         </p:nvPicPr>
+        <p:blipFill rotWithShape="1">
+          <a:blip r:embed="rId2" cstate="print">
+            <a:extLst>
+              <a:ext uri="{28A0092B-C50C-407E-A947-70E740481C1C}">
+                <a14:useLocalDpi xmlns:a14="http://schemas.microsoft.com/office/drawing/2010/main" val="0"/>
+              </a:ext>
+            </a:extLst>
+          </a:blip>
+          <a:srcRect b="3198"/>
+          <a:stretch/>
+        </p:blipFill>
+        <p:spPr>
+          <a:xfrm rot="5400000">
+            <a:off x="3482981" y="1037449"/>
+            <a:ext cx="5226038" cy="5764580"/>
+          </a:xfrm>
+        </p:spPr>
+      </p:pic>
+    </p:spTree>
+    <p:extLst>
+      <p:ext uri="{BB962C8B-B14F-4D97-AF65-F5344CB8AC3E}">
+        <p14:creationId xmlns:p14="http://schemas.microsoft.com/office/powerpoint/2010/main" val="4277489425"/>
+      </p:ext>
+    </p:extLst>
+  </p:cSld>
+  <p:clrMapOvr>
+    <a:masterClrMapping/>
+  </p:clrMapOvr>
+</p:sld>
+</file>
+
+<file path=ppt/slides/slide8.xml><?xml version="1.0" encoding="utf-8"?>
+<p:sld xmlns:a="http://schemas.openxmlformats.org/drawingml/2006/main" xmlns:r="http://schemas.openxmlformats.org/officeDocument/2006/relationships" xmlns:p="http://schemas.openxmlformats.org/presentationml/2006/main">
+  <p:cSld>
+    <p:spTree>
+      <p:nvGrpSpPr>
+        <p:cNvPr id="1" name=""/>
+        <p:cNvGrpSpPr/>
+        <p:nvPr/>
+      </p:nvGrpSpPr>
+      <p:grpSpPr>
+        <a:xfrm>
+          <a:off x="0" y="0"/>
+          <a:ext cx="0" cy="0"/>
+          <a:chOff x="0" y="0"/>
+          <a:chExt cx="0" cy="0"/>
+        </a:xfrm>
+      </p:grpSpPr>
+      <p:sp>
+        <p:nvSpPr>
+          <p:cNvPr id="2" name="Titel 1"/>
+          <p:cNvSpPr>
+            <a:spLocks noGrp="1"/>
+          </p:cNvSpPr>
+          <p:nvPr>
+            <p:ph type="title"/>
+          </p:nvPr>
+        </p:nvSpPr>
+        <p:spPr/>
+        <p:txBody>
+          <a:bodyPr/>
+          <a:lstStyle/>
+          <a:p>
+            <a:r>
+              <a:rPr lang="de-DE" dirty="0"/>
+              <a:t>Beispiel: Auslesen der Temperatur</a:t>
+            </a:r>
+          </a:p>
+        </p:txBody>
+      </p:sp>
+      <p:pic>
+        <p:nvPicPr>
+          <p:cNvPr id="7" name="Inhaltsplatzhalter 6">
+            <a:extLst>
+              <a:ext uri="{FF2B5EF4-FFF2-40B4-BE49-F238E27FC236}">
+                <a16:creationId xmlns:a16="http://schemas.microsoft.com/office/drawing/2014/main" id="{3DB5A305-9470-4686-B12B-678AF4390DCD}"/>
+              </a:ext>
+            </a:extLst>
+          </p:cNvPr>
+          <p:cNvPicPr>
+            <a:picLocks noGrp="1" noChangeAspect="1"/>
+          </p:cNvPicPr>
+          <p:nvPr>
+            <p:ph idx="1"/>
+          </p:nvPr>
+        </p:nvPicPr>
         <p:blipFill>
-          <a:blip r:embed="rId2">
+          <a:blip r:embed="rId3">
             <a:extLst>
               <a:ext uri="{28A0092B-C50C-407E-A947-70E740481C1C}">
                 <a14:useLocalDpi xmlns:a14="http://schemas.microsoft.com/office/drawing/2010/main" val="0"/>
@@ -5990,8 +7431,8 @@
         </p:blipFill>
         <p:spPr>
           <a:xfrm>
-            <a:off x="366392" y="1916031"/>
-            <a:ext cx="11459216" cy="2958642"/>
+            <a:off x="605852" y="2196542"/>
+            <a:ext cx="10980295" cy="2628488"/>
           </a:xfrm>
         </p:spPr>
       </p:pic>
@@ -6008,7 +7449,7 @@
 </p:sld>
 </file>
 
-<file path=ppt/slides/slide8.xml><?xml version="1.0" encoding="utf-8"?>
+<file path=ppt/slides/slide9.xml><?xml version="1.0" encoding="utf-8"?>
 <p:sld xmlns:a="http://schemas.openxmlformats.org/drawingml/2006/main" xmlns:r="http://schemas.openxmlformats.org/officeDocument/2006/relationships" xmlns:p="http://schemas.openxmlformats.org/presentationml/2006/main">
   <p:cSld>
     <p:spTree>
@@ -6113,168 +7554,6 @@
     <p:extLst>
       <p:ext uri="{BB962C8B-B14F-4D97-AF65-F5344CB8AC3E}">
         <p14:creationId xmlns:p14="http://schemas.microsoft.com/office/powerpoint/2010/main" val="2464539161"/>
-      </p:ext>
-    </p:extLst>
-  </p:cSld>
-  <p:clrMapOvr>
-    <a:masterClrMapping/>
-  </p:clrMapOvr>
-</p:sld>
-</file>
-
-<file path=ppt/slides/slide9.xml><?xml version="1.0" encoding="utf-8"?>
-<p:sld xmlns:a="http://schemas.openxmlformats.org/drawingml/2006/main" xmlns:r="http://schemas.openxmlformats.org/officeDocument/2006/relationships" xmlns:p="http://schemas.openxmlformats.org/presentationml/2006/main">
-  <p:cSld>
-    <p:spTree>
-      <p:nvGrpSpPr>
-        <p:cNvPr id="1" name=""/>
-        <p:cNvGrpSpPr/>
-        <p:nvPr/>
-      </p:nvGrpSpPr>
-      <p:grpSpPr>
-        <a:xfrm>
-          <a:off x="0" y="0"/>
-          <a:ext cx="0" cy="0"/>
-          <a:chOff x="0" y="0"/>
-          <a:chExt cx="0" cy="0"/>
-        </a:xfrm>
-      </p:grpSpPr>
-      <p:sp>
-        <p:nvSpPr>
-          <p:cNvPr id="2" name="Titel 1"/>
-          <p:cNvSpPr>
-            <a:spLocks noGrp="1"/>
-          </p:cNvSpPr>
-          <p:nvPr>
-            <p:ph type="title"/>
-          </p:nvPr>
-        </p:nvSpPr>
-        <p:spPr/>
-        <p:txBody>
-          <a:bodyPr/>
-          <a:lstStyle/>
-          <a:p>
-            <a:r>
-              <a:rPr lang="de-DE" dirty="0"/>
-              <a:t>Daten auslesen und auswerten</a:t>
-            </a:r>
-          </a:p>
-        </p:txBody>
-      </p:sp>
-      <p:sp>
-        <p:nvSpPr>
-          <p:cNvPr id="3" name="Inhaltsplatzhalter 2"/>
-          <p:cNvSpPr>
-            <a:spLocks noGrp="1"/>
-          </p:cNvSpPr>
-          <p:nvPr>
-            <p:ph idx="1"/>
-          </p:nvPr>
-        </p:nvSpPr>
-        <p:spPr/>
-        <p:txBody>
-          <a:bodyPr/>
-          <a:lstStyle/>
-          <a:p>
-            <a:r>
-              <a:rPr lang="de-DE" dirty="0" err="1"/>
-              <a:t>bwCloud</a:t>
-            </a:r>
-            <a:r>
-              <a:rPr lang="de-DE" dirty="0"/>
-              <a:t> Ubuntu VM</a:t>
-            </a:r>
-          </a:p>
-          <a:p>
-            <a:r>
-              <a:rPr lang="de-DE" dirty="0" err="1"/>
-              <a:t>Node-Red</a:t>
-            </a:r>
-            <a:endParaRPr lang="de-DE" dirty="0"/>
-          </a:p>
-          <a:p>
-            <a:r>
-              <a:rPr lang="de-DE" dirty="0" err="1"/>
-              <a:t>InfluxDB</a:t>
-            </a:r>
-            <a:endParaRPr lang="de-DE" dirty="0"/>
-          </a:p>
-          <a:p>
-            <a:r>
-              <a:rPr lang="de-DE" dirty="0" err="1"/>
-              <a:t>Grafana</a:t>
-            </a:r>
-            <a:endParaRPr lang="de-DE" dirty="0"/>
-          </a:p>
-          <a:p>
-            <a:endParaRPr lang="de-DE" dirty="0"/>
-          </a:p>
-        </p:txBody>
-      </p:sp>
-      <p:pic>
-        <p:nvPicPr>
-          <p:cNvPr id="4" name="Grafik 3"/>
-          <p:cNvPicPr>
-            <a:picLocks noChangeAspect="1"/>
-          </p:cNvPicPr>
-          <p:nvPr/>
-        </p:nvPicPr>
-        <p:blipFill>
-          <a:blip r:embed="rId3">
-            <a:extLst>
-              <a:ext uri="{28A0092B-C50C-407E-A947-70E740481C1C}">
-                <a14:useLocalDpi xmlns:a14="http://schemas.microsoft.com/office/drawing/2010/main" val="0"/>
-              </a:ext>
-            </a:extLst>
-          </a:blip>
-          <a:stretch>
-            <a:fillRect/>
-          </a:stretch>
-        </p:blipFill>
-        <p:spPr>
-          <a:xfrm>
-            <a:off x="8376987" y="1177355"/>
-            <a:ext cx="3552885" cy="2535872"/>
-          </a:xfrm>
-          <a:prstGeom prst="rect">
-            <a:avLst/>
-          </a:prstGeom>
-        </p:spPr>
-      </p:pic>
-      <p:pic>
-        <p:nvPicPr>
-          <p:cNvPr id="7" name="Grafik 6"/>
-          <p:cNvPicPr>
-            <a:picLocks noChangeAspect="1"/>
-          </p:cNvPicPr>
-          <p:nvPr/>
-        </p:nvPicPr>
-        <p:blipFill>
-          <a:blip r:embed="rId4" cstate="print">
-            <a:extLst>
-              <a:ext uri="{28A0092B-C50C-407E-A947-70E740481C1C}">
-                <a14:useLocalDpi xmlns:a14="http://schemas.microsoft.com/office/drawing/2010/main" val="0"/>
-              </a:ext>
-            </a:extLst>
-          </a:blip>
-          <a:stretch>
-            <a:fillRect/>
-          </a:stretch>
-        </p:blipFill>
-        <p:spPr>
-          <a:xfrm>
-            <a:off x="6300216" y="3848164"/>
-            <a:ext cx="5053584" cy="2526792"/>
-          </a:xfrm>
-          <a:prstGeom prst="rect">
-            <a:avLst/>
-          </a:prstGeom>
-        </p:spPr>
-      </p:pic>
-    </p:spTree>
-    <p:extLst>
-      <p:ext uri="{BB962C8B-B14F-4D97-AF65-F5344CB8AC3E}">
-        <p14:creationId xmlns:p14="http://schemas.microsoft.com/office/powerpoint/2010/main" val="2974524399"/>
       </p:ext>
     </p:extLst>
   </p:cSld>
